--- a/Documentation/Doxygen/General/src/General.pptx
+++ b/Documentation/Doxygen/General/src/General.pptx
@@ -5,15 +5,16 @@
     <p:sldMasterId id="2147483716" r:id="rId5"/>
   </p:sldMasterIdLst>
   <p:notesMasterIdLst>
-    <p:notesMasterId r:id="rId9"/>
+    <p:notesMasterId r:id="rId10"/>
   </p:notesMasterIdLst>
   <p:handoutMasterIdLst>
-    <p:handoutMasterId r:id="rId10"/>
+    <p:handoutMasterId r:id="rId11"/>
   </p:handoutMasterIdLst>
   <p:sldIdLst>
     <p:sldId id="330" r:id="rId6"/>
     <p:sldId id="331" r:id="rId7"/>
     <p:sldId id="332" r:id="rId8"/>
+    <p:sldId id="333" r:id="rId9"/>
   </p:sldIdLst>
   <p:sldSz cx="12188825" cy="6858000"/>
   <p:notesSz cx="6858000" cy="9144000"/>
@@ -112,6 +113,46 @@
       </a:defRPr>
     </a:lvl9pPr>
   </p:defaultTextStyle>
+  <p:extLst>
+    <p:ext uri="{EFAFB233-063F-42B5-8137-9DF3F51BA10A}">
+      <p15:sldGuideLst xmlns:p15="http://schemas.microsoft.com/office/powerpoint/2012/main">
+        <p15:guide id="1" orient="horz">
+          <p15:clr>
+            <a:srgbClr val="A4A3A4"/>
+          </p15:clr>
+        </p15:guide>
+        <p15:guide id="2" pos="6861">
+          <p15:clr>
+            <a:srgbClr val="A4A3A4"/>
+          </p15:clr>
+        </p15:guide>
+        <p15:guide id="3" pos="321">
+          <p15:clr>
+            <a:srgbClr val="A4A3A4"/>
+          </p15:clr>
+        </p15:guide>
+        <p15:guide id="4" pos="822">
+          <p15:clr>
+            <a:srgbClr val="A4A3A4"/>
+          </p15:clr>
+        </p15:guide>
+      </p15:sldGuideLst>
+    </p:ext>
+    <p:ext uri="{2D200454-40CA-4A62-9FC3-DE9A4176ACB9}">
+      <p15:notesGuideLst xmlns:p15="http://schemas.microsoft.com/office/powerpoint/2012/main">
+        <p15:guide id="1" orient="horz" pos="2880">
+          <p15:clr>
+            <a:srgbClr val="A4A3A4"/>
+          </p15:clr>
+        </p15:guide>
+        <p15:guide id="2" pos="2160">
+          <p15:clr>
+            <a:srgbClr val="A4A3A4"/>
+          </p15:clr>
+        </p15:guide>
+      </p15:notesGuideLst>
+    </p:ext>
+  </p:extLst>
 </p:presentation>
 </file>
 
@@ -893,7 +934,7 @@
         <a:lstStyle/>
         <a:p>
           <a:r>
-            <a:rPr lang="en-US" b="1" dirty="0" smtClean="0"/>
+            <a:rPr lang="en-US" b="1" dirty="0"/>
             <a:t>Add Middleware</a:t>
           </a:r>
           <a:endParaRPr lang="en-US" dirty="0"/>
@@ -938,17 +979,16 @@
         <a:lstStyle/>
         <a:p>
           <a:r>
-            <a:rPr lang="en-US" dirty="0" smtClean="0"/>
+            <a:rPr lang="en-US" dirty="0"/>
             <a:t>Select the required middleware components for your application in the</a:t>
           </a:r>
           <a:br>
-            <a:rPr lang="en-US" dirty="0" smtClean="0"/>
+            <a:rPr lang="en-US" dirty="0"/>
           </a:br>
           <a:r>
-            <a:rPr lang="en-US" dirty="0" smtClean="0"/>
+            <a:rPr lang="en-US" dirty="0"/>
             <a:t>Manage Run-Time Environment window</a:t>
           </a:r>
-          <a:endParaRPr lang="en-US" dirty="0"/>
         </a:p>
       </dgm:t>
     </dgm:pt>
@@ -986,7 +1026,7 @@
         <a:lstStyle/>
         <a:p>
           <a:r>
-            <a:rPr lang="en-US" b="1" dirty="0" smtClean="0"/>
+            <a:rPr lang="en-US" b="1" dirty="0"/>
             <a:t>Configure Middleware</a:t>
           </a:r>
           <a:endParaRPr lang="en-US" dirty="0"/>
@@ -1031,7 +1071,7 @@
         <a:lstStyle/>
         <a:p>
           <a:r>
-            <a:rPr lang="en-GB" dirty="0" smtClean="0"/>
+            <a:rPr lang="en-GB" dirty="0"/>
             <a:t>Adjust the parameters of the middleware components in their related configuration files</a:t>
           </a:r>
           <a:endParaRPr lang="en-US" dirty="0"/>
@@ -1072,7 +1112,7 @@
         <a:lstStyle/>
         <a:p>
           <a:r>
-            <a:rPr lang="en-US" b="1" dirty="0" smtClean="0"/>
+            <a:rPr lang="en-US" b="1" dirty="0"/>
             <a:t>Configure Drivers</a:t>
           </a:r>
           <a:endParaRPr lang="en-US" dirty="0"/>
@@ -1117,7 +1157,7 @@
         <a:lstStyle/>
         <a:p>
           <a:r>
-            <a:rPr lang="en-GB" dirty="0" smtClean="0"/>
+            <a:rPr lang="en-GB" dirty="0"/>
             <a:t>Configure the peripheral interfaces that connect the middleware components with physical I/O pins of the device</a:t>
           </a:r>
           <a:endParaRPr lang="en-US" dirty="0"/>
@@ -1158,10 +1198,9 @@
         <a:lstStyle/>
         <a:p>
           <a:r>
-            <a:rPr lang="en-US" b="1" dirty="0" smtClean="0"/>
+            <a:rPr lang="en-US" b="1" dirty="0"/>
             <a:t>Configure System Resources</a:t>
           </a:r>
-          <a:endParaRPr lang="en-US" b="1" dirty="0"/>
         </a:p>
       </dgm:t>
     </dgm:pt>
@@ -1203,7 +1242,7 @@
         <a:lstStyle/>
         <a:p>
           <a:r>
-            <a:rPr lang="en-GB" dirty="0" smtClean="0"/>
+            <a:rPr lang="en-GB" dirty="0"/>
             <a:t>Configure RTOS, memory, and stack resources to the requirements of the middleware components</a:t>
           </a:r>
           <a:endParaRPr lang="en-US" dirty="0"/>
@@ -1244,10 +1283,9 @@
         <a:lstStyle/>
         <a:p>
           <a:r>
-            <a:rPr lang="en-US" b="1" dirty="0" smtClean="0"/>
+            <a:rPr lang="en-US" b="1" dirty="0"/>
             <a:t>Implement Application Features</a:t>
           </a:r>
-          <a:endParaRPr lang="en-US" b="1" dirty="0"/>
         </a:p>
       </dgm:t>
     </dgm:pt>
@@ -1289,15 +1327,15 @@
         <a:lstStyle/>
         <a:p>
           <a:r>
-            <a:rPr lang="en-GB" dirty="0" smtClean="0"/>
+            <a:rPr lang="en-GB" dirty="0"/>
             <a:t>Use the API functions of the middleware components to implement the application specific </a:t>
           </a:r>
           <a:r>
-            <a:rPr lang="en-US" noProof="0" dirty="0" smtClean="0"/>
+            <a:rPr lang="en-US" noProof="0" dirty="0"/>
             <a:t>behavior</a:t>
           </a:r>
           <a:r>
-            <a:rPr lang="en-GB" dirty="0" smtClean="0"/>
+            <a:rPr lang="en-GB" dirty="0"/>
             <a:t>. Code templates help you create the related source code.</a:t>
           </a:r>
           <a:endParaRPr lang="en-US" dirty="0"/>
@@ -1336,13 +1374,6 @@
         </dgm:presLayoutVars>
       </dgm:prSet>
       <dgm:spPr/>
-      <dgm:t>
-        <a:bodyPr/>
-        <a:lstStyle/>
-        <a:p>
-          <a:endParaRPr lang="en-US"/>
-        </a:p>
-      </dgm:t>
     </dgm:pt>
     <dgm:pt modelId="{6B7D29B2-9306-43CD-9442-C1A030FF23FE}" type="pres">
       <dgm:prSet presAssocID="{EDBEA413-129B-40E3-B059-6F51D93E5429}" presName="horFlow" presStyleCnt="0"/>
@@ -1351,13 +1382,6 @@
     <dgm:pt modelId="{6273CEA1-2441-4483-90CE-A1F6C0EDB180}" type="pres">
       <dgm:prSet presAssocID="{EDBEA413-129B-40E3-B059-6F51D93E5429}" presName="bigChev" presStyleLbl="node1" presStyleIdx="0" presStyleCnt="5" custLinFactX="-152926" custLinFactNeighborX="-200000"/>
       <dgm:spPr/>
-      <dgm:t>
-        <a:bodyPr/>
-        <a:lstStyle/>
-        <a:p>
-          <a:endParaRPr lang="en-US"/>
-        </a:p>
-      </dgm:t>
     </dgm:pt>
     <dgm:pt modelId="{6F536E7F-D57A-4982-8C6F-358AF589CA0E}" type="pres">
       <dgm:prSet presAssocID="{4129F9F7-FBA2-4505-AA1E-6B83C6868664}" presName="parTrans" presStyleCnt="0"/>
@@ -1370,13 +1394,6 @@
         </dgm:presLayoutVars>
       </dgm:prSet>
       <dgm:spPr/>
-      <dgm:t>
-        <a:bodyPr/>
-        <a:lstStyle/>
-        <a:p>
-          <a:endParaRPr lang="en-US"/>
-        </a:p>
-      </dgm:t>
     </dgm:pt>
     <dgm:pt modelId="{A09D3682-934E-4C73-A4E5-73B56067F7E9}" type="pres">
       <dgm:prSet presAssocID="{EDBEA413-129B-40E3-B059-6F51D93E5429}" presName="vSp" presStyleCnt="0"/>
@@ -1389,13 +1406,6 @@
     <dgm:pt modelId="{8841CFB1-ECB3-4C84-9509-64E1979A5050}" type="pres">
       <dgm:prSet presAssocID="{54CAA533-A0F6-47A8-829E-DF3719B2FAC3}" presName="bigChev" presStyleLbl="node1" presStyleIdx="1" presStyleCnt="5" custLinFactX="-152926" custLinFactNeighborX="-200000"/>
       <dgm:spPr/>
-      <dgm:t>
-        <a:bodyPr/>
-        <a:lstStyle/>
-        <a:p>
-          <a:endParaRPr lang="en-US"/>
-        </a:p>
-      </dgm:t>
     </dgm:pt>
     <dgm:pt modelId="{BA9267BC-CA17-41A4-89C7-97D5E19716DE}" type="pres">
       <dgm:prSet presAssocID="{F30B5BC4-A5DA-4B5B-B12B-0D7C2CE07882}" presName="parTrans" presStyleCnt="0"/>
@@ -1408,13 +1418,6 @@
         </dgm:presLayoutVars>
       </dgm:prSet>
       <dgm:spPr/>
-      <dgm:t>
-        <a:bodyPr/>
-        <a:lstStyle/>
-        <a:p>
-          <a:endParaRPr lang="en-US"/>
-        </a:p>
-      </dgm:t>
     </dgm:pt>
     <dgm:pt modelId="{979316E8-6F6E-409A-B8C1-339F25D2F232}" type="pres">
       <dgm:prSet presAssocID="{54CAA533-A0F6-47A8-829E-DF3719B2FAC3}" presName="vSp" presStyleCnt="0"/>
@@ -1427,13 +1430,6 @@
     <dgm:pt modelId="{64A14E95-DC54-4BCA-BFB2-825C5D8B079A}" type="pres">
       <dgm:prSet presAssocID="{187E599B-67FC-467E-82BF-56AB3DD0CFFD}" presName="bigChev" presStyleLbl="node1" presStyleIdx="2" presStyleCnt="5" custLinFactX="-152926" custLinFactNeighborX="-200000"/>
       <dgm:spPr/>
-      <dgm:t>
-        <a:bodyPr/>
-        <a:lstStyle/>
-        <a:p>
-          <a:endParaRPr lang="en-US"/>
-        </a:p>
-      </dgm:t>
     </dgm:pt>
     <dgm:pt modelId="{ED19C526-D679-4C87-879E-F7AE6331F03D}" type="pres">
       <dgm:prSet presAssocID="{FE78A15F-AE4F-4BE2-A49C-D12FBE41F94B}" presName="parTrans" presStyleCnt="0"/>
@@ -1446,13 +1442,6 @@
         </dgm:presLayoutVars>
       </dgm:prSet>
       <dgm:spPr/>
-      <dgm:t>
-        <a:bodyPr/>
-        <a:lstStyle/>
-        <a:p>
-          <a:endParaRPr lang="en-US"/>
-        </a:p>
-      </dgm:t>
     </dgm:pt>
     <dgm:pt modelId="{701D8703-879A-4554-AADC-9E8071E28128}" type="pres">
       <dgm:prSet presAssocID="{187E599B-67FC-467E-82BF-56AB3DD0CFFD}" presName="vSp" presStyleCnt="0"/>
@@ -1465,13 +1454,6 @@
     <dgm:pt modelId="{6C188C42-2ECB-4093-AE15-8EB8F5DE1DD7}" type="pres">
       <dgm:prSet presAssocID="{29F654E5-6DA8-4A80-9BDF-500244E93218}" presName="bigChev" presStyleLbl="node1" presStyleIdx="3" presStyleCnt="5" custLinFactX="-152926" custLinFactNeighborX="-200000"/>
       <dgm:spPr/>
-      <dgm:t>
-        <a:bodyPr/>
-        <a:lstStyle/>
-        <a:p>
-          <a:endParaRPr lang="en-US"/>
-        </a:p>
-      </dgm:t>
     </dgm:pt>
     <dgm:pt modelId="{9C91E2AA-B494-46A6-B3FF-C69EE2C03C99}" type="pres">
       <dgm:prSet presAssocID="{23C56FEC-34D8-46C5-9EFD-D4D09D957D51}" presName="parTrans" presStyleCnt="0"/>
@@ -1484,13 +1466,6 @@
         </dgm:presLayoutVars>
       </dgm:prSet>
       <dgm:spPr/>
-      <dgm:t>
-        <a:bodyPr/>
-        <a:lstStyle/>
-        <a:p>
-          <a:endParaRPr lang="en-US"/>
-        </a:p>
-      </dgm:t>
     </dgm:pt>
     <dgm:pt modelId="{F2FB8D41-DBFD-4637-9AE5-CAC54732407E}" type="pres">
       <dgm:prSet presAssocID="{29F654E5-6DA8-4A80-9BDF-500244E93218}" presName="vSp" presStyleCnt="0"/>
@@ -1503,13 +1478,6 @@
     <dgm:pt modelId="{3FC6B6A0-357B-42AB-BBE8-C765BFD392DA}" type="pres">
       <dgm:prSet presAssocID="{706DA425-80F1-4604-AA9F-580AC50D85DB}" presName="bigChev" presStyleLbl="node1" presStyleIdx="4" presStyleCnt="5" custLinFactX="-152926" custLinFactNeighborX="-200000"/>
       <dgm:spPr/>
-      <dgm:t>
-        <a:bodyPr/>
-        <a:lstStyle/>
-        <a:p>
-          <a:endParaRPr lang="en-US"/>
-        </a:p>
-      </dgm:t>
     </dgm:pt>
     <dgm:pt modelId="{1E29A5C5-898A-49F7-8979-94EE29CC0226}" type="pres">
       <dgm:prSet presAssocID="{6B1BBF2B-24DA-40DB-A0AA-2829F9234E6A}" presName="parTrans" presStyleCnt="0"/>
@@ -1522,37 +1490,30 @@
         </dgm:presLayoutVars>
       </dgm:prSet>
       <dgm:spPr/>
-      <dgm:t>
-        <a:bodyPr/>
-        <a:lstStyle/>
-        <a:p>
-          <a:endParaRPr lang="en-US"/>
-        </a:p>
-      </dgm:t>
     </dgm:pt>
   </dgm:ptLst>
   <dgm:cxnLst>
+    <dgm:cxn modelId="{52E18C05-7F0E-4035-9E30-0DE4DD384CFD}" srcId="{439B1B3E-5009-4417-8AF0-6B763BB0D984}" destId="{EDBEA413-129B-40E3-B059-6F51D93E5429}" srcOrd="0" destOrd="0" parTransId="{36B84E1C-0339-4151-B73E-0FE3F7666EB9}" sibTransId="{1585F2CC-A0FE-40D5-AFE8-992A1283108A}"/>
     <dgm:cxn modelId="{24724814-780B-4353-874B-F1EF0C5989BF}" type="presOf" srcId="{F98F0CF4-3106-4B87-8B0E-BF10266ABF1A}" destId="{FA999BE2-393A-41ED-8F3E-F0628098B1F6}" srcOrd="0" destOrd="0" presId="urn:microsoft.com/office/officeart/2005/8/layout/lProcess3"/>
-    <dgm:cxn modelId="{B36E90CE-56EC-4F9B-B083-1DB4DA6AA5C7}" srcId="{54CAA533-A0F6-47A8-829E-DF3719B2FAC3}" destId="{40DA0BD0-F95B-44F9-9B8E-03D0A25A4BBF}" srcOrd="0" destOrd="0" parTransId="{F30B5BC4-A5DA-4B5B-B12B-0D7C2CE07882}" sibTransId="{F3ED9770-223A-42A9-810D-53F6CDBC666A}"/>
     <dgm:cxn modelId="{CD36CC1C-9A9A-4969-B3E6-960283D796E9}" type="presOf" srcId="{187E599B-67FC-467E-82BF-56AB3DD0CFFD}" destId="{64A14E95-DC54-4BCA-BFB2-825C5D8B079A}" srcOrd="0" destOrd="0" presId="urn:microsoft.com/office/officeart/2005/8/layout/lProcess3"/>
-    <dgm:cxn modelId="{51A9EBBC-084E-4485-A282-6D623F96CB1F}" type="presOf" srcId="{439B1B3E-5009-4417-8AF0-6B763BB0D984}" destId="{81CF10AB-EF2C-4D26-9FC8-D1DD856AB030}" srcOrd="0" destOrd="0" presId="urn:microsoft.com/office/officeart/2005/8/layout/lProcess3"/>
-    <dgm:cxn modelId="{406D03D8-5D08-4C27-9D5D-D6B939EF98AE}" type="presOf" srcId="{6A99DE55-FF08-4D11-9E29-DC3E758EDE1D}" destId="{4F529471-775C-44A8-B6EB-34F75364E010}" srcOrd="0" destOrd="0" presId="urn:microsoft.com/office/officeart/2005/8/layout/lProcess3"/>
-    <dgm:cxn modelId="{578207F1-0BE5-438E-9F07-37FFE2F35B1B}" srcId="{29F654E5-6DA8-4A80-9BDF-500244E93218}" destId="{CA732DC0-2007-474B-B00C-4A1DA91017C3}" srcOrd="0" destOrd="0" parTransId="{23C56FEC-34D8-46C5-9EFD-D4D09D957D51}" sibTransId="{D5649D79-D1F4-4A0C-982E-B7CC1761E992}"/>
-    <dgm:cxn modelId="{52E18C05-7F0E-4035-9E30-0DE4DD384CFD}" srcId="{439B1B3E-5009-4417-8AF0-6B763BB0D984}" destId="{EDBEA413-129B-40E3-B059-6F51D93E5429}" srcOrd="0" destOrd="0" parTransId="{36B84E1C-0339-4151-B73E-0FE3F7666EB9}" sibTransId="{1585F2CC-A0FE-40D5-AFE8-992A1283108A}"/>
-    <dgm:cxn modelId="{9DE520CB-CCD0-4290-A782-F8829D953D00}" srcId="{439B1B3E-5009-4417-8AF0-6B763BB0D984}" destId="{187E599B-67FC-467E-82BF-56AB3DD0CFFD}" srcOrd="2" destOrd="0" parTransId="{BB8F3043-A54B-4975-8D50-C5A16B1EF8D2}" sibTransId="{914EB2CA-FCEB-4964-9311-803228D89140}"/>
     <dgm:cxn modelId="{432A6921-406F-4460-A09E-8E66FEBC4E6E}" srcId="{439B1B3E-5009-4417-8AF0-6B763BB0D984}" destId="{54CAA533-A0F6-47A8-829E-DF3719B2FAC3}" srcOrd="1" destOrd="0" parTransId="{783A89B8-A347-4E02-A209-A75A13DD9CE2}" sibTransId="{2F9DCC80-88BA-43E6-AB54-88E01BECACC1}"/>
-    <dgm:cxn modelId="{DC1008B2-BE3A-434F-A14D-2A46DCC05224}" type="presOf" srcId="{40DA0BD0-F95B-44F9-9B8E-03D0A25A4BBF}" destId="{59805000-4358-4EAB-9E93-D0F1EF9BFBCB}" srcOrd="0" destOrd="0" presId="urn:microsoft.com/office/officeart/2005/8/layout/lProcess3"/>
-    <dgm:cxn modelId="{93BDF5C4-9B2C-4014-87D6-6F3079770A92}" type="presOf" srcId="{706DA425-80F1-4604-AA9F-580AC50D85DB}" destId="{3FC6B6A0-357B-42AB-BBE8-C765BFD392DA}" srcOrd="0" destOrd="0" presId="urn:microsoft.com/office/officeart/2005/8/layout/lProcess3"/>
-    <dgm:cxn modelId="{E2AFAEE3-48B5-4813-9DF4-E3F18C3B82DD}" srcId="{EDBEA413-129B-40E3-B059-6F51D93E5429}" destId="{F98F0CF4-3106-4B87-8B0E-BF10266ABF1A}" srcOrd="0" destOrd="0" parTransId="{4129F9F7-FBA2-4505-AA1E-6B83C6868664}" sibTransId="{454406C8-D6B9-4C82-B9C8-16690C412CFA}"/>
-    <dgm:cxn modelId="{EE8EE4DE-602E-48F6-92B1-DD11AAA20769}" type="presOf" srcId="{EDBEA413-129B-40E3-B059-6F51D93E5429}" destId="{6273CEA1-2441-4483-90CE-A1F6C0EDB180}" srcOrd="0" destOrd="0" presId="urn:microsoft.com/office/officeart/2005/8/layout/lProcess3"/>
     <dgm:cxn modelId="{98DA123A-CF21-43B2-B89B-77E6F1A8F6C1}" srcId="{187E599B-67FC-467E-82BF-56AB3DD0CFFD}" destId="{6A99DE55-FF08-4D11-9E29-DC3E758EDE1D}" srcOrd="0" destOrd="0" parTransId="{FE78A15F-AE4F-4BE2-A49C-D12FBE41F94B}" sibTransId="{7C753EF6-381A-4D4E-9882-23E95F9DC532}"/>
-    <dgm:cxn modelId="{FD2A679F-1E65-47D1-93AE-2464B9204FB7}" srcId="{439B1B3E-5009-4417-8AF0-6B763BB0D984}" destId="{29F654E5-6DA8-4A80-9BDF-500244E93218}" srcOrd="3" destOrd="0" parTransId="{7ED6F562-5B65-4CE7-9D2A-A2FA10D6AE16}" sibTransId="{58F4A9CA-C4CB-4343-B5A6-86E1A7F69C9A}"/>
-    <dgm:cxn modelId="{FDFBAD98-25CF-4CCE-B99B-E4667D22B8A1}" type="presOf" srcId="{54CAA533-A0F6-47A8-829E-DF3719B2FAC3}" destId="{8841CFB1-ECB3-4C84-9509-64E1979A5050}" srcOrd="0" destOrd="0" presId="urn:microsoft.com/office/officeart/2005/8/layout/lProcess3"/>
-    <dgm:cxn modelId="{E7E3197D-B75B-45BD-9794-B2E81CA6F78C}" type="presOf" srcId="{E78DC0E1-554A-4E32-9EE5-005B3521BE09}" destId="{A690D193-F88F-407A-9A50-0784063C92E2}" srcOrd="0" destOrd="0" presId="urn:microsoft.com/office/officeart/2005/8/layout/lProcess3"/>
     <dgm:cxn modelId="{A2FD2C42-2174-43D9-BF47-91A72CD774AC}" type="presOf" srcId="{29F654E5-6DA8-4A80-9BDF-500244E93218}" destId="{6C188C42-2ECB-4093-AE15-8EB8F5DE1DD7}" srcOrd="0" destOrd="0" presId="urn:microsoft.com/office/officeart/2005/8/layout/lProcess3"/>
     <dgm:cxn modelId="{2A6EBC5F-9D5A-4467-A98F-3A2CAE57FA2A}" srcId="{439B1B3E-5009-4417-8AF0-6B763BB0D984}" destId="{706DA425-80F1-4604-AA9F-580AC50D85DB}" srcOrd="4" destOrd="0" parTransId="{B8065BF9-FCB7-4BDC-80DB-6A3CFF01C46D}" sibTransId="{C22549DB-612A-4C37-B54E-62F3E8B545E9}"/>
+    <dgm:cxn modelId="{9F09F960-8043-42EF-9C82-FED27BFB256D}" srcId="{706DA425-80F1-4604-AA9F-580AC50D85DB}" destId="{E78DC0E1-554A-4E32-9EE5-005B3521BE09}" srcOrd="0" destOrd="0" parTransId="{6B1BBF2B-24DA-40DB-A0AA-2829F9234E6A}" sibTransId="{D76807B3-8303-4D26-A594-A3AFEB7381C4}"/>
+    <dgm:cxn modelId="{E7E3197D-B75B-45BD-9794-B2E81CA6F78C}" type="presOf" srcId="{E78DC0E1-554A-4E32-9EE5-005B3521BE09}" destId="{A690D193-F88F-407A-9A50-0784063C92E2}" srcOrd="0" destOrd="0" presId="urn:microsoft.com/office/officeart/2005/8/layout/lProcess3"/>
+    <dgm:cxn modelId="{FDFBAD98-25CF-4CCE-B99B-E4667D22B8A1}" type="presOf" srcId="{54CAA533-A0F6-47A8-829E-DF3719B2FAC3}" destId="{8841CFB1-ECB3-4C84-9509-64E1979A5050}" srcOrd="0" destOrd="0" presId="urn:microsoft.com/office/officeart/2005/8/layout/lProcess3"/>
+    <dgm:cxn modelId="{FD2A679F-1E65-47D1-93AE-2464B9204FB7}" srcId="{439B1B3E-5009-4417-8AF0-6B763BB0D984}" destId="{29F654E5-6DA8-4A80-9BDF-500244E93218}" srcOrd="3" destOrd="0" parTransId="{7ED6F562-5B65-4CE7-9D2A-A2FA10D6AE16}" sibTransId="{58F4A9CA-C4CB-4343-B5A6-86E1A7F69C9A}"/>
+    <dgm:cxn modelId="{DC1008B2-BE3A-434F-A14D-2A46DCC05224}" type="presOf" srcId="{40DA0BD0-F95B-44F9-9B8E-03D0A25A4BBF}" destId="{59805000-4358-4EAB-9E93-D0F1EF9BFBCB}" srcOrd="0" destOrd="0" presId="urn:microsoft.com/office/officeart/2005/8/layout/lProcess3"/>
+    <dgm:cxn modelId="{51A9EBBC-084E-4485-A282-6D623F96CB1F}" type="presOf" srcId="{439B1B3E-5009-4417-8AF0-6B763BB0D984}" destId="{81CF10AB-EF2C-4D26-9FC8-D1DD856AB030}" srcOrd="0" destOrd="0" presId="urn:microsoft.com/office/officeart/2005/8/layout/lProcess3"/>
+    <dgm:cxn modelId="{93BDF5C4-9B2C-4014-87D6-6F3079770A92}" type="presOf" srcId="{706DA425-80F1-4604-AA9F-580AC50D85DB}" destId="{3FC6B6A0-357B-42AB-BBE8-C765BFD392DA}" srcOrd="0" destOrd="0" presId="urn:microsoft.com/office/officeart/2005/8/layout/lProcess3"/>
+    <dgm:cxn modelId="{9DE520CB-CCD0-4290-A782-F8829D953D00}" srcId="{439B1B3E-5009-4417-8AF0-6B763BB0D984}" destId="{187E599B-67FC-467E-82BF-56AB3DD0CFFD}" srcOrd="2" destOrd="0" parTransId="{BB8F3043-A54B-4975-8D50-C5A16B1EF8D2}" sibTransId="{914EB2CA-FCEB-4964-9311-803228D89140}"/>
+    <dgm:cxn modelId="{B36E90CE-56EC-4F9B-B083-1DB4DA6AA5C7}" srcId="{54CAA533-A0F6-47A8-829E-DF3719B2FAC3}" destId="{40DA0BD0-F95B-44F9-9B8E-03D0A25A4BBF}" srcOrd="0" destOrd="0" parTransId="{F30B5BC4-A5DA-4B5B-B12B-0D7C2CE07882}" sibTransId="{F3ED9770-223A-42A9-810D-53F6CDBC666A}"/>
+    <dgm:cxn modelId="{406D03D8-5D08-4C27-9D5D-D6B939EF98AE}" type="presOf" srcId="{6A99DE55-FF08-4D11-9E29-DC3E758EDE1D}" destId="{4F529471-775C-44A8-B6EB-34F75364E010}" srcOrd="0" destOrd="0" presId="urn:microsoft.com/office/officeart/2005/8/layout/lProcess3"/>
     <dgm:cxn modelId="{6E0A8ED8-92EA-4375-B48F-95B1B4F446DE}" type="presOf" srcId="{CA732DC0-2007-474B-B00C-4A1DA91017C3}" destId="{09976F44-6742-4134-AE90-91276EE03686}" srcOrd="0" destOrd="0" presId="urn:microsoft.com/office/officeart/2005/8/layout/lProcess3"/>
-    <dgm:cxn modelId="{9F09F960-8043-42EF-9C82-FED27BFB256D}" srcId="{706DA425-80F1-4604-AA9F-580AC50D85DB}" destId="{E78DC0E1-554A-4E32-9EE5-005B3521BE09}" srcOrd="0" destOrd="0" parTransId="{6B1BBF2B-24DA-40DB-A0AA-2829F9234E6A}" sibTransId="{D76807B3-8303-4D26-A594-A3AFEB7381C4}"/>
+    <dgm:cxn modelId="{EE8EE4DE-602E-48F6-92B1-DD11AAA20769}" type="presOf" srcId="{EDBEA413-129B-40E3-B059-6F51D93E5429}" destId="{6273CEA1-2441-4483-90CE-A1F6C0EDB180}" srcOrd="0" destOrd="0" presId="urn:microsoft.com/office/officeart/2005/8/layout/lProcess3"/>
+    <dgm:cxn modelId="{E2AFAEE3-48B5-4813-9DF4-E3F18C3B82DD}" srcId="{EDBEA413-129B-40E3-B059-6F51D93E5429}" destId="{F98F0CF4-3106-4B87-8B0E-BF10266ABF1A}" srcOrd="0" destOrd="0" parTransId="{4129F9F7-FBA2-4505-AA1E-6B83C6868664}" sibTransId="{454406C8-D6B9-4C82-B9C8-16690C412CFA}"/>
+    <dgm:cxn modelId="{578207F1-0BE5-438E-9F07-37FFE2F35B1B}" srcId="{29F654E5-6DA8-4A80-9BDF-500244E93218}" destId="{CA732DC0-2007-474B-B00C-4A1DA91017C3}" srcOrd="0" destOrd="0" parTransId="{23C56FEC-34D8-46C5-9EFD-D4D09D957D51}" sibTransId="{D5649D79-D1F4-4A0C-982E-B7CC1761E992}"/>
     <dgm:cxn modelId="{ACD44F89-77EE-4D8E-81BF-B09BDFCAE069}" type="presParOf" srcId="{81CF10AB-EF2C-4D26-9FC8-D1DD856AB030}" destId="{6B7D29B2-9306-43CD-9442-C1A030FF23FE}" srcOrd="0" destOrd="0" presId="urn:microsoft.com/office/officeart/2005/8/layout/lProcess3"/>
     <dgm:cxn modelId="{D5840E63-4CAB-4662-B7BB-1598C7851326}" type="presParOf" srcId="{6B7D29B2-9306-43CD-9442-C1A030FF23FE}" destId="{6273CEA1-2441-4483-90CE-A1F6C0EDB180}" srcOrd="0" destOrd="0" presId="urn:microsoft.com/office/officeart/2005/8/layout/lProcess3"/>
     <dgm:cxn modelId="{293B1894-101E-47B1-9A5A-DECF30B85E58}" type="presParOf" srcId="{6B7D29B2-9306-43CD-9442-C1A030FF23FE}" destId="{6F536E7F-D57A-4982-8C6F-358AF589CA0E}" srcOrd="1" destOrd="0" presId="urn:microsoft.com/office/officeart/2005/8/layout/lProcess3"/>
@@ -1650,7 +1611,7 @@
         </a:bodyPr>
         <a:lstStyle/>
         <a:p>
-          <a:pPr lvl="0" algn="ctr" defTabSz="800100">
+          <a:pPr marL="0" lvl="0" indent="0" algn="ctr" defTabSz="800100">
             <a:lnSpc>
               <a:spcPct val="90000"/>
             </a:lnSpc>
@@ -1660,9 +1621,10 @@
             <a:spcAft>
               <a:spcPct val="35000"/>
             </a:spcAft>
+            <a:buNone/>
           </a:pPr>
           <a:r>
-            <a:rPr lang="en-US" sz="1800" b="1" kern="1200" dirty="0" smtClean="0"/>
+            <a:rPr lang="en-US" sz="1800" b="1" kern="1200" dirty="0"/>
             <a:t>Add Middleware</a:t>
           </a:r>
           <a:endParaRPr lang="en-US" sz="1800" kern="1200" dirty="0"/>
@@ -1724,7 +1686,7 @@
         </a:bodyPr>
         <a:lstStyle/>
         <a:p>
-          <a:pPr lvl="0" algn="ctr" defTabSz="844550">
+          <a:pPr marL="0" lvl="0" indent="0" algn="ctr" defTabSz="844550">
             <a:lnSpc>
               <a:spcPct val="90000"/>
             </a:lnSpc>
@@ -1734,19 +1696,19 @@
             <a:spcAft>
               <a:spcPct val="35000"/>
             </a:spcAft>
+            <a:buNone/>
           </a:pPr>
           <a:r>
-            <a:rPr lang="en-US" sz="1900" kern="1200" dirty="0" smtClean="0"/>
+            <a:rPr lang="en-US" sz="1900" kern="1200" dirty="0"/>
             <a:t>Select the required middleware components for your application in the</a:t>
           </a:r>
           <a:br>
-            <a:rPr lang="en-US" sz="1900" kern="1200" dirty="0" smtClean="0"/>
+            <a:rPr lang="en-US" sz="1900" kern="1200" dirty="0"/>
           </a:br>
           <a:r>
-            <a:rPr lang="en-US" sz="1900" kern="1200" dirty="0" smtClean="0"/>
+            <a:rPr lang="en-US" sz="1900" kern="1200" dirty="0"/>
             <a:t>Manage Run-Time Environment window</a:t>
           </a:r>
-          <a:endParaRPr lang="en-US" sz="1900" kern="1200" dirty="0"/>
         </a:p>
       </dsp:txBody>
       <dsp:txXfrm>
@@ -1803,7 +1765,7 @@
         </a:bodyPr>
         <a:lstStyle/>
         <a:p>
-          <a:pPr lvl="0" algn="ctr" defTabSz="800100">
+          <a:pPr marL="0" lvl="0" indent="0" algn="ctr" defTabSz="800100">
             <a:lnSpc>
               <a:spcPct val="90000"/>
             </a:lnSpc>
@@ -1813,9 +1775,10 @@
             <a:spcAft>
               <a:spcPct val="35000"/>
             </a:spcAft>
+            <a:buNone/>
           </a:pPr>
           <a:r>
-            <a:rPr lang="en-US" sz="1800" b="1" kern="1200" dirty="0" smtClean="0"/>
+            <a:rPr lang="en-US" sz="1800" b="1" kern="1200" dirty="0"/>
             <a:t>Configure Middleware</a:t>
           </a:r>
           <a:endParaRPr lang="en-US" sz="1800" kern="1200" dirty="0"/>
@@ -1877,7 +1840,7 @@
         </a:bodyPr>
         <a:lstStyle/>
         <a:p>
-          <a:pPr lvl="0" algn="ctr" defTabSz="844550">
+          <a:pPr marL="0" lvl="0" indent="0" algn="ctr" defTabSz="844550">
             <a:lnSpc>
               <a:spcPct val="90000"/>
             </a:lnSpc>
@@ -1887,9 +1850,10 @@
             <a:spcAft>
               <a:spcPct val="35000"/>
             </a:spcAft>
+            <a:buNone/>
           </a:pPr>
           <a:r>
-            <a:rPr lang="en-GB" sz="1900" kern="1200" dirty="0" smtClean="0"/>
+            <a:rPr lang="en-GB" sz="1900" kern="1200" dirty="0"/>
             <a:t>Adjust the parameters of the middleware components in their related configuration files</a:t>
           </a:r>
           <a:endParaRPr lang="en-US" sz="1900" kern="1200" dirty="0"/>
@@ -1949,7 +1913,7 @@
         </a:bodyPr>
         <a:lstStyle/>
         <a:p>
-          <a:pPr lvl="0" algn="ctr" defTabSz="800100">
+          <a:pPr marL="0" lvl="0" indent="0" algn="ctr" defTabSz="800100">
             <a:lnSpc>
               <a:spcPct val="90000"/>
             </a:lnSpc>
@@ -1959,9 +1923,10 @@
             <a:spcAft>
               <a:spcPct val="35000"/>
             </a:spcAft>
+            <a:buNone/>
           </a:pPr>
           <a:r>
-            <a:rPr lang="en-US" sz="1800" b="1" kern="1200" dirty="0" smtClean="0"/>
+            <a:rPr lang="en-US" sz="1800" b="1" kern="1200" dirty="0"/>
             <a:t>Configure Drivers</a:t>
           </a:r>
           <a:endParaRPr lang="en-US" sz="1800" kern="1200" dirty="0"/>
@@ -2023,7 +1988,7 @@
         </a:bodyPr>
         <a:lstStyle/>
         <a:p>
-          <a:pPr lvl="0" algn="ctr" defTabSz="844550">
+          <a:pPr marL="0" lvl="0" indent="0" algn="ctr" defTabSz="844550">
             <a:lnSpc>
               <a:spcPct val="90000"/>
             </a:lnSpc>
@@ -2033,9 +1998,10 @@
             <a:spcAft>
               <a:spcPct val="35000"/>
             </a:spcAft>
+            <a:buNone/>
           </a:pPr>
           <a:r>
-            <a:rPr lang="en-GB" sz="1900" kern="1200" dirty="0" smtClean="0"/>
+            <a:rPr lang="en-GB" sz="1900" kern="1200" dirty="0"/>
             <a:t>Configure the peripheral interfaces that connect the middleware components with physical I/O pins of the device</a:t>
           </a:r>
           <a:endParaRPr lang="en-US" sz="1900" kern="1200" dirty="0"/>
@@ -2095,7 +2061,7 @@
         </a:bodyPr>
         <a:lstStyle/>
         <a:p>
-          <a:pPr lvl="0" algn="ctr" defTabSz="800100">
+          <a:pPr marL="0" lvl="0" indent="0" algn="ctr" defTabSz="800100">
             <a:lnSpc>
               <a:spcPct val="90000"/>
             </a:lnSpc>
@@ -2105,12 +2071,12 @@
             <a:spcAft>
               <a:spcPct val="35000"/>
             </a:spcAft>
+            <a:buNone/>
           </a:pPr>
           <a:r>
-            <a:rPr lang="en-US" sz="1800" b="1" kern="1200" dirty="0" smtClean="0"/>
+            <a:rPr lang="en-US" sz="1800" b="1" kern="1200" dirty="0"/>
             <a:t>Configure System Resources</a:t>
           </a:r>
-          <a:endParaRPr lang="en-US" sz="1800" b="1" kern="1200" dirty="0"/>
         </a:p>
       </dsp:txBody>
       <dsp:txXfrm>
@@ -2169,7 +2135,7 @@
         </a:bodyPr>
         <a:lstStyle/>
         <a:p>
-          <a:pPr lvl="0" algn="ctr" defTabSz="844550">
+          <a:pPr marL="0" lvl="0" indent="0" algn="ctr" defTabSz="844550">
             <a:lnSpc>
               <a:spcPct val="90000"/>
             </a:lnSpc>
@@ -2179,9 +2145,10 @@
             <a:spcAft>
               <a:spcPct val="35000"/>
             </a:spcAft>
+            <a:buNone/>
           </a:pPr>
           <a:r>
-            <a:rPr lang="en-GB" sz="1900" kern="1200" dirty="0" smtClean="0"/>
+            <a:rPr lang="en-GB" sz="1900" kern="1200" dirty="0"/>
             <a:t>Configure RTOS, memory, and stack resources to the requirements of the middleware components</a:t>
           </a:r>
           <a:endParaRPr lang="en-US" sz="1900" kern="1200" dirty="0"/>
@@ -2241,7 +2208,7 @@
         </a:bodyPr>
         <a:lstStyle/>
         <a:p>
-          <a:pPr lvl="0" algn="ctr" defTabSz="800100">
+          <a:pPr marL="0" lvl="0" indent="0" algn="ctr" defTabSz="800100">
             <a:lnSpc>
               <a:spcPct val="90000"/>
             </a:lnSpc>
@@ -2251,12 +2218,12 @@
             <a:spcAft>
               <a:spcPct val="35000"/>
             </a:spcAft>
+            <a:buNone/>
           </a:pPr>
           <a:r>
-            <a:rPr lang="en-US" sz="1800" b="1" kern="1200" dirty="0" smtClean="0"/>
+            <a:rPr lang="en-US" sz="1800" b="1" kern="1200" dirty="0"/>
             <a:t>Implement Application Features</a:t>
           </a:r>
-          <a:endParaRPr lang="en-US" sz="1800" b="1" kern="1200" dirty="0"/>
         </a:p>
       </dsp:txBody>
       <dsp:txXfrm>
@@ -2315,7 +2282,7 @@
         </a:bodyPr>
         <a:lstStyle/>
         <a:p>
-          <a:pPr lvl="0" algn="ctr" defTabSz="844550">
+          <a:pPr marL="0" lvl="0" indent="0" algn="ctr" defTabSz="844550">
             <a:lnSpc>
               <a:spcPct val="90000"/>
             </a:lnSpc>
@@ -2325,17 +2292,18 @@
             <a:spcAft>
               <a:spcPct val="35000"/>
             </a:spcAft>
+            <a:buNone/>
           </a:pPr>
           <a:r>
-            <a:rPr lang="en-GB" sz="1900" kern="1200" dirty="0" smtClean="0"/>
+            <a:rPr lang="en-GB" sz="1900" kern="1200" dirty="0"/>
             <a:t>Use the API functions of the middleware components to implement the application specific </a:t>
           </a:r>
           <a:r>
-            <a:rPr lang="en-US" sz="1900" kern="1200" noProof="0" dirty="0" smtClean="0"/>
+            <a:rPr lang="en-US" sz="1900" kern="1200" noProof="0" dirty="0"/>
             <a:t>behavior</a:t>
           </a:r>
           <a:r>
-            <a:rPr lang="en-GB" sz="1900" kern="1200" dirty="0" smtClean="0"/>
+            <a:rPr lang="en-GB" sz="1900" kern="1200" dirty="0"/>
             <a:t>. Code templates help you create the related source code.</a:t>
           </a:r>
           <a:endParaRPr lang="en-US" sz="1900" kern="1200" dirty="0"/>
@@ -3748,7 +3716,7 @@
             <a:fld id="{E72D30EF-8F20-0B47-8B5D-39A8BC29E860}" type="datetimeFigureOut">
               <a:rPr lang="en-US" smtClean="0"/>
               <a:pPr/>
-              <a:t>4/20/2016</a:t>
+              <a:t>6/13/24</a:t>
             </a:fld>
             <a:endParaRPr lang="en-US"/>
           </a:p>
@@ -3916,7 +3884,7 @@
             <a:fld id="{77EDD36E-1E02-F241-9611-1F1D9EAAD326}" type="datetimeFigureOut">
               <a:rPr lang="en-US" smtClean="0"/>
               <a:pPr/>
-              <a:t>4/20/2016</a:t>
+              <a:t>6/13/24</a:t>
             </a:fld>
             <a:endParaRPr lang="en-US"/>
           </a:p>
@@ -3982,35 +3950,35 @@
           <a:p>
             <a:pPr lvl="0"/>
             <a:r>
-              <a:rPr lang="en-GB" smtClean="0"/>
+              <a:rPr lang="en-GB"/>
               <a:t>Click to edit Master text styles</a:t>
             </a:r>
           </a:p>
           <a:p>
             <a:pPr lvl="1"/>
             <a:r>
-              <a:rPr lang="en-GB" smtClean="0"/>
+              <a:rPr lang="en-GB"/>
               <a:t>Second level</a:t>
             </a:r>
           </a:p>
           <a:p>
             <a:pPr lvl="2"/>
             <a:r>
-              <a:rPr lang="en-GB" smtClean="0"/>
+              <a:rPr lang="en-GB"/>
               <a:t>Third level</a:t>
             </a:r>
           </a:p>
           <a:p>
             <a:pPr lvl="3"/>
             <a:r>
-              <a:rPr lang="en-GB" smtClean="0"/>
+              <a:rPr lang="en-GB"/>
               <a:t>Fourth level</a:t>
             </a:r>
           </a:p>
           <a:p>
             <a:pPr lvl="4"/>
             <a:r>
-              <a:rPr lang="en-GB" smtClean="0"/>
+              <a:rPr lang="en-GB"/>
               <a:t>Fifth level</a:t>
             </a:r>
             <a:endParaRPr lang="en-US"/>
@@ -4250,7 +4218,7 @@
               <a:defRPr/>
             </a:pPr>
             <a:r>
-              <a:rPr lang="en-GB" sz="1200" kern="1200" dirty="0" smtClean="0">
+              <a:rPr lang="en-GB" sz="1200" kern="1200" dirty="0">
                 <a:solidFill>
                   <a:schemeClr val="tx1"/>
                 </a:solidFill>
@@ -4262,7 +4230,7 @@
               <a:t>MDK Version 5 relies on Software Packs for a large part of its features. The MDK Core contains the µVision IDE and Debugger, the ARM Compiler and the new Pack Installer. This Pack installer takes care of downloading, installing, updating, and managing the different Software Packs. Device support in MDK Version 5 is supplied using Software Packs that include everything that is required to work with a microcontroller family. CMSIS and MDK Professional middleware is also supplied as a Software Pack. </a:t>
             </a:r>
             <a:r>
-              <a:rPr lang="de-DE" sz="1200" kern="1200" baseline="0" dirty="0" smtClean="0">
+              <a:rPr lang="de-DE" sz="1200" kern="1200" baseline="0" dirty="0">
                 <a:solidFill>
                   <a:schemeClr val="tx1"/>
                 </a:solidFill>
@@ -4274,12 +4242,12 @@
               <a:t>A</a:t>
             </a:r>
             <a:r>
-              <a:rPr lang="de-DE" baseline="0" dirty="0" smtClean="0"/>
+              <a:rPr lang="de-DE" baseline="0" dirty="0"/>
               <a:t> series of debug adapters offers unique features such as streaming instruction trace and 100% accurate code coverage on silicon.  Various development boards and starter kits cover a variety of ARM cores and vendors.</a:t>
             </a:r>
           </a:p>
           <a:p>
-            <a:endParaRPr lang="en-GB" sz="1200" kern="1200" dirty="0" smtClean="0">
+            <a:endParaRPr lang="en-GB" sz="1200" kern="1200" dirty="0">
               <a:solidFill>
                 <a:schemeClr val="tx1"/>
               </a:solidFill>
@@ -4373,23 +4341,23 @@
           <a:lstStyle/>
           <a:p>
             <a:r>
-              <a:rPr lang="en-GB" dirty="0" smtClean="0"/>
+              <a:rPr lang="en-GB" dirty="0"/>
               <a:t>The standard peripheral driver interfaces connect microcontroller peripherals for example with middleware that implements communication stacks, file systems, or graphic user interfaces. Each peripheral driver interface may provide multiple instances reflecting the multiple physical interfaces of the same type in a device. For example the two physical SPI interfaces are reflected with a separate Access </a:t>
             </a:r>
             <a:r>
-              <a:rPr lang="en-GB" dirty="0" err="1" smtClean="0"/>
+              <a:rPr lang="en-GB" dirty="0" err="1"/>
               <a:t>Struct</a:t>
             </a:r>
             <a:r>
-              <a:rPr lang="en-GB" dirty="0" smtClean="0"/>
+              <a:rPr lang="en-GB" dirty="0"/>
               <a:t> for SPI1 and SPI2. The Access </a:t>
             </a:r>
             <a:r>
-              <a:rPr lang="en-GB" dirty="0" err="1" smtClean="0"/>
+              <a:rPr lang="en-GB" dirty="0" err="1"/>
               <a:t>Struct</a:t>
             </a:r>
             <a:r>
-              <a:rPr lang="en-GB" dirty="0" smtClean="0"/>
+              <a:rPr lang="en-GB" dirty="0"/>
               <a:t> is the interface of a driver to the middleware component or the user application.</a:t>
             </a:r>
           </a:p>
@@ -4496,7 +4464,7 @@
           </a:lstStyle>
           <a:p>
             <a:r>
-              <a:rPr kumimoji="0" lang="en-GB" dirty="0" smtClean="0"/>
+              <a:rPr kumimoji="0" lang="en-GB" dirty="0"/>
               <a:t>Click to Edit Title</a:t>
             </a:r>
             <a:endParaRPr kumimoji="0" lang="en-US" dirty="0"/>
@@ -4560,7 +4528,7 @@
           </a:lstStyle>
           <a:p>
             <a:r>
-              <a:rPr kumimoji="0" lang="en-GB" dirty="0" smtClean="0"/>
+              <a:rPr kumimoji="0" lang="en-GB" dirty="0"/>
               <a:t>Click to edit subtitle</a:t>
             </a:r>
             <a:endParaRPr kumimoji="0" lang="en-US" dirty="0"/>
@@ -4572,13 +4540,6 @@
   <p:clrMapOvr>
     <a:masterClrMapping/>
   </p:clrMapOvr>
-  <p:timing>
-    <p:tnLst>
-      <p:par>
-        <p:cTn id="1" dur="indefinite" restart="never" nodeType="tmRoot"/>
-      </p:par>
-    </p:tnLst>
-  </p:timing>
 </p:sldLayout>
 </file>
 
@@ -4662,35 +4623,35 @@
           <a:p>
             <a:pPr lvl="0" eaLnBrk="1" latinLnBrk="0" hangingPunct="1"/>
             <a:r>
-              <a:rPr lang="en-GB" dirty="0" smtClean="0"/>
+              <a:rPr lang="en-GB" dirty="0"/>
               <a:t>Click to edit text</a:t>
             </a:r>
           </a:p>
           <a:p>
             <a:pPr lvl="1" eaLnBrk="1" latinLnBrk="0" hangingPunct="1"/>
             <a:r>
-              <a:rPr lang="en-GB" dirty="0" smtClean="0"/>
+              <a:rPr lang="en-GB" dirty="0"/>
               <a:t>Second level</a:t>
             </a:r>
           </a:p>
           <a:p>
             <a:pPr lvl="2" eaLnBrk="1" latinLnBrk="0" hangingPunct="1"/>
             <a:r>
-              <a:rPr lang="en-GB" dirty="0" smtClean="0"/>
+              <a:rPr lang="en-GB" dirty="0"/>
               <a:t>Third level</a:t>
             </a:r>
           </a:p>
           <a:p>
             <a:pPr lvl="3" eaLnBrk="1" latinLnBrk="0" hangingPunct="1"/>
             <a:r>
-              <a:rPr lang="en-GB" dirty="0" smtClean="0"/>
+              <a:rPr lang="en-GB" dirty="0"/>
               <a:t>Fourth level</a:t>
             </a:r>
           </a:p>
           <a:p>
             <a:pPr lvl="4" eaLnBrk="1" latinLnBrk="0" hangingPunct="1"/>
             <a:r>
-              <a:rPr lang="en-GB" dirty="0" smtClean="0"/>
+              <a:rPr lang="en-GB" dirty="0"/>
               <a:t>Fifth level</a:t>
             </a:r>
             <a:endParaRPr kumimoji="0" lang="en-US" dirty="0"/>
@@ -4713,7 +4674,7 @@
           <a:lstStyle/>
           <a:p>
             <a:r>
-              <a:rPr lang="en-GB" dirty="0" smtClean="0"/>
+              <a:rPr lang="en-GB" dirty="0"/>
               <a:t>Click to Edit Title</a:t>
             </a:r>
             <a:endParaRPr lang="en-US" dirty="0"/>
@@ -4741,7 +4702,7 @@
           </a:bodyPr>
           <a:lstStyle/>
           <a:p>
-            <a:endParaRPr lang="en-US" dirty="0" smtClean="0"/>
+            <a:endParaRPr lang="en-US" dirty="0"/>
           </a:p>
         </p:txBody>
       </p:sp>
@@ -4755,13 +4716,6 @@
   <p:clrMapOvr>
     <a:masterClrMapping/>
   </p:clrMapOvr>
-  <p:timing>
-    <p:tnLst>
-      <p:par>
-        <p:cTn id="1" dur="indefinite" restart="never" nodeType="tmRoot"/>
-      </p:par>
-    </p:tnLst>
-  </p:timing>
   <p:hf sldNum="0" hdr="0" ftr="0" dt="0"/>
 </p:sldLayout>
 </file>
@@ -4799,7 +4753,7 @@
           <a:lstStyle/>
           <a:p>
             <a:r>
-              <a:rPr kumimoji="0" lang="en-GB" dirty="0" smtClean="0"/>
+              <a:rPr kumimoji="0" lang="en-GB" dirty="0"/>
               <a:t>Click to Edit Title</a:t>
             </a:r>
             <a:endParaRPr kumimoji="0" lang="en-US" dirty="0"/>
@@ -4844,35 +4798,35 @@
           <a:p>
             <a:pPr lvl="0" eaLnBrk="1" latinLnBrk="0" hangingPunct="1"/>
             <a:r>
-              <a:rPr lang="en-GB" dirty="0" smtClean="0"/>
+              <a:rPr lang="en-GB" dirty="0"/>
               <a:t>Click to edit text</a:t>
             </a:r>
           </a:p>
           <a:p>
             <a:pPr lvl="1" eaLnBrk="1" latinLnBrk="0" hangingPunct="1"/>
             <a:r>
-              <a:rPr lang="en-GB" dirty="0" smtClean="0"/>
+              <a:rPr lang="en-GB" dirty="0"/>
               <a:t>Second level</a:t>
             </a:r>
           </a:p>
           <a:p>
             <a:pPr lvl="2" eaLnBrk="1" latinLnBrk="0" hangingPunct="1"/>
             <a:r>
-              <a:rPr lang="en-GB" dirty="0" smtClean="0"/>
+              <a:rPr lang="en-GB" dirty="0"/>
               <a:t>Third level</a:t>
             </a:r>
           </a:p>
           <a:p>
             <a:pPr lvl="3" eaLnBrk="1" latinLnBrk="0" hangingPunct="1"/>
             <a:r>
-              <a:rPr lang="en-GB" dirty="0" smtClean="0"/>
+              <a:rPr lang="en-GB" dirty="0"/>
               <a:t>Fourth level</a:t>
             </a:r>
           </a:p>
           <a:p>
             <a:pPr lvl="4" eaLnBrk="1" latinLnBrk="0" hangingPunct="1"/>
             <a:r>
-              <a:rPr lang="en-GB" dirty="0" smtClean="0"/>
+              <a:rPr lang="en-GB" dirty="0"/>
               <a:t>Fifth level</a:t>
             </a:r>
             <a:endParaRPr kumimoji="0" lang="en-US" dirty="0"/>
@@ -4917,35 +4871,35 @@
           <a:p>
             <a:pPr lvl="0" eaLnBrk="1" latinLnBrk="0" hangingPunct="1"/>
             <a:r>
-              <a:rPr lang="en-GB" dirty="0" smtClean="0"/>
+              <a:rPr lang="en-GB" dirty="0"/>
               <a:t>Click to edit text</a:t>
             </a:r>
           </a:p>
           <a:p>
             <a:pPr lvl="1" eaLnBrk="1" latinLnBrk="0" hangingPunct="1"/>
             <a:r>
-              <a:rPr lang="en-GB" dirty="0" smtClean="0"/>
+              <a:rPr lang="en-GB" dirty="0"/>
               <a:t>Second level</a:t>
             </a:r>
           </a:p>
           <a:p>
             <a:pPr lvl="2" eaLnBrk="1" latinLnBrk="0" hangingPunct="1"/>
             <a:r>
-              <a:rPr lang="en-GB" dirty="0" smtClean="0"/>
+              <a:rPr lang="en-GB" dirty="0"/>
               <a:t>Third level</a:t>
             </a:r>
           </a:p>
           <a:p>
             <a:pPr lvl="3" eaLnBrk="1" latinLnBrk="0" hangingPunct="1"/>
             <a:r>
-              <a:rPr lang="en-GB" dirty="0" smtClean="0"/>
+              <a:rPr lang="en-GB" dirty="0"/>
               <a:t>Fourth level</a:t>
             </a:r>
           </a:p>
           <a:p>
             <a:pPr lvl="4" eaLnBrk="1" latinLnBrk="0" hangingPunct="1"/>
             <a:r>
-              <a:rPr lang="en-GB" dirty="0" smtClean="0"/>
+              <a:rPr lang="en-GB" dirty="0"/>
               <a:t>Fifth level</a:t>
             </a:r>
             <a:endParaRPr kumimoji="0" lang="en-US" dirty="0"/>
@@ -5016,35 +4970,35 @@
           <a:p>
             <a:pPr lvl="0" eaLnBrk="1" latinLnBrk="0" hangingPunct="1"/>
             <a:r>
-              <a:rPr lang="en-GB" dirty="0" smtClean="0"/>
+              <a:rPr lang="en-GB" dirty="0"/>
               <a:t>Click to edit text</a:t>
             </a:r>
           </a:p>
           <a:p>
             <a:pPr lvl="1" eaLnBrk="1" latinLnBrk="0" hangingPunct="1"/>
             <a:r>
-              <a:rPr lang="en-GB" dirty="0" smtClean="0"/>
+              <a:rPr lang="en-GB" dirty="0"/>
               <a:t>Second level</a:t>
             </a:r>
           </a:p>
           <a:p>
             <a:pPr lvl="2" eaLnBrk="1" latinLnBrk="0" hangingPunct="1"/>
             <a:r>
-              <a:rPr lang="en-GB" dirty="0" smtClean="0"/>
+              <a:rPr lang="en-GB" dirty="0"/>
               <a:t>Third level</a:t>
             </a:r>
           </a:p>
           <a:p>
             <a:pPr lvl="3" eaLnBrk="1" latinLnBrk="0" hangingPunct="1"/>
             <a:r>
-              <a:rPr lang="en-GB" dirty="0" smtClean="0"/>
+              <a:rPr lang="en-GB" dirty="0"/>
               <a:t>Fourth level</a:t>
             </a:r>
           </a:p>
           <a:p>
             <a:pPr lvl="4" eaLnBrk="1" latinLnBrk="0" hangingPunct="1"/>
             <a:r>
-              <a:rPr lang="en-GB" dirty="0" smtClean="0"/>
+              <a:rPr lang="en-GB" dirty="0"/>
               <a:t>Fifth level</a:t>
             </a:r>
             <a:endParaRPr kumimoji="0" lang="en-US" dirty="0"/>
@@ -5089,35 +5043,35 @@
           <a:p>
             <a:pPr lvl="0" eaLnBrk="1" latinLnBrk="0" hangingPunct="1"/>
             <a:r>
-              <a:rPr lang="en-GB" dirty="0" smtClean="0"/>
+              <a:rPr lang="en-GB" dirty="0"/>
               <a:t>Click to edit text</a:t>
             </a:r>
           </a:p>
           <a:p>
             <a:pPr lvl="1" eaLnBrk="1" latinLnBrk="0" hangingPunct="1"/>
             <a:r>
-              <a:rPr lang="en-GB" dirty="0" smtClean="0"/>
+              <a:rPr lang="en-GB" dirty="0"/>
               <a:t>Second level</a:t>
             </a:r>
           </a:p>
           <a:p>
             <a:pPr lvl="2" eaLnBrk="1" latinLnBrk="0" hangingPunct="1"/>
             <a:r>
-              <a:rPr lang="en-GB" dirty="0" smtClean="0"/>
+              <a:rPr lang="en-GB" dirty="0"/>
               <a:t>Third level</a:t>
             </a:r>
           </a:p>
           <a:p>
             <a:pPr lvl="3" eaLnBrk="1" latinLnBrk="0" hangingPunct="1"/>
             <a:r>
-              <a:rPr lang="en-GB" dirty="0" smtClean="0"/>
+              <a:rPr lang="en-GB" dirty="0"/>
               <a:t>Fourth level</a:t>
             </a:r>
           </a:p>
           <a:p>
             <a:pPr lvl="4" eaLnBrk="1" latinLnBrk="0" hangingPunct="1"/>
             <a:r>
-              <a:rPr lang="en-GB" dirty="0" smtClean="0"/>
+              <a:rPr lang="en-GB" dirty="0"/>
               <a:t>Fifth level</a:t>
             </a:r>
             <a:endParaRPr kumimoji="0" lang="en-US" dirty="0"/>
@@ -5140,7 +5094,7 @@
           <a:lstStyle/>
           <a:p>
             <a:r>
-              <a:rPr lang="en-GB" dirty="0" smtClean="0"/>
+              <a:rPr lang="en-GB" dirty="0"/>
               <a:t>Click to Edit Title</a:t>
             </a:r>
             <a:endParaRPr lang="en-US" dirty="0"/>
@@ -5178,7 +5132,7 @@
           <a:p>
             <a:pPr lvl="0"/>
             <a:r>
-              <a:rPr lang="en-GB" dirty="0" smtClean="0"/>
+              <a:rPr lang="en-GB" dirty="0"/>
               <a:t>Click to edit subtitle</a:t>
             </a:r>
             <a:endParaRPr lang="en-US" dirty="0"/>
@@ -5206,7 +5160,7 @@
           </a:bodyPr>
           <a:lstStyle/>
           <a:p>
-            <a:endParaRPr lang="en-US" dirty="0" smtClean="0"/>
+            <a:endParaRPr lang="en-US" dirty="0"/>
           </a:p>
         </p:txBody>
       </p:sp>
@@ -5279,35 +5233,35 @@
           <a:p>
             <a:pPr lvl="0" eaLnBrk="1" latinLnBrk="0" hangingPunct="1"/>
             <a:r>
-              <a:rPr lang="en-GB" dirty="0" smtClean="0"/>
+              <a:rPr lang="en-GB" dirty="0"/>
               <a:t>Click to edit text</a:t>
             </a:r>
           </a:p>
           <a:p>
             <a:pPr lvl="1" eaLnBrk="1" latinLnBrk="0" hangingPunct="1"/>
             <a:r>
-              <a:rPr lang="en-GB" dirty="0" smtClean="0"/>
+              <a:rPr lang="en-GB" dirty="0"/>
               <a:t>Second level</a:t>
             </a:r>
           </a:p>
           <a:p>
             <a:pPr lvl="2" eaLnBrk="1" latinLnBrk="0" hangingPunct="1"/>
             <a:r>
-              <a:rPr lang="en-GB" dirty="0" smtClean="0"/>
+              <a:rPr lang="en-GB" dirty="0"/>
               <a:t>Third level</a:t>
             </a:r>
           </a:p>
           <a:p>
             <a:pPr lvl="3" eaLnBrk="1" latinLnBrk="0" hangingPunct="1"/>
             <a:r>
-              <a:rPr lang="en-GB" dirty="0" smtClean="0"/>
+              <a:rPr lang="en-GB" dirty="0"/>
               <a:t>Fourth level</a:t>
             </a:r>
           </a:p>
           <a:p>
             <a:pPr lvl="4" eaLnBrk="1" latinLnBrk="0" hangingPunct="1"/>
             <a:r>
-              <a:rPr lang="en-GB" dirty="0" smtClean="0"/>
+              <a:rPr lang="en-GB" dirty="0"/>
               <a:t>Fifth level</a:t>
             </a:r>
             <a:endParaRPr kumimoji="0" lang="en-US" dirty="0"/>
@@ -5330,7 +5284,7 @@
           <a:lstStyle/>
           <a:p>
             <a:r>
-              <a:rPr lang="en-GB" dirty="0" smtClean="0"/>
+              <a:rPr lang="en-GB" dirty="0"/>
               <a:t>Click to Edit Title</a:t>
             </a:r>
             <a:endParaRPr lang="en-US" dirty="0"/>
@@ -5368,7 +5322,7 @@
           <a:p>
             <a:pPr lvl="0"/>
             <a:r>
-              <a:rPr lang="en-GB" dirty="0" smtClean="0"/>
+              <a:rPr lang="en-GB" dirty="0"/>
               <a:t>Click to edit subtitle</a:t>
             </a:r>
             <a:endParaRPr lang="en-US" dirty="0"/>
@@ -5396,7 +5350,7 @@
           </a:bodyPr>
           <a:lstStyle/>
           <a:p>
-            <a:endParaRPr lang="en-US" dirty="0" smtClean="0"/>
+            <a:endParaRPr lang="en-US" dirty="0"/>
           </a:p>
         </p:txBody>
       </p:sp>
@@ -5447,7 +5401,7 @@
           <a:lstStyle/>
           <a:p>
             <a:r>
-              <a:rPr kumimoji="0" lang="en-GB" dirty="0" smtClean="0"/>
+              <a:rPr kumimoji="0" lang="en-GB" dirty="0"/>
               <a:t>Click to Edit Title</a:t>
             </a:r>
             <a:endParaRPr kumimoji="0" lang="en-US" dirty="0"/>
@@ -5492,35 +5446,35 @@
           <a:p>
             <a:pPr lvl="0" eaLnBrk="1" latinLnBrk="0" hangingPunct="1"/>
             <a:r>
-              <a:rPr lang="en-GB" dirty="0" smtClean="0"/>
+              <a:rPr lang="en-GB" dirty="0"/>
               <a:t>Click to edit text</a:t>
             </a:r>
           </a:p>
           <a:p>
             <a:pPr lvl="1" eaLnBrk="1" latinLnBrk="0" hangingPunct="1"/>
             <a:r>
-              <a:rPr lang="en-GB" dirty="0" smtClean="0"/>
+              <a:rPr lang="en-GB" dirty="0"/>
               <a:t>Second level</a:t>
             </a:r>
           </a:p>
           <a:p>
             <a:pPr lvl="2" eaLnBrk="1" latinLnBrk="0" hangingPunct="1"/>
             <a:r>
-              <a:rPr lang="en-GB" dirty="0" smtClean="0"/>
+              <a:rPr lang="en-GB" dirty="0"/>
               <a:t>Third level</a:t>
             </a:r>
           </a:p>
           <a:p>
             <a:pPr lvl="3" eaLnBrk="1" latinLnBrk="0" hangingPunct="1"/>
             <a:r>
-              <a:rPr lang="en-GB" dirty="0" smtClean="0"/>
+              <a:rPr lang="en-GB" dirty="0"/>
               <a:t>Fourth level</a:t>
             </a:r>
           </a:p>
           <a:p>
             <a:pPr lvl="4" eaLnBrk="1" latinLnBrk="0" hangingPunct="1"/>
             <a:r>
-              <a:rPr lang="en-GB" dirty="0" smtClean="0"/>
+              <a:rPr lang="en-GB" dirty="0"/>
               <a:t>Fifth level</a:t>
             </a:r>
             <a:endParaRPr kumimoji="0" lang="en-US" dirty="0"/>
@@ -5579,7 +5533,7 @@
               <a:buNone/>
               <a:tabLst/>
             </a:pPr>
-            <a:endParaRPr kumimoji="0" lang="en-US" sz="1400" b="1" i="0" u="none" strike="noStrike" cap="none" normalizeH="0" baseline="0" smtClean="0">
+            <a:endParaRPr kumimoji="0" lang="en-US" sz="1400" b="1" i="0" u="none" strike="noStrike" cap="none" normalizeH="0" baseline="0">
               <a:ln>
                 <a:noFill/>
               </a:ln>
@@ -5646,7 +5600,7 @@
               <a:tabLst/>
             </a:pPr>
             <a:r>
-              <a:rPr kumimoji="0" lang="en-US" sz="1000" b="1" i="0" u="none" strike="noStrike" cap="none" normalizeH="0" baseline="0" dirty="0" smtClean="0">
+              <a:rPr kumimoji="0" lang="en-US" sz="1000" b="1" i="0" u="none" strike="noStrike" cap="none" normalizeH="0" baseline="0" dirty="0">
                 <a:ln>
                   <a:noFill/>
                 </a:ln>
@@ -5660,7 +5614,7 @@
               <a:t>Approximate</a:t>
             </a:r>
             <a:r>
-              <a:rPr kumimoji="0" lang="en-US" sz="1000" b="1" i="0" u="none" strike="noStrike" cap="none" normalizeH="0" dirty="0" smtClean="0">
+              <a:rPr kumimoji="0" lang="en-US" sz="1000" b="1" i="0" u="none" strike="noStrike" cap="none" normalizeH="0" dirty="0">
                 <a:ln>
                   <a:noFill/>
                 </a:ln>
@@ -5673,7 +5627,7 @@
               </a:rPr>
               <a:t> clearance</a:t>
             </a:r>
-            <a:endParaRPr kumimoji="0" lang="en-US" sz="1000" b="1" i="0" u="none" strike="noStrike" cap="none" normalizeH="0" baseline="0" dirty="0" smtClean="0">
+            <a:endParaRPr kumimoji="0" lang="en-US" sz="1000" b="1" i="0" u="none" strike="noStrike" cap="none" normalizeH="0" baseline="0" dirty="0">
               <a:ln>
                 <a:noFill/>
               </a:ln>
@@ -5732,7 +5686,7 @@
               </a:spcAft>
             </a:pPr>
             <a:r>
-              <a:rPr lang="en-US" sz="1000" b="1" dirty="0" smtClean="0">
+              <a:rPr lang="en-US" sz="1000" b="1" dirty="0">
                 <a:solidFill>
                   <a:srgbClr val="FFFFFF"/>
                 </a:solidFill>
@@ -5797,7 +5751,7 @@
               <a:tabLst/>
             </a:pPr>
             <a:r>
-              <a:rPr kumimoji="0" lang="en-US" sz="1000" b="1" i="0" u="none" strike="noStrike" cap="none" normalizeH="0" baseline="0" dirty="0" smtClean="0">
+              <a:rPr kumimoji="0" lang="en-US" sz="1000" b="1" i="0" u="none" strike="noStrike" cap="none" normalizeH="0" baseline="0" dirty="0">
                 <a:ln>
                   <a:noFill/>
                 </a:ln>
@@ -5811,7 +5765,7 @@
               <a:t>Approximate</a:t>
             </a:r>
             <a:r>
-              <a:rPr kumimoji="0" lang="en-US" sz="1000" b="1" i="0" u="none" strike="noStrike" cap="none" normalizeH="0" dirty="0" smtClean="0">
+              <a:rPr kumimoji="0" lang="en-US" sz="1000" b="1" i="0" u="none" strike="noStrike" cap="none" normalizeH="0" dirty="0">
                 <a:ln>
                   <a:noFill/>
                 </a:ln>
@@ -5824,7 +5778,7 @@
               </a:rPr>
               <a:t> clearance</a:t>
             </a:r>
-            <a:endParaRPr kumimoji="0" lang="en-US" sz="1000" b="1" i="0" u="none" strike="noStrike" cap="none" normalizeH="0" baseline="0" dirty="0" smtClean="0">
+            <a:endParaRPr kumimoji="0" lang="en-US" sz="1000" b="1" i="0" u="none" strike="noStrike" cap="none" normalizeH="0" baseline="0" dirty="0">
               <a:ln>
                 <a:noFill/>
               </a:ln>
@@ -5883,7 +5837,7 @@
               </a:spcAft>
             </a:pPr>
             <a:r>
-              <a:rPr lang="en-US" sz="1000" b="1" dirty="0" smtClean="0">
+              <a:rPr lang="en-US" sz="1000" b="1" dirty="0">
                 <a:solidFill>
                   <a:srgbClr val="FFFFFF"/>
                 </a:solidFill>
@@ -5936,7 +5890,7 @@
           <a:lstStyle/>
           <a:p>
             <a:r>
-              <a:rPr kumimoji="0" lang="en-GB" dirty="0" smtClean="0"/>
+              <a:rPr kumimoji="0" lang="en-GB" dirty="0"/>
               <a:t>Click to Edit Title</a:t>
             </a:r>
             <a:endParaRPr kumimoji="0" lang="en-US" dirty="0"/>
@@ -5995,7 +5949,7 @@
               <a:buNone/>
               <a:tabLst/>
             </a:pPr>
-            <a:endParaRPr kumimoji="0" lang="en-US" sz="1400" b="1" i="0" u="none" strike="noStrike" cap="none" normalizeH="0" baseline="0" smtClean="0">
+            <a:endParaRPr kumimoji="0" lang="en-US" sz="1400" b="1" i="0" u="none" strike="noStrike" cap="none" normalizeH="0" baseline="0">
               <a:ln>
                 <a:noFill/>
               </a:ln>
@@ -6062,7 +6016,7 @@
               <a:tabLst/>
             </a:pPr>
             <a:r>
-              <a:rPr kumimoji="0" lang="en-US" sz="1000" b="1" i="0" u="none" strike="noStrike" cap="none" normalizeH="0" baseline="0" dirty="0" smtClean="0">
+              <a:rPr kumimoji="0" lang="en-US" sz="1000" b="1" i="0" u="none" strike="noStrike" cap="none" normalizeH="0" baseline="0" dirty="0">
                 <a:ln>
                   <a:noFill/>
                 </a:ln>
@@ -6076,7 +6030,7 @@
               <a:t>Approximate</a:t>
             </a:r>
             <a:r>
-              <a:rPr kumimoji="0" lang="en-US" sz="1000" b="1" i="0" u="none" strike="noStrike" cap="none" normalizeH="0" dirty="0" smtClean="0">
+              <a:rPr kumimoji="0" lang="en-US" sz="1000" b="1" i="0" u="none" strike="noStrike" cap="none" normalizeH="0" dirty="0">
                 <a:ln>
                   <a:noFill/>
                 </a:ln>
@@ -6089,7 +6043,7 @@
               </a:rPr>
               <a:t> clearance</a:t>
             </a:r>
-            <a:endParaRPr kumimoji="0" lang="en-US" sz="1000" b="1" i="0" u="none" strike="noStrike" cap="none" normalizeH="0" baseline="0" dirty="0" smtClean="0">
+            <a:endParaRPr kumimoji="0" lang="en-US" sz="1000" b="1" i="0" u="none" strike="noStrike" cap="none" normalizeH="0" baseline="0" dirty="0">
               <a:ln>
                 <a:noFill/>
               </a:ln>
@@ -6148,7 +6102,7 @@
               </a:spcAft>
             </a:pPr>
             <a:r>
-              <a:rPr lang="en-US" sz="1000" b="1" dirty="0" smtClean="0">
+              <a:rPr lang="en-US" sz="1000" b="1" dirty="0">
                 <a:solidFill>
                   <a:srgbClr val="FFFFFF"/>
                 </a:solidFill>
@@ -6237,35 +6191,35 @@
           <a:p>
             <a:pPr lvl="0" eaLnBrk="1" latinLnBrk="0" hangingPunct="1"/>
             <a:r>
-              <a:rPr lang="en-GB" dirty="0" smtClean="0"/>
+              <a:rPr lang="en-GB" dirty="0"/>
               <a:t>Click to edit text</a:t>
             </a:r>
           </a:p>
           <a:p>
             <a:pPr lvl="1" eaLnBrk="1" latinLnBrk="0" hangingPunct="1"/>
             <a:r>
-              <a:rPr lang="en-GB" dirty="0" smtClean="0"/>
+              <a:rPr lang="en-GB" dirty="0"/>
               <a:t>Second level</a:t>
             </a:r>
           </a:p>
           <a:p>
             <a:pPr lvl="2" eaLnBrk="1" latinLnBrk="0" hangingPunct="1"/>
             <a:r>
-              <a:rPr lang="en-GB" dirty="0" smtClean="0"/>
+              <a:rPr lang="en-GB" dirty="0"/>
               <a:t>Third level</a:t>
             </a:r>
           </a:p>
           <a:p>
             <a:pPr lvl="3" eaLnBrk="1" latinLnBrk="0" hangingPunct="1"/>
             <a:r>
-              <a:rPr lang="en-GB" dirty="0" smtClean="0"/>
+              <a:rPr lang="en-GB" dirty="0"/>
               <a:t>Fourth level</a:t>
             </a:r>
           </a:p>
           <a:p>
             <a:pPr lvl="4" eaLnBrk="1" latinLnBrk="0" hangingPunct="1"/>
             <a:r>
-              <a:rPr lang="en-GB" dirty="0" smtClean="0"/>
+              <a:rPr lang="en-GB" dirty="0"/>
               <a:t>Fifth level</a:t>
             </a:r>
             <a:endParaRPr kumimoji="0" lang="en-US" dirty="0"/>
@@ -6310,35 +6264,35 @@
           <a:p>
             <a:pPr lvl="0" eaLnBrk="1" latinLnBrk="0" hangingPunct="1"/>
             <a:r>
-              <a:rPr lang="en-GB" dirty="0" smtClean="0"/>
+              <a:rPr lang="en-GB" dirty="0"/>
               <a:t>Click to edit text</a:t>
             </a:r>
           </a:p>
           <a:p>
             <a:pPr lvl="1" eaLnBrk="1" latinLnBrk="0" hangingPunct="1"/>
             <a:r>
-              <a:rPr lang="en-GB" dirty="0" smtClean="0"/>
+              <a:rPr lang="en-GB" dirty="0"/>
               <a:t>Second level</a:t>
             </a:r>
           </a:p>
           <a:p>
             <a:pPr lvl="2" eaLnBrk="1" latinLnBrk="0" hangingPunct="1"/>
             <a:r>
-              <a:rPr lang="en-GB" dirty="0" smtClean="0"/>
+              <a:rPr lang="en-GB" dirty="0"/>
               <a:t>Third level</a:t>
             </a:r>
           </a:p>
           <a:p>
             <a:pPr lvl="3" eaLnBrk="1" latinLnBrk="0" hangingPunct="1"/>
             <a:r>
-              <a:rPr lang="en-GB" dirty="0" smtClean="0"/>
+              <a:rPr lang="en-GB" dirty="0"/>
               <a:t>Fourth level</a:t>
             </a:r>
           </a:p>
           <a:p>
             <a:pPr lvl="4" eaLnBrk="1" latinLnBrk="0" hangingPunct="1"/>
             <a:r>
-              <a:rPr lang="en-GB" dirty="0" smtClean="0"/>
+              <a:rPr lang="en-GB" dirty="0"/>
               <a:t>Fifth level</a:t>
             </a:r>
             <a:endParaRPr kumimoji="0" lang="en-US" dirty="0"/>
@@ -6398,7 +6352,7 @@
               <a:tabLst/>
             </a:pPr>
             <a:r>
-              <a:rPr kumimoji="0" lang="en-US" sz="1000" b="1" i="0" u="none" strike="noStrike" cap="none" normalizeH="0" baseline="0" dirty="0" smtClean="0">
+              <a:rPr kumimoji="0" lang="en-US" sz="1000" b="1" i="0" u="none" strike="noStrike" cap="none" normalizeH="0" baseline="0" dirty="0">
                 <a:ln>
                   <a:noFill/>
                 </a:ln>
@@ -6412,7 +6366,7 @@
               <a:t>Approximate</a:t>
             </a:r>
             <a:r>
-              <a:rPr kumimoji="0" lang="en-US" sz="1000" b="1" i="0" u="none" strike="noStrike" cap="none" normalizeH="0" dirty="0" smtClean="0">
+              <a:rPr kumimoji="0" lang="en-US" sz="1000" b="1" i="0" u="none" strike="noStrike" cap="none" normalizeH="0" dirty="0">
                 <a:ln>
                   <a:noFill/>
                 </a:ln>
@@ -6425,7 +6379,7 @@
               </a:rPr>
               <a:t> clearance</a:t>
             </a:r>
-            <a:endParaRPr kumimoji="0" lang="en-US" sz="1000" b="1" i="0" u="none" strike="noStrike" cap="none" normalizeH="0" baseline="0" dirty="0" smtClean="0">
+            <a:endParaRPr kumimoji="0" lang="en-US" sz="1000" b="1" i="0" u="none" strike="noStrike" cap="none" normalizeH="0" baseline="0" dirty="0">
               <a:ln>
                 <a:noFill/>
               </a:ln>
@@ -6484,7 +6438,7 @@
               </a:spcAft>
             </a:pPr>
             <a:r>
-              <a:rPr lang="en-US" sz="1000" b="1" dirty="0" smtClean="0">
+              <a:rPr lang="en-US" sz="1000" b="1" dirty="0">
                 <a:solidFill>
                   <a:srgbClr val="FFFFFF"/>
                 </a:solidFill>
@@ -6636,7 +6590,7 @@
           </a:lstStyle>
           <a:p>
             <a:r>
-              <a:rPr kumimoji="0" lang="en-GB" dirty="0" smtClean="0"/>
+              <a:rPr kumimoji="0" lang="en-GB" dirty="0"/>
               <a:t>Click to Edit Title</a:t>
             </a:r>
             <a:endParaRPr kumimoji="0" lang="en-US" dirty="0"/>
@@ -6653,13 +6607,6 @@
   <p:clrMapOvr>
     <a:masterClrMapping/>
   </p:clrMapOvr>
-  <p:timing>
-    <p:tnLst>
-      <p:par>
-        <p:cTn id="1" dur="indefinite" restart="never" nodeType="tmRoot"/>
-      </p:par>
-    </p:tnLst>
-  </p:timing>
 </p:sldLayout>
 </file>
 
@@ -6712,15 +6659,15 @@
           </a:lstStyle>
           <a:p>
             <a:r>
-              <a:rPr kumimoji="0" lang="en-GB" dirty="0" smtClean="0"/>
+              <a:rPr kumimoji="0" lang="en-GB" dirty="0"/>
               <a:t>Type or insert a quote into this box ensuring each line of text is as equal as possible.  There are three line to fill so please edit as required.  Character count </a:t>
             </a:r>
             <a:r>
-              <a:rPr kumimoji="0" lang="en-GB" dirty="0" err="1" smtClean="0"/>
+              <a:rPr kumimoji="0" lang="en-GB" dirty="0" err="1"/>
               <a:t>approx</a:t>
             </a:r>
             <a:r>
-              <a:rPr kumimoji="0" lang="en-GB" dirty="0" smtClean="0"/>
+              <a:rPr kumimoji="0" lang="en-GB" dirty="0"/>
               <a:t> 160</a:t>
             </a:r>
             <a:endParaRPr kumimoji="0" lang="en-US" dirty="0"/>
@@ -6748,7 +6695,7 @@
           </a:bodyPr>
           <a:lstStyle/>
           <a:p>
-            <a:endParaRPr lang="en-US" dirty="0" smtClean="0"/>
+            <a:endParaRPr lang="en-US" dirty="0"/>
           </a:p>
         </p:txBody>
       </p:sp>
@@ -6815,7 +6762,7 @@
           <a:p>
             <a:pPr lvl="0"/>
             <a:r>
-              <a:rPr lang="en-GB" dirty="0" smtClean="0"/>
+              <a:rPr lang="en-GB" dirty="0"/>
               <a:t>Type acknowledgement or source of statement</a:t>
             </a:r>
             <a:endParaRPr lang="en-US" dirty="0"/>
@@ -6832,13 +6779,6 @@
   <p:clrMapOvr>
     <a:masterClrMapping/>
   </p:clrMapOvr>
-  <p:timing>
-    <p:tnLst>
-      <p:par>
-        <p:cTn id="1" dur="indefinite" restart="never" nodeType="tmRoot"/>
-      </p:par>
-    </p:tnLst>
-  </p:timing>
   <p:hf sldNum="0" hdr="0" ftr="0" dt="0"/>
 </p:sldLayout>
 </file>
@@ -6898,7 +6838,7 @@
           <a:lstStyle/>
           <a:p>
             <a:r>
-              <a:rPr kumimoji="0" lang="en-GB" dirty="0" smtClean="0"/>
+              <a:rPr kumimoji="0" lang="en-GB" dirty="0"/>
               <a:t>Click to Edit Title</a:t>
             </a:r>
             <a:endParaRPr kumimoji="0" lang="en-US" dirty="0"/>
@@ -6932,35 +6872,35 @@
           <a:p>
             <a:pPr lvl="0" eaLnBrk="1" latinLnBrk="0" hangingPunct="1"/>
             <a:r>
-              <a:rPr kumimoji="0" lang="en-GB" dirty="0" smtClean="0"/>
+              <a:rPr kumimoji="0" lang="en-GB" dirty="0"/>
               <a:t>Click to edit text</a:t>
             </a:r>
           </a:p>
           <a:p>
             <a:pPr lvl="1" eaLnBrk="1" latinLnBrk="0" hangingPunct="1"/>
             <a:r>
-              <a:rPr kumimoji="0" lang="en-GB" dirty="0" smtClean="0"/>
+              <a:rPr kumimoji="0" lang="en-GB" dirty="0"/>
               <a:t>Second level</a:t>
             </a:r>
           </a:p>
           <a:p>
             <a:pPr lvl="2" eaLnBrk="1" latinLnBrk="0" hangingPunct="1"/>
             <a:r>
-              <a:rPr kumimoji="0" lang="en-GB" dirty="0" smtClean="0"/>
+              <a:rPr kumimoji="0" lang="en-GB" dirty="0"/>
               <a:t>Third level</a:t>
             </a:r>
           </a:p>
           <a:p>
             <a:pPr lvl="3" eaLnBrk="1" latinLnBrk="0" hangingPunct="1"/>
             <a:r>
-              <a:rPr kumimoji="0" lang="en-GB" dirty="0" smtClean="0"/>
+              <a:rPr kumimoji="0" lang="en-GB" dirty="0"/>
               <a:t>Fourth level</a:t>
             </a:r>
           </a:p>
           <a:p>
             <a:pPr lvl="4" eaLnBrk="1" latinLnBrk="0" hangingPunct="1"/>
             <a:r>
-              <a:rPr kumimoji="0" lang="en-GB" dirty="0" smtClean="0"/>
+              <a:rPr kumimoji="0" lang="en-GB" dirty="0"/>
               <a:t>Fifth level</a:t>
             </a:r>
             <a:endParaRPr kumimoji="0" lang="en-US" dirty="0"/>
@@ -7120,7 +7060,7 @@
               </a:pPr>
               <a:t>‹#›</a:t>
             </a:fld>
-            <a:endParaRPr lang="en-US" dirty="0" smtClean="0"/>
+            <a:endParaRPr lang="en-US" dirty="0"/>
           </a:p>
           <a:p>
             <a:endParaRPr lang="en-US" b="0" dirty="0"/>
@@ -7142,13 +7082,6 @@
     <p:sldLayoutId id="2147483724" r:id="rId9"/>
     <p:sldLayoutId id="2147483725" r:id="rId10"/>
   </p:sldLayoutIdLst>
-  <p:timing>
-    <p:tnLst>
-      <p:par>
-        <p:cTn id="1" dur="indefinite" restart="never" nodeType="tmRoot"/>
-      </p:par>
-    </p:tnLst>
-  </p:timing>
   <p:hf sldNum="0" hdr="0" ftr="0" dt="0"/>
   <p:txStyles>
     <p:titleStyle>
@@ -7526,13 +7459,6 @@
   <p:clrMapOvr>
     <a:masterClrMapping/>
   </p:clrMapOvr>
-  <p:timing>
-    <p:tnLst>
-      <p:par>
-        <p:cTn id="1" dur="indefinite" restart="never" nodeType="tmRoot"/>
-      </p:par>
-    </p:tnLst>
-  </p:timing>
 </p:sld>
 </file>
 
@@ -7597,7 +7523,7 @@
           <a:p>
             <a:pPr algn="ctr"/>
             <a:r>
-              <a:rPr lang="en-US" b="1" dirty="0" smtClean="0">
+              <a:rPr lang="en-US" b="1" dirty="0">
                 <a:solidFill>
                   <a:schemeClr val="tx1"/>
                 </a:solidFill>
@@ -7656,7 +7582,7 @@
           <a:p>
             <a:pPr algn="ctr"/>
             <a:r>
-              <a:rPr lang="en-US" b="1" dirty="0" smtClean="0">
+              <a:rPr lang="en-US" b="1" dirty="0">
                 <a:solidFill>
                   <a:schemeClr val="tx1"/>
                 </a:solidFill>
@@ -7715,7 +7641,7 @@
           <a:p>
             <a:pPr algn="ctr"/>
             <a:r>
-              <a:rPr lang="en-US" b="1" dirty="0" smtClean="0">
+              <a:rPr lang="en-US" b="1" dirty="0">
                 <a:solidFill>
                   <a:schemeClr val="tx1"/>
                 </a:solidFill>
@@ -7774,7 +7700,7 @@
           <a:p>
             <a:pPr algn="ctr"/>
             <a:r>
-              <a:rPr lang="en-US" sz="2000" b="1" dirty="0" smtClean="0">
+              <a:rPr lang="en-US" sz="2000" b="1" dirty="0">
                 <a:solidFill>
                   <a:schemeClr val="tx1"/>
                 </a:solidFill>
@@ -7831,18 +7757,13 @@
           <a:p>
             <a:pPr algn="ctr"/>
             <a:r>
-              <a:rPr lang="en-US" sz="1600" b="1" dirty="0" smtClean="0">
+              <a:rPr lang="en-US" sz="1600" b="1" dirty="0">
                 <a:solidFill>
                   <a:schemeClr val="bg1"/>
                 </a:solidFill>
               </a:rPr>
               <a:t>System/Startup</a:t>
             </a:r>
-            <a:endParaRPr lang="en-US" sz="1600" b="1" dirty="0">
-              <a:solidFill>
-                <a:schemeClr val="bg1"/>
-              </a:solidFill>
-            </a:endParaRPr>
           </a:p>
         </p:txBody>
       </p:sp>
@@ -7888,18 +7809,13 @@
           <a:p>
             <a:pPr algn="ctr"/>
             <a:r>
-              <a:rPr lang="en-US" sz="1600" b="1" dirty="0" smtClean="0">
+              <a:rPr lang="en-US" sz="1600" b="1" dirty="0">
                 <a:solidFill>
                   <a:schemeClr val="bg1"/>
                 </a:solidFill>
               </a:rPr>
               <a:t>Ethernet Driver</a:t>
             </a:r>
-            <a:endParaRPr lang="en-US" sz="1600" b="1" dirty="0">
-              <a:solidFill>
-                <a:schemeClr val="bg1"/>
-              </a:solidFill>
-            </a:endParaRPr>
           </a:p>
         </p:txBody>
       </p:sp>
@@ -7945,18 +7861,13 @@
           <a:p>
             <a:pPr algn="ctr"/>
             <a:r>
-              <a:rPr lang="en-US" sz="1600" b="1" dirty="0" smtClean="0">
+              <a:rPr lang="en-US" sz="1600" b="1" dirty="0">
                 <a:solidFill>
                   <a:schemeClr val="bg1"/>
                 </a:solidFill>
               </a:rPr>
               <a:t>SPI Driver</a:t>
             </a:r>
-            <a:endParaRPr lang="en-US" sz="1600" b="1" dirty="0">
-              <a:solidFill>
-                <a:schemeClr val="bg1"/>
-              </a:solidFill>
-            </a:endParaRPr>
           </a:p>
         </p:txBody>
       </p:sp>
@@ -8002,18 +7913,13 @@
           <a:p>
             <a:pPr algn="ctr"/>
             <a:r>
-              <a:rPr lang="en-US" sz="1600" b="1" dirty="0" smtClean="0">
+              <a:rPr lang="en-US" sz="1600" b="1" dirty="0">
                 <a:solidFill>
                   <a:schemeClr val="bg1"/>
                 </a:solidFill>
               </a:rPr>
               <a:t>USB Driver</a:t>
             </a:r>
-            <a:endParaRPr lang="en-US" sz="1600" b="1" dirty="0">
-              <a:solidFill>
-                <a:schemeClr val="bg1"/>
-              </a:solidFill>
-            </a:endParaRPr>
           </a:p>
         </p:txBody>
       </p:sp>
@@ -8040,7 +7946,7 @@
           <a:p>
             <a:pPr algn="ctr"/>
             <a:r>
-              <a:rPr lang="en-US" b="1" dirty="0" smtClean="0">
+              <a:rPr lang="en-US" b="1" dirty="0">
                 <a:solidFill>
                   <a:srgbClr val="AE1280"/>
                 </a:solidFill>
@@ -8092,10 +7998,9 @@
           <a:p>
             <a:pPr algn="ctr"/>
             <a:r>
-              <a:rPr lang="en-US" sz="1600" b="1" dirty="0" smtClean="0"/>
+              <a:rPr lang="en-US" sz="1600" b="1" dirty="0"/>
               <a:t>CMSIS-CORE</a:t>
             </a:r>
-            <a:endParaRPr lang="en-US" sz="1600" b="1" dirty="0"/>
           </a:p>
         </p:txBody>
       </p:sp>
@@ -8141,10 +8046,9 @@
           <a:p>
             <a:pPr algn="ctr"/>
             <a:r>
-              <a:rPr lang="en-US" sz="1600" b="1" dirty="0" smtClean="0"/>
+              <a:rPr lang="en-US" sz="1600" b="1" dirty="0"/>
               <a:t>CMSIS-DSP</a:t>
             </a:r>
-            <a:endParaRPr lang="en-US" sz="1600" b="1" dirty="0"/>
           </a:p>
         </p:txBody>
       </p:sp>
@@ -8190,10 +8094,9 @@
           <a:p>
             <a:pPr algn="ctr"/>
             <a:r>
-              <a:rPr lang="en-US" sz="1600" b="1" dirty="0" smtClean="0"/>
+              <a:rPr lang="en-US" sz="1600" b="1" dirty="0"/>
               <a:t>CMSIS-RTOS</a:t>
             </a:r>
-            <a:endParaRPr lang="en-US" sz="1600" b="1" dirty="0"/>
           </a:p>
         </p:txBody>
       </p:sp>
@@ -8239,10 +8142,9 @@
           <a:p>
             <a:pPr algn="ctr"/>
             <a:r>
-              <a:rPr lang="en-US" sz="1600" b="1" dirty="0" smtClean="0"/>
+              <a:rPr lang="en-US" sz="1600" b="1" dirty="0"/>
               <a:t>Network</a:t>
             </a:r>
-            <a:endParaRPr lang="en-US" sz="1600" b="1" dirty="0"/>
           </a:p>
         </p:txBody>
       </p:sp>
@@ -8288,10 +8190,9 @@
           <a:p>
             <a:pPr algn="ctr"/>
             <a:r>
-              <a:rPr lang="en-US" sz="1600" b="1" dirty="0" smtClean="0"/>
+              <a:rPr lang="en-US" sz="1600" b="1" dirty="0"/>
               <a:t>USB Device</a:t>
             </a:r>
-            <a:endParaRPr lang="en-US" sz="1600" b="1" dirty="0"/>
           </a:p>
         </p:txBody>
       </p:sp>
@@ -8337,10 +8238,9 @@
           <a:p>
             <a:pPr algn="ctr"/>
             <a:r>
-              <a:rPr lang="en-US" sz="1600" b="1" dirty="0" smtClean="0"/>
+              <a:rPr lang="en-US" sz="1600" b="1" dirty="0"/>
               <a:t>File System</a:t>
             </a:r>
-            <a:endParaRPr lang="en-US" sz="1600" b="1" dirty="0"/>
           </a:p>
         </p:txBody>
       </p:sp>
@@ -8386,10 +8286,9 @@
           <a:p>
             <a:pPr algn="ctr"/>
             <a:r>
-              <a:rPr lang="en-US" sz="1600" b="1" dirty="0" smtClean="0"/>
+              <a:rPr lang="en-US" sz="1600" b="1" dirty="0"/>
               <a:t>Graphics</a:t>
             </a:r>
-            <a:endParaRPr lang="en-US" sz="1600" b="1" dirty="0"/>
           </a:p>
         </p:txBody>
       </p:sp>
@@ -8435,10 +8334,9 @@
           <a:p>
             <a:pPr algn="ctr"/>
             <a:r>
-              <a:rPr lang="en-US" sz="1600" b="1" dirty="0" smtClean="0"/>
+              <a:rPr lang="en-US" sz="1600" b="1" dirty="0"/>
               <a:t>USB Host</a:t>
             </a:r>
-            <a:endParaRPr lang="en-US" sz="1600" b="1" dirty="0"/>
           </a:p>
         </p:txBody>
       </p:sp>
@@ -8452,13 +8350,6 @@
   <p:clrMapOvr>
     <a:masterClrMapping/>
   </p:clrMapOvr>
-  <p:timing>
-    <p:tnLst>
-      <p:par>
-        <p:cTn id="1" dur="indefinite" restart="never" nodeType="tmRoot"/>
-      </p:par>
-    </p:tnLst>
-  </p:timing>
 </p:sld>
 </file>
 
@@ -8523,7 +8414,7 @@
           <a:p>
             <a:pPr algn="ctr"/>
             <a:r>
-              <a:rPr lang="en-US" sz="2000" b="1" dirty="0" smtClean="0">
+              <a:rPr lang="en-US" sz="2000" b="1" dirty="0">
                 <a:solidFill>
                   <a:schemeClr val="tx1"/>
                 </a:solidFill>
@@ -8621,7 +8512,7 @@
               <a:defRPr/>
             </a:pPr>
             <a:r>
-              <a:rPr lang="en-US" sz="1200" dirty="0" smtClean="0">
+              <a:rPr lang="en-US" sz="1200" dirty="0">
                 <a:latin typeface="+mn-lt"/>
               </a:rPr>
               <a:t>SAI Controller</a:t>
@@ -8665,13 +8556,13 @@
               <a:defRPr/>
             </a:pPr>
             <a:r>
-              <a:rPr lang="en-US" sz="1200" dirty="0" smtClean="0">
+              <a:rPr lang="en-US" sz="1200" dirty="0">
                 <a:latin typeface="+mn-lt"/>
               </a:rPr>
               <a:t>SPI </a:t>
             </a:r>
             <a:r>
-              <a:rPr lang="en-US" sz="1200" dirty="0" smtClean="0"/>
+              <a:rPr lang="en-US" sz="1200" dirty="0"/>
               <a:t>Controller</a:t>
             </a:r>
             <a:endParaRPr lang="en-GB" sz="1200" dirty="0">
@@ -8715,13 +8606,13 @@
               <a:defRPr/>
             </a:pPr>
             <a:r>
-              <a:rPr lang="en-US" sz="1200" dirty="0" smtClean="0">
+              <a:rPr lang="en-US" sz="1200" dirty="0">
                 <a:latin typeface="+mn-lt"/>
               </a:rPr>
               <a:t>SPI </a:t>
             </a:r>
             <a:r>
-              <a:rPr lang="en-US" sz="1200" dirty="0" smtClean="0"/>
+              <a:rPr lang="en-US" sz="1200" dirty="0"/>
               <a:t>Controller</a:t>
             </a:r>
             <a:endParaRPr lang="en-GB" sz="1200" dirty="0">
@@ -8939,7 +8830,7 @@
               <a:defRPr/>
             </a:pPr>
             <a:r>
-              <a:rPr lang="en-US" sz="1200" dirty="0" smtClean="0">
+              <a:rPr lang="en-US" sz="1200" dirty="0">
                 <a:latin typeface="+mn-lt"/>
               </a:rPr>
               <a:t>Memory Controller</a:t>
@@ -8994,7 +8885,7 @@
               <a:defRPr/>
             </a:pPr>
             <a:r>
-              <a:rPr lang="de-DE" sz="1600" b="1" kern="0" dirty="0" smtClean="0">
+              <a:rPr lang="de-DE" sz="1600" b="1" kern="0" dirty="0">
                 <a:solidFill>
                   <a:srgbClr val="000000"/>
                 </a:solidFill>
@@ -9473,7 +9364,7 @@
               <a:defRPr/>
             </a:pPr>
             <a:r>
-              <a:rPr lang="en-US" sz="1200" dirty="0" smtClean="0">
+              <a:rPr lang="en-US" sz="1200" dirty="0">
                 <a:latin typeface="+mn-lt"/>
               </a:rPr>
               <a:t>USB</a:t>
@@ -9513,7 +9404,7 @@
               <a:defRPr/>
             </a:pPr>
             <a:r>
-              <a:rPr lang="en-US" sz="1200" dirty="0" smtClean="0">
+              <a:rPr lang="en-US" sz="1200" dirty="0">
                 <a:latin typeface="+mn-lt"/>
               </a:rPr>
               <a:t>I/O</a:t>
@@ -9553,7 +9444,7 @@
               <a:defRPr/>
             </a:pPr>
             <a:r>
-              <a:rPr lang="en-US" sz="1200" dirty="0" smtClean="0">
+              <a:rPr lang="en-US" sz="1200" dirty="0">
                 <a:latin typeface="+mn-lt"/>
               </a:rPr>
               <a:t>SDIO0</a:t>
@@ -9593,7 +9484,7 @@
               <a:defRPr/>
             </a:pPr>
             <a:r>
-              <a:rPr lang="en-US" sz="1200" dirty="0" smtClean="0">
+              <a:rPr lang="en-US" sz="1200" dirty="0">
                 <a:latin typeface="+mn-lt"/>
               </a:rPr>
               <a:t>SPI1</a:t>
@@ -9633,7 +9524,7 @@
               <a:defRPr/>
             </a:pPr>
             <a:r>
-              <a:rPr lang="en-US" sz="1200" dirty="0" smtClean="0">
+              <a:rPr lang="en-US" sz="1200" dirty="0">
                 <a:latin typeface="+mn-lt"/>
               </a:rPr>
               <a:t>SPI0</a:t>
@@ -9675,7 +9566,7 @@
               <a:defRPr/>
             </a:pPr>
             <a:r>
-              <a:rPr lang="en-US" sz="1200" dirty="0" smtClean="0">
+              <a:rPr lang="en-US" sz="1200" dirty="0">
                 <a:latin typeface="+mn-lt"/>
               </a:rPr>
               <a:t>SAI0</a:t>
@@ -9717,7 +9608,7 @@
               <a:defRPr/>
             </a:pPr>
             <a:r>
-              <a:rPr lang="en-US" sz="1200" dirty="0" smtClean="0">
+              <a:rPr lang="en-US" sz="1200" dirty="0">
                 <a:latin typeface="+mn-lt"/>
               </a:rPr>
               <a:t>USB</a:t>
@@ -10006,7 +9897,7 @@
               <a:defRPr/>
             </a:pPr>
             <a:r>
-              <a:rPr lang="de-DE" sz="1500" b="1" kern="0" dirty="0" smtClean="0">
+              <a:rPr lang="de-DE" sz="1500" b="1" kern="0" dirty="0">
                 <a:solidFill>
                   <a:sysClr val="window" lastClr="FFFFFF"/>
                 </a:solidFill>
@@ -10016,14 +9907,6 @@
               </a:rPr>
               <a:t>Startup/System</a:t>
             </a:r>
-            <a:endParaRPr lang="de-DE" sz="1500" b="1" kern="0" dirty="0">
-              <a:solidFill>
-                <a:sysClr val="window" lastClr="FFFFFF"/>
-              </a:solidFill>
-              <a:latin typeface="Gill Sans MT" pitchFamily="34" charset="0"/>
-              <a:ea typeface="ＭＳ Ｐゴシック" pitchFamily="34" charset="-128"/>
-              <a:cs typeface="Arial" charset="0"/>
-            </a:endParaRPr>
           </a:p>
         </p:txBody>
       </p:sp>
@@ -10074,7 +9957,7 @@
               <a:defRPr/>
             </a:pPr>
             <a:r>
-              <a:rPr lang="en-GB" sz="1200" dirty="0" smtClean="0">
+              <a:rPr lang="en-GB" sz="1200" dirty="0">
                 <a:solidFill>
                   <a:schemeClr val="tx1"/>
                 </a:solidFill>
@@ -10083,13 +9966,6 @@
               </a:rPr>
               <a:t>SAI0</a:t>
             </a:r>
-            <a:endParaRPr lang="en-GB" sz="1200" dirty="0">
-              <a:solidFill>
-                <a:schemeClr val="tx1"/>
-              </a:solidFill>
-              <a:latin typeface="Courier New" pitchFamily="49" charset="0"/>
-              <a:cs typeface="Courier New" pitchFamily="49" charset="0"/>
-            </a:endParaRPr>
           </a:p>
         </p:txBody>
       </p:sp>
@@ -10133,17 +10009,6 @@
               <a:defRPr/>
             </a:pPr>
             <a:r>
-              <a:rPr lang="de-DE" sz="1500" b="1" kern="0" dirty="0" smtClean="0">
-                <a:solidFill>
-                  <a:sysClr val="window" lastClr="FFFFFF"/>
-                </a:solidFill>
-                <a:latin typeface="Gill Sans MT" pitchFamily="34" charset="0"/>
-                <a:ea typeface="ＭＳ Ｐゴシック" pitchFamily="34" charset="-128"/>
-                <a:cs typeface="Arial" charset="0"/>
-              </a:rPr>
-              <a:t>SAI </a:t>
-            </a:r>
-            <a:r>
               <a:rPr lang="de-DE" sz="1500" b="1" kern="0" dirty="0">
                 <a:solidFill>
                   <a:sysClr val="window" lastClr="FFFFFF"/>
@@ -10152,7 +10017,7 @@
                 <a:ea typeface="ＭＳ Ｐゴシック" pitchFamily="34" charset="-128"/>
                 <a:cs typeface="Arial" charset="0"/>
               </a:rPr>
-              <a:t>Driver</a:t>
+              <a:t>SAI Driver</a:t>
             </a:r>
           </a:p>
         </p:txBody>
@@ -10204,7 +10069,7 @@
               <a:defRPr/>
             </a:pPr>
             <a:r>
-              <a:rPr lang="en-US" sz="1200" dirty="0" smtClean="0">
+              <a:rPr lang="en-US" sz="1200" dirty="0">
                 <a:solidFill>
                   <a:schemeClr val="tx1"/>
                 </a:solidFill>
@@ -10509,27 +10374,8 @@
                 <a:ea typeface="ＭＳ Ｐゴシック" pitchFamily="34" charset="-128"/>
                 <a:cs typeface="Arial" charset="0"/>
               </a:rPr>
-              <a:t>NAND </a:t>
-            </a:r>
-            <a:r>
-              <a:rPr lang="de-DE" sz="1500" b="1" kern="0" dirty="0" smtClean="0">
-                <a:solidFill>
-                  <a:sysClr val="window" lastClr="FFFFFF"/>
-                </a:solidFill>
-                <a:latin typeface="Gill Sans MT" pitchFamily="34" charset="0"/>
-                <a:ea typeface="ＭＳ Ｐゴシック" pitchFamily="34" charset="-128"/>
-                <a:cs typeface="Arial" charset="0"/>
-              </a:rPr>
-              <a:t>Driver</a:t>
-            </a:r>
-            <a:endParaRPr lang="de-DE" sz="1500" b="1" kern="0" dirty="0">
-              <a:solidFill>
-                <a:sysClr val="window" lastClr="FFFFFF"/>
-              </a:solidFill>
-              <a:latin typeface="Gill Sans MT" pitchFamily="34" charset="0"/>
-              <a:ea typeface="ＭＳ Ｐゴシック" pitchFamily="34" charset="-128"/>
-              <a:cs typeface="Arial" charset="0"/>
-            </a:endParaRPr>
+              <a:t>NAND Driver</a:t>
+            </a:r>
           </a:p>
         </p:txBody>
       </p:sp>
@@ -11126,17 +10972,6 @@
               <a:defRPr/>
             </a:pPr>
             <a:r>
-              <a:rPr lang="de-DE" sz="1500" b="1" kern="0" dirty="0" smtClean="0">
-                <a:solidFill>
-                  <a:sysClr val="window" lastClr="FFFFFF"/>
-                </a:solidFill>
-                <a:latin typeface="Gill Sans MT" pitchFamily="34" charset="0"/>
-                <a:ea typeface="ＭＳ Ｐゴシック" pitchFamily="34" charset="-128"/>
-                <a:cs typeface="Arial" charset="0"/>
-              </a:rPr>
-              <a:t>USART </a:t>
-            </a:r>
-            <a:r>
               <a:rPr lang="de-DE" sz="1500" b="1" kern="0" dirty="0">
                 <a:solidFill>
                   <a:sysClr val="window" lastClr="FFFFFF"/>
@@ -11145,7 +10980,7 @@
                 <a:ea typeface="ＭＳ Ｐゴシック" pitchFamily="34" charset="-128"/>
                 <a:cs typeface="Arial" charset="0"/>
               </a:rPr>
-              <a:t>Driver</a:t>
+              <a:t>USART Driver</a:t>
             </a:r>
           </a:p>
         </p:txBody>
@@ -11190,17 +11025,6 @@
               <a:defRPr/>
             </a:pPr>
             <a:r>
-              <a:rPr lang="de-DE" sz="1500" b="1" kern="0" dirty="0" smtClean="0">
-                <a:solidFill>
-                  <a:sysClr val="window" lastClr="FFFFFF"/>
-                </a:solidFill>
-                <a:latin typeface="Gill Sans MT" pitchFamily="34" charset="0"/>
-                <a:ea typeface="ＭＳ Ｐゴシック" pitchFamily="34" charset="-128"/>
-                <a:cs typeface="Arial" charset="0"/>
-              </a:rPr>
-              <a:t>CAN </a:t>
-            </a:r>
-            <a:r>
               <a:rPr lang="de-DE" sz="1500" b="1" kern="0" dirty="0">
                 <a:solidFill>
                   <a:sysClr val="window" lastClr="FFFFFF"/>
@@ -11209,7 +11033,7 @@
                 <a:ea typeface="ＭＳ Ｐゴシック" pitchFamily="34" charset="-128"/>
                 <a:cs typeface="Arial" charset="0"/>
               </a:rPr>
-              <a:t>Driver</a:t>
+              <a:t>CAN Driver</a:t>
             </a:r>
           </a:p>
         </p:txBody>
@@ -11254,17 +11078,6 @@
               <a:defRPr/>
             </a:pPr>
             <a:r>
-              <a:rPr lang="de-DE" sz="1500" b="1" kern="0" dirty="0" smtClean="0">
-                <a:solidFill>
-                  <a:sysClr val="window" lastClr="FFFFFF"/>
-                </a:solidFill>
-                <a:latin typeface="Gill Sans MT" pitchFamily="34" charset="0"/>
-                <a:ea typeface="ＭＳ Ｐゴシック" pitchFamily="34" charset="-128"/>
-                <a:cs typeface="Arial" charset="0"/>
-              </a:rPr>
-              <a:t>Flash </a:t>
-            </a:r>
-            <a:r>
               <a:rPr lang="de-DE" sz="1500" b="1" kern="0" dirty="0">
                 <a:solidFill>
                   <a:sysClr val="window" lastClr="FFFFFF"/>
@@ -11273,7 +11086,7 @@
                 <a:ea typeface="ＭＳ Ｐゴシック" pitchFamily="34" charset="-128"/>
                 <a:cs typeface="Arial" charset="0"/>
               </a:rPr>
-              <a:t>Driver</a:t>
+              <a:t>Flash Driver</a:t>
             </a:r>
           </a:p>
         </p:txBody>
@@ -11325,7 +11138,7 @@
               <a:defRPr/>
             </a:pPr>
             <a:r>
-              <a:rPr lang="en-US" sz="1200" dirty="0" smtClean="0">
+              <a:rPr lang="en-US" sz="1200" dirty="0">
                 <a:solidFill>
                   <a:schemeClr val="tx1"/>
                 </a:solidFill>
@@ -11391,7 +11204,7 @@
               <a:defRPr/>
             </a:pPr>
             <a:r>
-              <a:rPr lang="en-US" sz="1200" dirty="0" smtClean="0">
+              <a:rPr lang="en-US" sz="1200" dirty="0">
                 <a:solidFill>
                   <a:schemeClr val="tx1"/>
                 </a:solidFill>
@@ -11457,7 +11270,7 @@
               <a:defRPr/>
             </a:pPr>
             <a:r>
-              <a:rPr lang="en-GB" sz="1200" dirty="0" smtClean="0">
+              <a:rPr lang="en-GB" sz="1200" dirty="0">
                 <a:solidFill>
                   <a:schemeClr val="tx1"/>
                 </a:solidFill>
@@ -11466,13 +11279,6 @@
               </a:rPr>
               <a:t>SPI1</a:t>
             </a:r>
-            <a:endParaRPr lang="en-GB" sz="1200" dirty="0">
-              <a:solidFill>
-                <a:schemeClr val="tx1"/>
-              </a:solidFill>
-              <a:latin typeface="Courier New" pitchFamily="49" charset="0"/>
-              <a:cs typeface="Courier New" pitchFamily="49" charset="0"/>
-            </a:endParaRPr>
           </a:p>
         </p:txBody>
       </p:sp>
@@ -11930,7 +11736,7 @@
               <a:defRPr/>
             </a:pPr>
             <a:r>
-              <a:rPr lang="en-US" sz="1200" dirty="0" smtClean="0">
+              <a:rPr lang="en-US" sz="1200" dirty="0">
                 <a:latin typeface="+mn-lt"/>
               </a:rPr>
               <a:t>USART</a:t>
@@ -11976,7 +11782,7 @@
               <a:defRPr/>
             </a:pPr>
             <a:r>
-              <a:rPr lang="en-US" sz="1200" dirty="0" smtClean="0">
+              <a:rPr lang="en-US" sz="1200" dirty="0">
                 <a:latin typeface="+mn-lt"/>
               </a:rPr>
               <a:t>CAN Controller</a:t>
@@ -13240,7 +13046,7 @@
               <a:defRPr/>
             </a:pPr>
             <a:r>
-              <a:rPr lang="en-US" sz="1200" dirty="0" smtClean="0">
+              <a:rPr lang="en-US" sz="1200" dirty="0">
                 <a:latin typeface="+mn-lt"/>
               </a:rPr>
               <a:t>RX/TX</a:t>
@@ -13282,7 +13088,7 @@
               <a:defRPr/>
             </a:pPr>
             <a:r>
-              <a:rPr lang="en-US" sz="1200" dirty="0" smtClean="0">
+              <a:rPr lang="en-US" sz="1200" dirty="0">
                 <a:latin typeface="+mn-lt"/>
               </a:rPr>
               <a:t>RX/TX</a:t>
@@ -13885,13 +13691,4915 @@
   <p:clrMapOvr>
     <a:masterClrMapping/>
   </p:clrMapOvr>
-  <p:timing>
-    <p:tnLst>
-      <p:par>
-        <p:cTn id="1" dur="indefinite" restart="never" nodeType="tmRoot"/>
-      </p:par>
-    </p:tnLst>
-  </p:timing>
+</p:sld>
+</file>
+
+<file path=ppt/slides/slide4.xml><?xml version="1.0" encoding="utf-8"?>
+<p:sld xmlns:a="http://schemas.openxmlformats.org/drawingml/2006/main" xmlns:r="http://schemas.openxmlformats.org/officeDocument/2006/relationships" xmlns:p="http://schemas.openxmlformats.org/presentationml/2006/main">
+  <p:cSld>
+    <p:spTree>
+      <p:nvGrpSpPr>
+        <p:cNvPr id="1" name=""/>
+        <p:cNvGrpSpPr/>
+        <p:nvPr/>
+      </p:nvGrpSpPr>
+      <p:grpSpPr>
+        <a:xfrm>
+          <a:off x="0" y="0"/>
+          <a:ext cx="0" cy="0"/>
+          <a:chOff x="0" y="0"/>
+          <a:chExt cx="0" cy="0"/>
+        </a:xfrm>
+      </p:grpSpPr>
+      <p:sp>
+        <p:nvSpPr>
+          <p:cNvPr id="4" name="Rectangle 3">
+            <a:extLst>
+              <a:ext uri="{FF2B5EF4-FFF2-40B4-BE49-F238E27FC236}">
+                <a16:creationId xmlns:a16="http://schemas.microsoft.com/office/drawing/2014/main" id="{E4419CA1-AE05-4749-889A-6FF8D45E4D97}"/>
+              </a:ext>
+            </a:extLst>
+          </p:cNvPr>
+          <p:cNvSpPr/>
+          <p:nvPr/>
+        </p:nvSpPr>
+        <p:spPr>
+          <a:xfrm>
+            <a:off x="110465" y="871442"/>
+            <a:ext cx="10882808" cy="2798432"/>
+          </a:xfrm>
+          <a:prstGeom prst="rect">
+            <a:avLst/>
+          </a:prstGeom>
+          <a:solidFill>
+            <a:schemeClr val="bg1"/>
+          </a:solidFill>
+          <a:ln>
+            <a:solidFill>
+              <a:schemeClr val="accent1"/>
+            </a:solidFill>
+          </a:ln>
+          <a:effectLst/>
+        </p:spPr>
+        <p:style>
+          <a:lnRef idx="1">
+            <a:schemeClr val="accent1"/>
+          </a:lnRef>
+          <a:fillRef idx="3">
+            <a:schemeClr val="accent1"/>
+          </a:fillRef>
+          <a:effectRef idx="2">
+            <a:schemeClr val="accent1"/>
+          </a:effectRef>
+          <a:fontRef idx="minor">
+            <a:schemeClr val="lt1"/>
+          </a:fontRef>
+        </p:style>
+        <p:txBody>
+          <a:bodyPr rtlCol="0" anchor="ctr"/>
+          <a:lstStyle/>
+          <a:p>
+            <a:pPr algn="ctr"/>
+            <a:endParaRPr lang="en-DE"/>
+          </a:p>
+        </p:txBody>
+      </p:sp>
+      <p:sp>
+        <p:nvSpPr>
+          <p:cNvPr id="6" name="Rounded Rectangle 5">
+            <a:extLst>
+              <a:ext uri="{FF2B5EF4-FFF2-40B4-BE49-F238E27FC236}">
+                <a16:creationId xmlns:a16="http://schemas.microsoft.com/office/drawing/2014/main" id="{777600BF-EEDF-030A-37FC-77BC2726C4AC}"/>
+              </a:ext>
+            </a:extLst>
+          </p:cNvPr>
+          <p:cNvSpPr/>
+          <p:nvPr/>
+        </p:nvSpPr>
+        <p:spPr bwMode="auto">
+          <a:xfrm>
+            <a:off x="2377093" y="1429256"/>
+            <a:ext cx="900000" cy="288000"/>
+          </a:xfrm>
+          <a:prstGeom prst="roundRect">
+            <a:avLst>
+              <a:gd name="adj" fmla="val 0"/>
+            </a:avLst>
+          </a:prstGeom>
+          <a:solidFill>
+            <a:srgbClr val="0091BD"/>
+          </a:solidFill>
+          <a:ln w="19050" algn="ctr">
+            <a:noFill/>
+            <a:round/>
+            <a:headEnd/>
+            <a:tailEnd/>
+          </a:ln>
+        </p:spPr>
+        <p:txBody>
+          <a:bodyPr wrap="none" lIns="121944" tIns="60972" rIns="121944" bIns="60972" anchor="ctr"/>
+          <a:lstStyle/>
+          <a:p>
+            <a:pPr algn="ctr" fontAlgn="auto">
+              <a:spcBef>
+                <a:spcPts val="0"/>
+              </a:spcBef>
+              <a:spcAft>
+                <a:spcPts val="0"/>
+              </a:spcAft>
+              <a:defRPr/>
+            </a:pPr>
+            <a:r>
+              <a:rPr lang="de-DE" sz="1400" b="1" kern="0" dirty="0">
+                <a:solidFill>
+                  <a:sysClr val="window" lastClr="FFFFFF"/>
+                </a:solidFill>
+                <a:latin typeface="Calibri" panose="020F0502020204030204" pitchFamily="34" charset="0"/>
+                <a:ea typeface="ＭＳ Ｐゴシック" pitchFamily="34" charset="-128"/>
+                <a:cs typeface="Calibri" panose="020F0502020204030204" pitchFamily="34" charset="0"/>
+              </a:rPr>
+              <a:t>USB Device</a:t>
+            </a:r>
+            <a:endParaRPr lang="en-GB" sz="1400" b="1" kern="0" dirty="0">
+              <a:solidFill>
+                <a:sysClr val="window" lastClr="FFFFFF"/>
+              </a:solidFill>
+              <a:latin typeface="Calibri" panose="020F0502020204030204" pitchFamily="34" charset="0"/>
+              <a:ea typeface="ＭＳ Ｐゴシック" pitchFamily="34" charset="-128"/>
+              <a:cs typeface="Calibri" panose="020F0502020204030204" pitchFamily="34" charset="0"/>
+            </a:endParaRPr>
+          </a:p>
+        </p:txBody>
+      </p:sp>
+      <p:sp>
+        <p:nvSpPr>
+          <p:cNvPr id="7" name="Rounded Rectangle 6">
+            <a:extLst>
+              <a:ext uri="{FF2B5EF4-FFF2-40B4-BE49-F238E27FC236}">
+                <a16:creationId xmlns:a16="http://schemas.microsoft.com/office/drawing/2014/main" id="{BF004A27-5EB6-24B7-90FF-9359CFA918B4}"/>
+              </a:ext>
+            </a:extLst>
+          </p:cNvPr>
+          <p:cNvSpPr/>
+          <p:nvPr/>
+        </p:nvSpPr>
+        <p:spPr bwMode="auto">
+          <a:xfrm>
+            <a:off x="7790739" y="1429256"/>
+            <a:ext cx="2013089" cy="288000"/>
+          </a:xfrm>
+          <a:prstGeom prst="roundRect">
+            <a:avLst>
+              <a:gd name="adj" fmla="val 0"/>
+            </a:avLst>
+          </a:prstGeom>
+          <a:solidFill>
+            <a:srgbClr val="0091BD"/>
+          </a:solidFill>
+          <a:ln w="19050" cap="flat" cmpd="sng" algn="ctr">
+            <a:noFill/>
+            <a:prstDash val="solid"/>
+            <a:round/>
+            <a:headEnd type="none" w="med" len="med"/>
+            <a:tailEnd type="none" w="med" len="med"/>
+          </a:ln>
+          <a:effectLst/>
+        </p:spPr>
+        <p:txBody>
+          <a:bodyPr wrap="none" lIns="121944" tIns="60972" rIns="121944" bIns="60972" anchor="ctr"/>
+          <a:lstStyle/>
+          <a:p>
+            <a:pPr algn="ctr" fontAlgn="auto">
+              <a:spcBef>
+                <a:spcPts val="0"/>
+              </a:spcBef>
+              <a:spcAft>
+                <a:spcPts val="0"/>
+              </a:spcAft>
+              <a:defRPr/>
+            </a:pPr>
+            <a:r>
+              <a:rPr lang="de-DE" sz="1400" b="1" kern="0" dirty="0">
+                <a:solidFill>
+                  <a:srgbClr val="FDFDFD"/>
+                </a:solidFill>
+                <a:latin typeface="Calibri" panose="020F0502020204030204" pitchFamily="34" charset="0"/>
+                <a:ea typeface="MS PGothic" pitchFamily="34" charset="-128"/>
+                <a:cs typeface="Calibri" panose="020F0502020204030204" pitchFamily="34" charset="0"/>
+              </a:rPr>
+              <a:t>File System</a:t>
+            </a:r>
+          </a:p>
+        </p:txBody>
+      </p:sp>
+      <p:sp>
+        <p:nvSpPr>
+          <p:cNvPr id="8" name="Rounded Rectangle 7">
+            <a:extLst>
+              <a:ext uri="{FF2B5EF4-FFF2-40B4-BE49-F238E27FC236}">
+                <a16:creationId xmlns:a16="http://schemas.microsoft.com/office/drawing/2014/main" id="{DF0922DF-FAAE-226A-80AF-78488C5DBCE7}"/>
+              </a:ext>
+            </a:extLst>
+          </p:cNvPr>
+          <p:cNvSpPr/>
+          <p:nvPr/>
+        </p:nvSpPr>
+        <p:spPr bwMode="auto">
+          <a:xfrm>
+            <a:off x="4372242" y="1429256"/>
+            <a:ext cx="3317267" cy="288000"/>
+          </a:xfrm>
+          <a:prstGeom prst="roundRect">
+            <a:avLst>
+              <a:gd name="adj" fmla="val 0"/>
+            </a:avLst>
+          </a:prstGeom>
+          <a:solidFill>
+            <a:srgbClr val="0091BD"/>
+          </a:solidFill>
+          <a:ln w="19050" algn="ctr">
+            <a:noFill/>
+            <a:round/>
+            <a:headEnd/>
+            <a:tailEnd/>
+          </a:ln>
+        </p:spPr>
+        <p:txBody>
+          <a:bodyPr wrap="none" lIns="121944" tIns="60972" rIns="121944" bIns="60972" anchor="ctr"/>
+          <a:lstStyle/>
+          <a:p>
+            <a:pPr algn="ctr" fontAlgn="auto">
+              <a:spcBef>
+                <a:spcPts val="0"/>
+              </a:spcBef>
+              <a:spcAft>
+                <a:spcPts val="0"/>
+              </a:spcAft>
+              <a:defRPr/>
+            </a:pPr>
+            <a:r>
+              <a:rPr lang="de-DE" sz="1400" b="1" kern="0" dirty="0">
+                <a:solidFill>
+                  <a:sysClr val="window" lastClr="FFFFFF"/>
+                </a:solidFill>
+                <a:latin typeface="Calibri" panose="020F0502020204030204" pitchFamily="34" charset="0"/>
+                <a:ea typeface="ＭＳ Ｐゴシック" pitchFamily="34" charset="-128"/>
+                <a:cs typeface="Calibri" panose="020F0502020204030204" pitchFamily="34" charset="0"/>
+              </a:rPr>
+              <a:t>Networking</a:t>
+            </a:r>
+          </a:p>
+        </p:txBody>
+      </p:sp>
+      <p:sp>
+        <p:nvSpPr>
+          <p:cNvPr id="9" name="Rounded Rectangle 8">
+            <a:extLst>
+              <a:ext uri="{FF2B5EF4-FFF2-40B4-BE49-F238E27FC236}">
+                <a16:creationId xmlns:a16="http://schemas.microsoft.com/office/drawing/2014/main" id="{8F42D139-6D00-B5B3-D571-D1E8D68FEBEE}"/>
+              </a:ext>
+            </a:extLst>
+          </p:cNvPr>
+          <p:cNvSpPr/>
+          <p:nvPr/>
+        </p:nvSpPr>
+        <p:spPr bwMode="auto">
+          <a:xfrm>
+            <a:off x="3371011" y="1429256"/>
+            <a:ext cx="900000" cy="288000"/>
+          </a:xfrm>
+          <a:prstGeom prst="roundRect">
+            <a:avLst>
+              <a:gd name="adj" fmla="val 0"/>
+            </a:avLst>
+          </a:prstGeom>
+          <a:solidFill>
+            <a:srgbClr val="0091BD"/>
+          </a:solidFill>
+          <a:ln w="19050" algn="ctr">
+            <a:noFill/>
+            <a:round/>
+            <a:headEnd/>
+            <a:tailEnd/>
+          </a:ln>
+        </p:spPr>
+        <p:txBody>
+          <a:bodyPr wrap="none" lIns="121944" tIns="60972" rIns="121944" bIns="60972" anchor="ctr"/>
+          <a:lstStyle/>
+          <a:p>
+            <a:pPr algn="ctr" fontAlgn="auto">
+              <a:spcBef>
+                <a:spcPts val="0"/>
+              </a:spcBef>
+              <a:spcAft>
+                <a:spcPts val="0"/>
+              </a:spcAft>
+              <a:defRPr/>
+            </a:pPr>
+            <a:r>
+              <a:rPr lang="de-DE" sz="1400" b="1" kern="0" dirty="0">
+                <a:solidFill>
+                  <a:sysClr val="window" lastClr="FFFFFF"/>
+                </a:solidFill>
+                <a:latin typeface="Calibri" panose="020F0502020204030204" pitchFamily="34" charset="0"/>
+                <a:ea typeface="ＭＳ Ｐゴシック" pitchFamily="34" charset="-128"/>
+                <a:cs typeface="Calibri" panose="020F0502020204030204" pitchFamily="34" charset="0"/>
+              </a:rPr>
+              <a:t>USB Host</a:t>
+            </a:r>
+            <a:endParaRPr lang="en-GB" sz="1400" b="1" kern="0" dirty="0">
+              <a:solidFill>
+                <a:sysClr val="window" lastClr="FFFFFF"/>
+              </a:solidFill>
+              <a:latin typeface="Calibri" panose="020F0502020204030204" pitchFamily="34" charset="0"/>
+              <a:ea typeface="ＭＳ Ｐゴシック" pitchFamily="34" charset="-128"/>
+              <a:cs typeface="Calibri" panose="020F0502020204030204" pitchFamily="34" charset="0"/>
+            </a:endParaRPr>
+          </a:p>
+        </p:txBody>
+      </p:sp>
+      <p:sp>
+        <p:nvSpPr>
+          <p:cNvPr id="10" name="Rounded Rectangle 9">
+            <a:extLst>
+              <a:ext uri="{FF2B5EF4-FFF2-40B4-BE49-F238E27FC236}">
+                <a16:creationId xmlns:a16="http://schemas.microsoft.com/office/drawing/2014/main" id="{19D2A17E-1556-FB9A-6FEE-0FD3E50ACB3F}"/>
+              </a:ext>
+            </a:extLst>
+          </p:cNvPr>
+          <p:cNvSpPr/>
+          <p:nvPr/>
+        </p:nvSpPr>
+        <p:spPr bwMode="auto">
+          <a:xfrm>
+            <a:off x="1383826" y="1429256"/>
+            <a:ext cx="900000" cy="288000"/>
+          </a:xfrm>
+          <a:prstGeom prst="roundRect">
+            <a:avLst>
+              <a:gd name="adj" fmla="val 0"/>
+            </a:avLst>
+          </a:prstGeom>
+          <a:solidFill>
+            <a:srgbClr val="0091BD"/>
+          </a:solidFill>
+          <a:ln w="19050" algn="ctr">
+            <a:noFill/>
+            <a:round/>
+            <a:headEnd/>
+            <a:tailEnd/>
+          </a:ln>
+        </p:spPr>
+        <p:txBody>
+          <a:bodyPr wrap="none" lIns="121944" tIns="60972" rIns="121944" bIns="60972" anchor="ctr"/>
+          <a:lstStyle/>
+          <a:p>
+            <a:pPr algn="ctr" fontAlgn="auto">
+              <a:spcBef>
+                <a:spcPts val="0"/>
+              </a:spcBef>
+              <a:spcAft>
+                <a:spcPts val="0"/>
+              </a:spcAft>
+              <a:defRPr/>
+            </a:pPr>
+            <a:r>
+              <a:rPr lang="de-DE" sz="1400" b="1" kern="0" dirty="0" err="1">
+                <a:solidFill>
+                  <a:sysClr val="window" lastClr="FFFFFF"/>
+                </a:solidFill>
+                <a:latin typeface="Calibri" panose="020F0502020204030204" pitchFamily="34" charset="0"/>
+                <a:ea typeface="ＭＳ Ｐゴシック" pitchFamily="34" charset="-128"/>
+                <a:cs typeface="Calibri" panose="020F0502020204030204" pitchFamily="34" charset="0"/>
+              </a:rPr>
+              <a:t>Generic</a:t>
+            </a:r>
+            <a:endParaRPr lang="en-GB" sz="1400" b="1" kern="0" dirty="0">
+              <a:solidFill>
+                <a:sysClr val="window" lastClr="FFFFFF"/>
+              </a:solidFill>
+              <a:latin typeface="Calibri" panose="020F0502020204030204" pitchFamily="34" charset="0"/>
+              <a:ea typeface="ＭＳ Ｐゴシック" pitchFamily="34" charset="-128"/>
+              <a:cs typeface="Calibri" panose="020F0502020204030204" pitchFamily="34" charset="0"/>
+            </a:endParaRPr>
+          </a:p>
+        </p:txBody>
+      </p:sp>
+      <p:sp>
+        <p:nvSpPr>
+          <p:cNvPr id="12" name="Rectangle 11">
+            <a:extLst>
+              <a:ext uri="{FF2B5EF4-FFF2-40B4-BE49-F238E27FC236}">
+                <a16:creationId xmlns:a16="http://schemas.microsoft.com/office/drawing/2014/main" id="{08F7026F-F00E-A02C-3823-15775B0CF098}"/>
+              </a:ext>
+            </a:extLst>
+          </p:cNvPr>
+          <p:cNvSpPr/>
+          <p:nvPr/>
+        </p:nvSpPr>
+        <p:spPr bwMode="auto">
+          <a:xfrm>
+            <a:off x="8471584" y="1836620"/>
+            <a:ext cx="648000" cy="216000"/>
+          </a:xfrm>
+          <a:prstGeom prst="rect">
+            <a:avLst/>
+          </a:prstGeom>
+          <a:noFill/>
+          <a:ln w="6350">
+            <a:solidFill>
+              <a:schemeClr val="tx1"/>
+            </a:solidFill>
+          </a:ln>
+        </p:spPr>
+        <p:style>
+          <a:lnRef idx="2">
+            <a:schemeClr val="accent1">
+              <a:shade val="50000"/>
+            </a:schemeClr>
+          </a:lnRef>
+          <a:fillRef idx="1">
+            <a:schemeClr val="accent1"/>
+          </a:fillRef>
+          <a:effectRef idx="0">
+            <a:schemeClr val="accent1"/>
+          </a:effectRef>
+          <a:fontRef idx="minor">
+            <a:schemeClr val="lt1"/>
+          </a:fontRef>
+        </p:style>
+        <p:txBody>
+          <a:bodyPr anchor="ctr"/>
+          <a:lstStyle/>
+          <a:p>
+            <a:pPr algn="ctr">
+              <a:defRPr/>
+            </a:pPr>
+            <a:r>
+              <a:rPr lang="en-US" sz="1100" dirty="0">
+                <a:solidFill>
+                  <a:schemeClr val="tx1"/>
+                </a:solidFill>
+                <a:latin typeface="Calibri" panose="020F0502020204030204" pitchFamily="34" charset="0"/>
+                <a:cs typeface="Calibri" panose="020F0502020204030204" pitchFamily="34" charset="0"/>
+              </a:rPr>
+              <a:t>MCI0</a:t>
+            </a:r>
+            <a:endParaRPr lang="en-GB" sz="1100" dirty="0">
+              <a:solidFill>
+                <a:schemeClr val="tx1"/>
+              </a:solidFill>
+              <a:latin typeface="Calibri" panose="020F0502020204030204" pitchFamily="34" charset="0"/>
+              <a:cs typeface="Calibri" panose="020F0502020204030204" pitchFamily="34" charset="0"/>
+            </a:endParaRPr>
+          </a:p>
+        </p:txBody>
+      </p:sp>
+      <p:sp>
+        <p:nvSpPr>
+          <p:cNvPr id="13" name="Rectangle 12">
+            <a:extLst>
+              <a:ext uri="{FF2B5EF4-FFF2-40B4-BE49-F238E27FC236}">
+                <a16:creationId xmlns:a16="http://schemas.microsoft.com/office/drawing/2014/main" id="{637C9B7B-9525-4371-974C-F236D13E4A0C}"/>
+              </a:ext>
+            </a:extLst>
+          </p:cNvPr>
+          <p:cNvSpPr/>
+          <p:nvPr/>
+        </p:nvSpPr>
+        <p:spPr bwMode="auto">
+          <a:xfrm>
+            <a:off x="9165354" y="1836620"/>
+            <a:ext cx="648000" cy="216000"/>
+          </a:xfrm>
+          <a:prstGeom prst="rect">
+            <a:avLst/>
+          </a:prstGeom>
+          <a:noFill/>
+          <a:ln w="6350">
+            <a:solidFill>
+              <a:schemeClr val="tx1"/>
+            </a:solidFill>
+          </a:ln>
+        </p:spPr>
+        <p:style>
+          <a:lnRef idx="2">
+            <a:schemeClr val="accent1">
+              <a:shade val="50000"/>
+            </a:schemeClr>
+          </a:lnRef>
+          <a:fillRef idx="1">
+            <a:schemeClr val="accent1"/>
+          </a:fillRef>
+          <a:effectRef idx="0">
+            <a:schemeClr val="accent1"/>
+          </a:effectRef>
+          <a:fontRef idx="minor">
+            <a:schemeClr val="lt1"/>
+          </a:fontRef>
+        </p:style>
+        <p:txBody>
+          <a:bodyPr anchor="ctr"/>
+          <a:lstStyle/>
+          <a:p>
+            <a:pPr algn="ctr">
+              <a:defRPr/>
+            </a:pPr>
+            <a:r>
+              <a:rPr lang="en-US" sz="1100" dirty="0">
+                <a:solidFill>
+                  <a:schemeClr val="tx1"/>
+                </a:solidFill>
+                <a:latin typeface="Calibri" panose="020F0502020204030204" pitchFamily="34" charset="0"/>
+                <a:cs typeface="Calibri" panose="020F0502020204030204" pitchFamily="34" charset="0"/>
+              </a:rPr>
+              <a:t>NAND0</a:t>
+            </a:r>
+            <a:endParaRPr lang="en-GB" sz="1100" dirty="0">
+              <a:solidFill>
+                <a:schemeClr val="tx1"/>
+              </a:solidFill>
+              <a:latin typeface="Calibri" panose="020F0502020204030204" pitchFamily="34" charset="0"/>
+              <a:cs typeface="Calibri" panose="020F0502020204030204" pitchFamily="34" charset="0"/>
+            </a:endParaRPr>
+          </a:p>
+        </p:txBody>
+      </p:sp>
+      <p:sp>
+        <p:nvSpPr>
+          <p:cNvPr id="14" name="Rectangle 13">
+            <a:extLst>
+              <a:ext uri="{FF2B5EF4-FFF2-40B4-BE49-F238E27FC236}">
+                <a16:creationId xmlns:a16="http://schemas.microsoft.com/office/drawing/2014/main" id="{4877EC00-9E50-9F03-20C9-DC241EE7DC78}"/>
+              </a:ext>
+            </a:extLst>
+          </p:cNvPr>
+          <p:cNvSpPr/>
+          <p:nvPr/>
+        </p:nvSpPr>
+        <p:spPr bwMode="auto">
+          <a:xfrm>
+            <a:off x="2382530" y="1836620"/>
+            <a:ext cx="900000" cy="216000"/>
+          </a:xfrm>
+          <a:prstGeom prst="rect">
+            <a:avLst/>
+          </a:prstGeom>
+          <a:noFill/>
+          <a:ln w="6350">
+            <a:solidFill>
+              <a:schemeClr val="tx1"/>
+            </a:solidFill>
+          </a:ln>
+        </p:spPr>
+        <p:style>
+          <a:lnRef idx="2">
+            <a:schemeClr val="accent1">
+              <a:shade val="50000"/>
+            </a:schemeClr>
+          </a:lnRef>
+          <a:fillRef idx="1">
+            <a:schemeClr val="accent1"/>
+          </a:fillRef>
+          <a:effectRef idx="0">
+            <a:schemeClr val="accent1"/>
+          </a:effectRef>
+          <a:fontRef idx="minor">
+            <a:schemeClr val="lt1"/>
+          </a:fontRef>
+        </p:style>
+        <p:txBody>
+          <a:bodyPr anchor="ctr"/>
+          <a:lstStyle/>
+          <a:p>
+            <a:pPr algn="ctr">
+              <a:defRPr/>
+            </a:pPr>
+            <a:r>
+              <a:rPr lang="en-US" sz="1100" dirty="0">
+                <a:solidFill>
+                  <a:schemeClr val="tx1"/>
+                </a:solidFill>
+                <a:latin typeface="Calibri" panose="020F0502020204030204" pitchFamily="34" charset="0"/>
+                <a:cs typeface="Calibri" panose="020F0502020204030204" pitchFamily="34" charset="0"/>
+              </a:rPr>
+              <a:t>USBD0</a:t>
+            </a:r>
+            <a:endParaRPr lang="en-GB" sz="1100" dirty="0">
+              <a:solidFill>
+                <a:schemeClr val="tx1"/>
+              </a:solidFill>
+              <a:latin typeface="Calibri" panose="020F0502020204030204" pitchFamily="34" charset="0"/>
+              <a:cs typeface="Calibri" panose="020F0502020204030204" pitchFamily="34" charset="0"/>
+            </a:endParaRPr>
+          </a:p>
+        </p:txBody>
+      </p:sp>
+      <p:sp>
+        <p:nvSpPr>
+          <p:cNvPr id="15" name="Rectangle 14">
+            <a:extLst>
+              <a:ext uri="{FF2B5EF4-FFF2-40B4-BE49-F238E27FC236}">
+                <a16:creationId xmlns:a16="http://schemas.microsoft.com/office/drawing/2014/main" id="{137AFD21-8F8E-D5C7-EB5F-664EA565C05C}"/>
+              </a:ext>
+            </a:extLst>
+          </p:cNvPr>
+          <p:cNvSpPr/>
+          <p:nvPr/>
+        </p:nvSpPr>
+        <p:spPr bwMode="auto">
+          <a:xfrm>
+            <a:off x="3376448" y="1836620"/>
+            <a:ext cx="900000" cy="216000"/>
+          </a:xfrm>
+          <a:prstGeom prst="rect">
+            <a:avLst/>
+          </a:prstGeom>
+          <a:noFill/>
+          <a:ln w="6350">
+            <a:solidFill>
+              <a:schemeClr val="tx1"/>
+            </a:solidFill>
+          </a:ln>
+        </p:spPr>
+        <p:style>
+          <a:lnRef idx="2">
+            <a:schemeClr val="accent1">
+              <a:shade val="50000"/>
+            </a:schemeClr>
+          </a:lnRef>
+          <a:fillRef idx="1">
+            <a:schemeClr val="accent1"/>
+          </a:fillRef>
+          <a:effectRef idx="0">
+            <a:schemeClr val="accent1"/>
+          </a:effectRef>
+          <a:fontRef idx="minor">
+            <a:schemeClr val="lt1"/>
+          </a:fontRef>
+        </p:style>
+        <p:txBody>
+          <a:bodyPr anchor="ctr"/>
+          <a:lstStyle/>
+          <a:p>
+            <a:pPr algn="ctr">
+              <a:defRPr/>
+            </a:pPr>
+            <a:r>
+              <a:rPr lang="en-US" sz="1100" dirty="0">
+                <a:solidFill>
+                  <a:schemeClr val="tx1"/>
+                </a:solidFill>
+                <a:latin typeface="Calibri" panose="020F0502020204030204" pitchFamily="34" charset="0"/>
+                <a:cs typeface="Calibri" panose="020F0502020204030204" pitchFamily="34" charset="0"/>
+              </a:rPr>
+              <a:t>USBH0</a:t>
+            </a:r>
+            <a:endParaRPr lang="en-GB" sz="1100" dirty="0">
+              <a:solidFill>
+                <a:schemeClr val="tx1"/>
+              </a:solidFill>
+              <a:latin typeface="Calibri" panose="020F0502020204030204" pitchFamily="34" charset="0"/>
+              <a:cs typeface="Calibri" panose="020F0502020204030204" pitchFamily="34" charset="0"/>
+            </a:endParaRPr>
+          </a:p>
+        </p:txBody>
+      </p:sp>
+      <p:sp>
+        <p:nvSpPr>
+          <p:cNvPr id="16" name="Rounded Rectangle 15">
+            <a:extLst>
+              <a:ext uri="{FF2B5EF4-FFF2-40B4-BE49-F238E27FC236}">
+                <a16:creationId xmlns:a16="http://schemas.microsoft.com/office/drawing/2014/main" id="{75977942-E116-5942-E2FB-26E6680A3D74}"/>
+              </a:ext>
+            </a:extLst>
+          </p:cNvPr>
+          <p:cNvSpPr/>
+          <p:nvPr/>
+        </p:nvSpPr>
+        <p:spPr bwMode="auto">
+          <a:xfrm>
+            <a:off x="214143" y="1836620"/>
+            <a:ext cx="1080000" cy="216000"/>
+          </a:xfrm>
+          <a:prstGeom prst="roundRect">
+            <a:avLst/>
+          </a:prstGeom>
+          <a:noFill/>
+          <a:ln w="12700">
+            <a:noFill/>
+          </a:ln>
+        </p:spPr>
+        <p:style>
+          <a:lnRef idx="2">
+            <a:schemeClr val="accent1">
+              <a:shade val="50000"/>
+            </a:schemeClr>
+          </a:lnRef>
+          <a:fillRef idx="1">
+            <a:schemeClr val="accent1"/>
+          </a:fillRef>
+          <a:effectRef idx="0">
+            <a:schemeClr val="accent1"/>
+          </a:effectRef>
+          <a:fontRef idx="minor">
+            <a:schemeClr val="lt1"/>
+          </a:fontRef>
+        </p:style>
+        <p:txBody>
+          <a:bodyPr anchor="ctr"/>
+          <a:lstStyle/>
+          <a:p>
+            <a:pPr algn="r">
+              <a:defRPr/>
+            </a:pPr>
+            <a:r>
+              <a:rPr lang="en-US" sz="1100" dirty="0">
+                <a:solidFill>
+                  <a:schemeClr val="tx1"/>
+                </a:solidFill>
+                <a:latin typeface="Calibri" panose="020F0502020204030204" pitchFamily="34" charset="0"/>
+                <a:cs typeface="Calibri" panose="020F0502020204030204" pitchFamily="34" charset="0"/>
+              </a:rPr>
+              <a:t>Control Structs</a:t>
+            </a:r>
+            <a:endParaRPr lang="en-GB" sz="1100" dirty="0">
+              <a:solidFill>
+                <a:schemeClr val="tx1"/>
+              </a:solidFill>
+              <a:latin typeface="Calibri" panose="020F0502020204030204" pitchFamily="34" charset="0"/>
+              <a:cs typeface="Calibri" panose="020F0502020204030204" pitchFamily="34" charset="0"/>
+            </a:endParaRPr>
+          </a:p>
+        </p:txBody>
+      </p:sp>
+      <p:sp>
+        <p:nvSpPr>
+          <p:cNvPr id="17" name="Rectangle 16">
+            <a:extLst>
+              <a:ext uri="{FF2B5EF4-FFF2-40B4-BE49-F238E27FC236}">
+                <a16:creationId xmlns:a16="http://schemas.microsoft.com/office/drawing/2014/main" id="{2477AB52-02A3-3CEF-5CA1-127D535DCB2E}"/>
+              </a:ext>
+            </a:extLst>
+          </p:cNvPr>
+          <p:cNvSpPr/>
+          <p:nvPr/>
+        </p:nvSpPr>
+        <p:spPr bwMode="auto">
+          <a:xfrm>
+            <a:off x="9918217" y="1836620"/>
+            <a:ext cx="900000" cy="216000"/>
+          </a:xfrm>
+          <a:prstGeom prst="rect">
+            <a:avLst/>
+          </a:prstGeom>
+          <a:noFill/>
+          <a:ln w="6350">
+            <a:solidFill>
+              <a:schemeClr val="tx1"/>
+            </a:solidFill>
+          </a:ln>
+        </p:spPr>
+        <p:style>
+          <a:lnRef idx="2">
+            <a:schemeClr val="accent1">
+              <a:shade val="50000"/>
+            </a:schemeClr>
+          </a:lnRef>
+          <a:fillRef idx="1">
+            <a:schemeClr val="accent1"/>
+          </a:fillRef>
+          <a:effectRef idx="0">
+            <a:schemeClr val="accent1"/>
+          </a:effectRef>
+          <a:fontRef idx="minor">
+            <a:schemeClr val="lt1"/>
+          </a:fontRef>
+        </p:style>
+        <p:txBody>
+          <a:bodyPr anchor="ctr"/>
+          <a:lstStyle/>
+          <a:p>
+            <a:pPr algn="ctr">
+              <a:defRPr/>
+            </a:pPr>
+            <a:r>
+              <a:rPr lang="en-US" sz="1100" dirty="0">
+                <a:solidFill>
+                  <a:schemeClr val="tx1"/>
+                </a:solidFill>
+                <a:latin typeface="Calibri" panose="020F0502020204030204" pitchFamily="34" charset="0"/>
+                <a:cs typeface="Calibri" panose="020F0502020204030204" pitchFamily="34" charset="0"/>
+              </a:rPr>
+              <a:t>CAN0</a:t>
+            </a:r>
+            <a:endParaRPr lang="en-GB" sz="1100" dirty="0">
+              <a:solidFill>
+                <a:schemeClr val="tx1"/>
+              </a:solidFill>
+              <a:latin typeface="Calibri" panose="020F0502020204030204" pitchFamily="34" charset="0"/>
+              <a:cs typeface="Calibri" panose="020F0502020204030204" pitchFamily="34" charset="0"/>
+            </a:endParaRPr>
+          </a:p>
+        </p:txBody>
+      </p:sp>
+      <p:sp>
+        <p:nvSpPr>
+          <p:cNvPr id="18" name="Rectangle 17">
+            <a:extLst>
+              <a:ext uri="{FF2B5EF4-FFF2-40B4-BE49-F238E27FC236}">
+                <a16:creationId xmlns:a16="http://schemas.microsoft.com/office/drawing/2014/main" id="{D4B91A6A-98C3-3152-37ED-CC4FBE11A6E6}"/>
+              </a:ext>
+            </a:extLst>
+          </p:cNvPr>
+          <p:cNvSpPr/>
+          <p:nvPr/>
+        </p:nvSpPr>
+        <p:spPr bwMode="auto">
+          <a:xfrm>
+            <a:off x="7777814" y="1836620"/>
+            <a:ext cx="648000" cy="216000"/>
+          </a:xfrm>
+          <a:prstGeom prst="rect">
+            <a:avLst/>
+          </a:prstGeom>
+          <a:noFill/>
+          <a:ln w="6350">
+            <a:solidFill>
+              <a:schemeClr val="tx1"/>
+            </a:solidFill>
+          </a:ln>
+        </p:spPr>
+        <p:style>
+          <a:lnRef idx="2">
+            <a:schemeClr val="accent1">
+              <a:shade val="50000"/>
+            </a:schemeClr>
+          </a:lnRef>
+          <a:fillRef idx="1">
+            <a:schemeClr val="accent1"/>
+          </a:fillRef>
+          <a:effectRef idx="0">
+            <a:schemeClr val="accent1"/>
+          </a:effectRef>
+          <a:fontRef idx="minor">
+            <a:schemeClr val="lt1"/>
+          </a:fontRef>
+        </p:style>
+        <p:txBody>
+          <a:bodyPr anchor="ctr"/>
+          <a:lstStyle/>
+          <a:p>
+            <a:pPr algn="ctr">
+              <a:defRPr/>
+            </a:pPr>
+            <a:r>
+              <a:rPr lang="en-GB" sz="1100" dirty="0">
+                <a:solidFill>
+                  <a:schemeClr val="tx1"/>
+                </a:solidFill>
+                <a:latin typeface="Calibri" panose="020F0502020204030204" pitchFamily="34" charset="0"/>
+                <a:cs typeface="Calibri" panose="020F0502020204030204" pitchFamily="34" charset="0"/>
+              </a:rPr>
+              <a:t>SPI1</a:t>
+            </a:r>
+          </a:p>
+        </p:txBody>
+      </p:sp>
+      <p:sp>
+        <p:nvSpPr>
+          <p:cNvPr id="19" name="Rectangle 18">
+            <a:extLst>
+              <a:ext uri="{FF2B5EF4-FFF2-40B4-BE49-F238E27FC236}">
+                <a16:creationId xmlns:a16="http://schemas.microsoft.com/office/drawing/2014/main" id="{C33B761D-3787-8B82-B1D6-B6F9E10F6FA9}"/>
+              </a:ext>
+            </a:extLst>
+          </p:cNvPr>
+          <p:cNvSpPr/>
+          <p:nvPr/>
+        </p:nvSpPr>
+        <p:spPr bwMode="auto">
+          <a:xfrm>
+            <a:off x="4361419" y="1836620"/>
+            <a:ext cx="900000" cy="216000"/>
+          </a:xfrm>
+          <a:prstGeom prst="rect">
+            <a:avLst/>
+          </a:prstGeom>
+          <a:noFill/>
+          <a:ln w="6350">
+            <a:solidFill>
+              <a:schemeClr val="tx1"/>
+            </a:solidFill>
+          </a:ln>
+        </p:spPr>
+        <p:style>
+          <a:lnRef idx="2">
+            <a:schemeClr val="accent1">
+              <a:shade val="50000"/>
+            </a:schemeClr>
+          </a:lnRef>
+          <a:fillRef idx="1">
+            <a:schemeClr val="accent1"/>
+          </a:fillRef>
+          <a:effectRef idx="0">
+            <a:schemeClr val="accent1"/>
+          </a:effectRef>
+          <a:fontRef idx="minor">
+            <a:schemeClr val="lt1"/>
+          </a:fontRef>
+        </p:style>
+        <p:txBody>
+          <a:bodyPr anchor="ctr"/>
+          <a:lstStyle/>
+          <a:p>
+            <a:pPr algn="ctr">
+              <a:defRPr/>
+            </a:pPr>
+            <a:r>
+              <a:rPr lang="en-US" sz="1100" dirty="0">
+                <a:solidFill>
+                  <a:schemeClr val="tx1"/>
+                </a:solidFill>
+                <a:latin typeface="Calibri" panose="020F0502020204030204" pitchFamily="34" charset="0"/>
+                <a:cs typeface="Calibri" panose="020F0502020204030204" pitchFamily="34" charset="0"/>
+              </a:rPr>
+              <a:t>ETH_PHY0</a:t>
+            </a:r>
+            <a:endParaRPr lang="en-GB" sz="1100" dirty="0">
+              <a:solidFill>
+                <a:schemeClr val="tx1"/>
+              </a:solidFill>
+              <a:latin typeface="Calibri" panose="020F0502020204030204" pitchFamily="34" charset="0"/>
+              <a:cs typeface="Calibri" panose="020F0502020204030204" pitchFamily="34" charset="0"/>
+            </a:endParaRPr>
+          </a:p>
+        </p:txBody>
+      </p:sp>
+      <p:sp>
+        <p:nvSpPr>
+          <p:cNvPr id="20" name="Rectangle 19">
+            <a:extLst>
+              <a:ext uri="{FF2B5EF4-FFF2-40B4-BE49-F238E27FC236}">
+                <a16:creationId xmlns:a16="http://schemas.microsoft.com/office/drawing/2014/main" id="{F927A839-5384-79F3-1D15-E0D1F58A7D5E}"/>
+              </a:ext>
+            </a:extLst>
+          </p:cNvPr>
+          <p:cNvSpPr/>
+          <p:nvPr/>
+        </p:nvSpPr>
+        <p:spPr bwMode="auto">
+          <a:xfrm>
+            <a:off x="5316334" y="1836620"/>
+            <a:ext cx="900000" cy="216000"/>
+          </a:xfrm>
+          <a:prstGeom prst="rect">
+            <a:avLst/>
+          </a:prstGeom>
+          <a:noFill/>
+          <a:ln w="6350">
+            <a:solidFill>
+              <a:schemeClr val="tx1"/>
+            </a:solidFill>
+          </a:ln>
+        </p:spPr>
+        <p:style>
+          <a:lnRef idx="2">
+            <a:schemeClr val="accent1">
+              <a:shade val="50000"/>
+            </a:schemeClr>
+          </a:lnRef>
+          <a:fillRef idx="1">
+            <a:schemeClr val="accent1"/>
+          </a:fillRef>
+          <a:effectRef idx="0">
+            <a:schemeClr val="accent1"/>
+          </a:effectRef>
+          <a:fontRef idx="minor">
+            <a:schemeClr val="lt1"/>
+          </a:fontRef>
+        </p:style>
+        <p:txBody>
+          <a:bodyPr anchor="ctr"/>
+          <a:lstStyle/>
+          <a:p>
+            <a:pPr algn="ctr">
+              <a:defRPr/>
+            </a:pPr>
+            <a:r>
+              <a:rPr lang="en-US" sz="1100" dirty="0">
+                <a:solidFill>
+                  <a:schemeClr val="tx1"/>
+                </a:solidFill>
+                <a:latin typeface="Calibri" panose="020F0502020204030204" pitchFamily="34" charset="0"/>
+                <a:cs typeface="Calibri" panose="020F0502020204030204" pitchFamily="34" charset="0"/>
+              </a:rPr>
+              <a:t>ETH_MAC0</a:t>
+            </a:r>
+            <a:endParaRPr lang="en-GB" sz="1100" dirty="0">
+              <a:solidFill>
+                <a:schemeClr val="tx1"/>
+              </a:solidFill>
+              <a:latin typeface="Calibri" panose="020F0502020204030204" pitchFamily="34" charset="0"/>
+              <a:cs typeface="Calibri" panose="020F0502020204030204" pitchFamily="34" charset="0"/>
+            </a:endParaRPr>
+          </a:p>
+        </p:txBody>
+      </p:sp>
+      <p:sp>
+        <p:nvSpPr>
+          <p:cNvPr id="21" name="Rectangle 20">
+            <a:extLst>
+              <a:ext uri="{FF2B5EF4-FFF2-40B4-BE49-F238E27FC236}">
+                <a16:creationId xmlns:a16="http://schemas.microsoft.com/office/drawing/2014/main" id="{A24092BC-F0FC-21C2-6C3B-672563638F41}"/>
+              </a:ext>
+            </a:extLst>
+          </p:cNvPr>
+          <p:cNvSpPr/>
+          <p:nvPr/>
+        </p:nvSpPr>
+        <p:spPr bwMode="auto">
+          <a:xfrm>
+            <a:off x="6271249" y="1836620"/>
+            <a:ext cx="684000" cy="216000"/>
+          </a:xfrm>
+          <a:prstGeom prst="rect">
+            <a:avLst/>
+          </a:prstGeom>
+          <a:noFill/>
+          <a:ln w="6350">
+            <a:solidFill>
+              <a:schemeClr val="tx1"/>
+            </a:solidFill>
+          </a:ln>
+        </p:spPr>
+        <p:style>
+          <a:lnRef idx="2">
+            <a:schemeClr val="accent1">
+              <a:shade val="50000"/>
+            </a:schemeClr>
+          </a:lnRef>
+          <a:fillRef idx="1">
+            <a:schemeClr val="accent1"/>
+          </a:fillRef>
+          <a:effectRef idx="0">
+            <a:schemeClr val="accent1"/>
+          </a:effectRef>
+          <a:fontRef idx="minor">
+            <a:schemeClr val="lt1"/>
+          </a:fontRef>
+        </p:style>
+        <p:txBody>
+          <a:bodyPr anchor="ctr"/>
+          <a:lstStyle/>
+          <a:p>
+            <a:pPr algn="ctr">
+              <a:defRPr/>
+            </a:pPr>
+            <a:r>
+              <a:rPr lang="en-US" sz="1100" dirty="0">
+                <a:solidFill>
+                  <a:schemeClr val="tx1"/>
+                </a:solidFill>
+                <a:latin typeface="Calibri" panose="020F0502020204030204" pitchFamily="34" charset="0"/>
+                <a:cs typeface="Calibri" panose="020F0502020204030204" pitchFamily="34" charset="0"/>
+              </a:rPr>
+              <a:t>USART0</a:t>
+            </a:r>
+            <a:endParaRPr lang="en-GB" sz="1100" dirty="0">
+              <a:solidFill>
+                <a:schemeClr val="tx1"/>
+              </a:solidFill>
+              <a:latin typeface="Calibri" panose="020F0502020204030204" pitchFamily="34" charset="0"/>
+              <a:cs typeface="Calibri" panose="020F0502020204030204" pitchFamily="34" charset="0"/>
+            </a:endParaRPr>
+          </a:p>
+        </p:txBody>
+      </p:sp>
+      <p:sp>
+        <p:nvSpPr>
+          <p:cNvPr id="22" name="Rectangle 21">
+            <a:extLst>
+              <a:ext uri="{FF2B5EF4-FFF2-40B4-BE49-F238E27FC236}">
+                <a16:creationId xmlns:a16="http://schemas.microsoft.com/office/drawing/2014/main" id="{9C2D578E-1CBF-5F90-913D-622F9DD9D665}"/>
+              </a:ext>
+            </a:extLst>
+          </p:cNvPr>
+          <p:cNvSpPr/>
+          <p:nvPr/>
+        </p:nvSpPr>
+        <p:spPr bwMode="auto">
+          <a:xfrm>
+            <a:off x="7010164" y="1836620"/>
+            <a:ext cx="684000" cy="216000"/>
+          </a:xfrm>
+          <a:prstGeom prst="rect">
+            <a:avLst/>
+          </a:prstGeom>
+          <a:noFill/>
+          <a:ln w="6350">
+            <a:solidFill>
+              <a:schemeClr val="tx1"/>
+            </a:solidFill>
+          </a:ln>
+        </p:spPr>
+        <p:style>
+          <a:lnRef idx="2">
+            <a:schemeClr val="accent1">
+              <a:shade val="50000"/>
+            </a:schemeClr>
+          </a:lnRef>
+          <a:fillRef idx="1">
+            <a:schemeClr val="accent1"/>
+          </a:fillRef>
+          <a:effectRef idx="0">
+            <a:schemeClr val="accent1"/>
+          </a:effectRef>
+          <a:fontRef idx="minor">
+            <a:schemeClr val="lt1"/>
+          </a:fontRef>
+        </p:style>
+        <p:txBody>
+          <a:bodyPr anchor="ctr"/>
+          <a:lstStyle/>
+          <a:p>
+            <a:pPr algn="ctr">
+              <a:defRPr/>
+            </a:pPr>
+            <a:r>
+              <a:rPr lang="en-US" sz="1100" dirty="0">
+                <a:solidFill>
+                  <a:schemeClr val="tx1"/>
+                </a:solidFill>
+                <a:latin typeface="Calibri" panose="020F0502020204030204" pitchFamily="34" charset="0"/>
+                <a:cs typeface="Calibri" panose="020F0502020204030204" pitchFamily="34" charset="0"/>
+              </a:rPr>
+              <a:t>WIFI0</a:t>
+            </a:r>
+            <a:endParaRPr lang="en-GB" sz="1100" dirty="0">
+              <a:solidFill>
+                <a:schemeClr val="tx1"/>
+              </a:solidFill>
+              <a:latin typeface="Calibri" panose="020F0502020204030204" pitchFamily="34" charset="0"/>
+              <a:cs typeface="Calibri" panose="020F0502020204030204" pitchFamily="34" charset="0"/>
+            </a:endParaRPr>
+          </a:p>
+        </p:txBody>
+      </p:sp>
+      <p:sp>
+        <p:nvSpPr>
+          <p:cNvPr id="23" name="Rectangle 22">
+            <a:extLst>
+              <a:ext uri="{FF2B5EF4-FFF2-40B4-BE49-F238E27FC236}">
+                <a16:creationId xmlns:a16="http://schemas.microsoft.com/office/drawing/2014/main" id="{113FA9E7-6E2B-9A1A-209E-28342A874FAC}"/>
+              </a:ext>
+            </a:extLst>
+          </p:cNvPr>
+          <p:cNvSpPr/>
+          <p:nvPr/>
+        </p:nvSpPr>
+        <p:spPr bwMode="auto">
+          <a:xfrm>
+            <a:off x="1389263" y="1836620"/>
+            <a:ext cx="900000" cy="216000"/>
+          </a:xfrm>
+          <a:prstGeom prst="rect">
+            <a:avLst/>
+          </a:prstGeom>
+          <a:noFill/>
+          <a:ln w="6350">
+            <a:solidFill>
+              <a:schemeClr val="tx1"/>
+            </a:solidFill>
+          </a:ln>
+        </p:spPr>
+        <p:style>
+          <a:lnRef idx="2">
+            <a:schemeClr val="accent1">
+              <a:shade val="50000"/>
+            </a:schemeClr>
+          </a:lnRef>
+          <a:fillRef idx="1">
+            <a:schemeClr val="accent1"/>
+          </a:fillRef>
+          <a:effectRef idx="0">
+            <a:schemeClr val="accent1"/>
+          </a:effectRef>
+          <a:fontRef idx="minor">
+            <a:schemeClr val="lt1"/>
+          </a:fontRef>
+        </p:style>
+        <p:txBody>
+          <a:bodyPr anchor="ctr"/>
+          <a:lstStyle/>
+          <a:p>
+            <a:pPr algn="ctr">
+              <a:defRPr/>
+            </a:pPr>
+            <a:r>
+              <a:rPr lang="en-US" sz="1100" dirty="0">
+                <a:solidFill>
+                  <a:schemeClr val="tx1"/>
+                </a:solidFill>
+                <a:latin typeface="Calibri" panose="020F0502020204030204" pitchFamily="34" charset="0"/>
+                <a:cs typeface="Calibri" panose="020F0502020204030204" pitchFamily="34" charset="0"/>
+              </a:rPr>
+              <a:t>GPIO0</a:t>
+            </a:r>
+            <a:endParaRPr lang="en-GB" sz="1100" dirty="0">
+              <a:solidFill>
+                <a:schemeClr val="tx1"/>
+              </a:solidFill>
+              <a:latin typeface="Calibri" panose="020F0502020204030204" pitchFamily="34" charset="0"/>
+              <a:cs typeface="Calibri" panose="020F0502020204030204" pitchFamily="34" charset="0"/>
+            </a:endParaRPr>
+          </a:p>
+        </p:txBody>
+      </p:sp>
+      <p:sp>
+        <p:nvSpPr>
+          <p:cNvPr id="24" name="Rounded Rectangle 23">
+            <a:extLst>
+              <a:ext uri="{FF2B5EF4-FFF2-40B4-BE49-F238E27FC236}">
+                <a16:creationId xmlns:a16="http://schemas.microsoft.com/office/drawing/2014/main" id="{EB39DBD6-7EB0-B3E4-8AAC-E4E717957A2E}"/>
+              </a:ext>
+            </a:extLst>
+          </p:cNvPr>
+          <p:cNvSpPr/>
+          <p:nvPr/>
+        </p:nvSpPr>
+        <p:spPr bwMode="auto">
+          <a:xfrm>
+            <a:off x="9918217" y="1429256"/>
+            <a:ext cx="900000" cy="288000"/>
+          </a:xfrm>
+          <a:prstGeom prst="roundRect">
+            <a:avLst>
+              <a:gd name="adj" fmla="val 0"/>
+            </a:avLst>
+          </a:prstGeom>
+          <a:solidFill>
+            <a:srgbClr val="0091BD"/>
+          </a:solidFill>
+          <a:ln w="19050" algn="ctr">
+            <a:noFill/>
+            <a:round/>
+            <a:headEnd/>
+            <a:tailEnd/>
+          </a:ln>
+        </p:spPr>
+        <p:txBody>
+          <a:bodyPr wrap="none" lIns="121944" tIns="60972" rIns="121944" bIns="60972" anchor="ctr"/>
+          <a:lstStyle/>
+          <a:p>
+            <a:pPr algn="ctr" fontAlgn="auto">
+              <a:spcBef>
+                <a:spcPts val="0"/>
+              </a:spcBef>
+              <a:spcAft>
+                <a:spcPts val="0"/>
+              </a:spcAft>
+              <a:defRPr/>
+            </a:pPr>
+            <a:r>
+              <a:rPr lang="de-DE" sz="1400" b="1" kern="0" dirty="0">
+                <a:solidFill>
+                  <a:sysClr val="window" lastClr="FFFFFF"/>
+                </a:solidFill>
+                <a:latin typeface="Calibri" panose="020F0502020204030204" pitchFamily="34" charset="0"/>
+                <a:ea typeface="ＭＳ Ｐゴシック" pitchFamily="34" charset="-128"/>
+                <a:cs typeface="Calibri" panose="020F0502020204030204" pitchFamily="34" charset="0"/>
+              </a:rPr>
+              <a:t>CAN</a:t>
+            </a:r>
+            <a:endParaRPr lang="en-GB" sz="1400" b="1" kern="0" dirty="0">
+              <a:solidFill>
+                <a:sysClr val="window" lastClr="FFFFFF"/>
+              </a:solidFill>
+              <a:latin typeface="Calibri" panose="020F0502020204030204" pitchFamily="34" charset="0"/>
+              <a:ea typeface="ＭＳ Ｐゴシック" pitchFamily="34" charset="-128"/>
+              <a:cs typeface="Calibri" panose="020F0502020204030204" pitchFamily="34" charset="0"/>
+            </a:endParaRPr>
+          </a:p>
+        </p:txBody>
+      </p:sp>
+      <p:sp>
+        <p:nvSpPr>
+          <p:cNvPr id="26" name="Rounded Rectangle 25">
+            <a:extLst>
+              <a:ext uri="{FF2B5EF4-FFF2-40B4-BE49-F238E27FC236}">
+                <a16:creationId xmlns:a16="http://schemas.microsoft.com/office/drawing/2014/main" id="{5F813F10-1B86-061E-4DA1-351B79DBCC15}"/>
+              </a:ext>
+            </a:extLst>
+          </p:cNvPr>
+          <p:cNvSpPr/>
+          <p:nvPr/>
+        </p:nvSpPr>
+        <p:spPr bwMode="auto">
+          <a:xfrm>
+            <a:off x="8471584" y="2169442"/>
+            <a:ext cx="648000" cy="288000"/>
+          </a:xfrm>
+          <a:prstGeom prst="roundRect">
+            <a:avLst>
+              <a:gd name="adj" fmla="val 0"/>
+            </a:avLst>
+          </a:prstGeom>
+          <a:solidFill>
+            <a:srgbClr val="00C1DE"/>
+          </a:solidFill>
+          <a:ln w="19050" algn="ctr">
+            <a:noFill/>
+            <a:round/>
+            <a:headEnd/>
+            <a:tailEnd/>
+          </a:ln>
+        </p:spPr>
+        <p:txBody>
+          <a:bodyPr wrap="square" lIns="72000" tIns="60972" rIns="72000" bIns="60972" anchor="ctr">
+            <a:noAutofit/>
+          </a:bodyPr>
+          <a:lstStyle/>
+          <a:p>
+            <a:pPr algn="ctr" fontAlgn="auto">
+              <a:spcBef>
+                <a:spcPts val="0"/>
+              </a:spcBef>
+              <a:spcAft>
+                <a:spcPts val="0"/>
+              </a:spcAft>
+              <a:defRPr/>
+            </a:pPr>
+            <a:r>
+              <a:rPr lang="de-DE" sz="1400" b="1" kern="0" dirty="0">
+                <a:solidFill>
+                  <a:sysClr val="window" lastClr="FFFFFF"/>
+                </a:solidFill>
+                <a:latin typeface="Calibri" panose="020F0502020204030204" pitchFamily="34" charset="0"/>
+                <a:ea typeface="ＭＳ Ｐゴシック" pitchFamily="34" charset="-128"/>
+                <a:cs typeface="Calibri" panose="020F0502020204030204" pitchFamily="34" charset="0"/>
+              </a:rPr>
+              <a:t>MCI</a:t>
+            </a:r>
+          </a:p>
+        </p:txBody>
+      </p:sp>
+      <p:sp>
+        <p:nvSpPr>
+          <p:cNvPr id="27" name="Rounded Rectangle 26">
+            <a:extLst>
+              <a:ext uri="{FF2B5EF4-FFF2-40B4-BE49-F238E27FC236}">
+                <a16:creationId xmlns:a16="http://schemas.microsoft.com/office/drawing/2014/main" id="{9EA877CD-140B-FB65-ED29-4A178353AE99}"/>
+              </a:ext>
+            </a:extLst>
+          </p:cNvPr>
+          <p:cNvSpPr/>
+          <p:nvPr/>
+        </p:nvSpPr>
+        <p:spPr bwMode="auto">
+          <a:xfrm>
+            <a:off x="9165354" y="2169442"/>
+            <a:ext cx="648000" cy="288000"/>
+          </a:xfrm>
+          <a:prstGeom prst="roundRect">
+            <a:avLst>
+              <a:gd name="adj" fmla="val 0"/>
+            </a:avLst>
+          </a:prstGeom>
+          <a:solidFill>
+            <a:srgbClr val="00C1DE"/>
+          </a:solidFill>
+          <a:ln w="19050" algn="ctr">
+            <a:noFill/>
+            <a:round/>
+            <a:headEnd/>
+            <a:tailEnd/>
+          </a:ln>
+        </p:spPr>
+        <p:txBody>
+          <a:bodyPr wrap="square" lIns="72000" tIns="60972" rIns="72000" bIns="60972" anchor="ctr">
+            <a:noAutofit/>
+          </a:bodyPr>
+          <a:lstStyle/>
+          <a:p>
+            <a:pPr algn="ctr" fontAlgn="auto">
+              <a:spcBef>
+                <a:spcPts val="0"/>
+              </a:spcBef>
+              <a:spcAft>
+                <a:spcPts val="0"/>
+              </a:spcAft>
+              <a:defRPr/>
+            </a:pPr>
+            <a:r>
+              <a:rPr lang="de-DE" sz="1400" b="1" kern="0" dirty="0">
+                <a:solidFill>
+                  <a:sysClr val="window" lastClr="FFFFFF"/>
+                </a:solidFill>
+                <a:latin typeface="Calibri" panose="020F0502020204030204" pitchFamily="34" charset="0"/>
+                <a:ea typeface="ＭＳ Ｐゴシック" pitchFamily="34" charset="-128"/>
+                <a:cs typeface="Calibri" panose="020F0502020204030204" pitchFamily="34" charset="0"/>
+              </a:rPr>
+              <a:t>NAND</a:t>
+            </a:r>
+          </a:p>
+        </p:txBody>
+      </p:sp>
+      <p:sp>
+        <p:nvSpPr>
+          <p:cNvPr id="28" name="Rounded Rectangle 27">
+            <a:extLst>
+              <a:ext uri="{FF2B5EF4-FFF2-40B4-BE49-F238E27FC236}">
+                <a16:creationId xmlns:a16="http://schemas.microsoft.com/office/drawing/2014/main" id="{415071CC-7E4F-67FE-6CDE-E1DA19B61DC8}"/>
+              </a:ext>
+            </a:extLst>
+          </p:cNvPr>
+          <p:cNvSpPr/>
+          <p:nvPr/>
+        </p:nvSpPr>
+        <p:spPr bwMode="auto">
+          <a:xfrm>
+            <a:off x="2382530" y="2169442"/>
+            <a:ext cx="900000" cy="288000"/>
+          </a:xfrm>
+          <a:prstGeom prst="roundRect">
+            <a:avLst>
+              <a:gd name="adj" fmla="val 0"/>
+            </a:avLst>
+          </a:prstGeom>
+          <a:solidFill>
+            <a:srgbClr val="00C1DE"/>
+          </a:solidFill>
+          <a:ln w="19050" algn="ctr">
+            <a:noFill/>
+            <a:round/>
+            <a:headEnd/>
+            <a:tailEnd/>
+          </a:ln>
+        </p:spPr>
+        <p:txBody>
+          <a:bodyPr wrap="square" lIns="0" tIns="60972" rIns="0" bIns="60972" anchor="ctr">
+            <a:noAutofit/>
+          </a:bodyPr>
+          <a:lstStyle/>
+          <a:p>
+            <a:pPr algn="ctr" fontAlgn="auto">
+              <a:spcBef>
+                <a:spcPts val="0"/>
+              </a:spcBef>
+              <a:spcAft>
+                <a:spcPts val="0"/>
+              </a:spcAft>
+              <a:defRPr/>
+            </a:pPr>
+            <a:r>
+              <a:rPr lang="de-DE" sz="1400" b="1" kern="0" dirty="0">
+                <a:solidFill>
+                  <a:sysClr val="window" lastClr="FFFFFF"/>
+                </a:solidFill>
+                <a:latin typeface="Calibri" panose="020F0502020204030204" pitchFamily="34" charset="0"/>
+                <a:ea typeface="ＭＳ Ｐゴシック" pitchFamily="34" charset="-128"/>
+                <a:cs typeface="Calibri" panose="020F0502020204030204" pitchFamily="34" charset="0"/>
+              </a:rPr>
+              <a:t>USB Device</a:t>
+            </a:r>
+          </a:p>
+        </p:txBody>
+      </p:sp>
+      <p:sp>
+        <p:nvSpPr>
+          <p:cNvPr id="29" name="Rounded Rectangle 28">
+            <a:extLst>
+              <a:ext uri="{FF2B5EF4-FFF2-40B4-BE49-F238E27FC236}">
+                <a16:creationId xmlns:a16="http://schemas.microsoft.com/office/drawing/2014/main" id="{957AEFC3-636A-4E89-4218-AC25D9D25C67}"/>
+              </a:ext>
+            </a:extLst>
+          </p:cNvPr>
+          <p:cNvSpPr/>
+          <p:nvPr/>
+        </p:nvSpPr>
+        <p:spPr bwMode="auto">
+          <a:xfrm>
+            <a:off x="3376448" y="2169442"/>
+            <a:ext cx="900000" cy="288000"/>
+          </a:xfrm>
+          <a:prstGeom prst="roundRect">
+            <a:avLst>
+              <a:gd name="adj" fmla="val 0"/>
+            </a:avLst>
+          </a:prstGeom>
+          <a:solidFill>
+            <a:srgbClr val="00C1DE"/>
+          </a:solidFill>
+          <a:ln w="19050" algn="ctr">
+            <a:noFill/>
+            <a:round/>
+            <a:headEnd/>
+            <a:tailEnd/>
+          </a:ln>
+        </p:spPr>
+        <p:txBody>
+          <a:bodyPr wrap="square" lIns="0" tIns="60972" rIns="0" bIns="60972" anchor="ctr">
+            <a:noAutofit/>
+          </a:bodyPr>
+          <a:lstStyle/>
+          <a:p>
+            <a:pPr algn="ctr" fontAlgn="auto">
+              <a:spcBef>
+                <a:spcPts val="0"/>
+              </a:spcBef>
+              <a:spcAft>
+                <a:spcPts val="0"/>
+              </a:spcAft>
+              <a:defRPr/>
+            </a:pPr>
+            <a:r>
+              <a:rPr lang="de-DE" sz="1400" b="1" kern="0" dirty="0">
+                <a:solidFill>
+                  <a:sysClr val="window" lastClr="FFFFFF"/>
+                </a:solidFill>
+                <a:latin typeface="Calibri" panose="020F0502020204030204" pitchFamily="34" charset="0"/>
+                <a:ea typeface="ＭＳ Ｐゴシック" pitchFamily="34" charset="-128"/>
+                <a:cs typeface="Calibri" panose="020F0502020204030204" pitchFamily="34" charset="0"/>
+              </a:rPr>
+              <a:t>USB Host</a:t>
+            </a:r>
+          </a:p>
+        </p:txBody>
+      </p:sp>
+      <p:sp>
+        <p:nvSpPr>
+          <p:cNvPr id="30" name="Rounded Rectangle 29">
+            <a:extLst>
+              <a:ext uri="{FF2B5EF4-FFF2-40B4-BE49-F238E27FC236}">
+                <a16:creationId xmlns:a16="http://schemas.microsoft.com/office/drawing/2014/main" id="{8DEF1530-8E23-CAE8-3B70-00E6C0E1F7F7}"/>
+              </a:ext>
+            </a:extLst>
+          </p:cNvPr>
+          <p:cNvSpPr/>
+          <p:nvPr/>
+        </p:nvSpPr>
+        <p:spPr bwMode="auto">
+          <a:xfrm>
+            <a:off x="4361419" y="2169442"/>
+            <a:ext cx="900000" cy="288000"/>
+          </a:xfrm>
+          <a:prstGeom prst="roundRect">
+            <a:avLst>
+              <a:gd name="adj" fmla="val 0"/>
+            </a:avLst>
+          </a:prstGeom>
+          <a:solidFill>
+            <a:srgbClr val="00C1DE"/>
+          </a:solidFill>
+          <a:ln w="19050" algn="ctr">
+            <a:noFill/>
+            <a:round/>
+            <a:headEnd/>
+            <a:tailEnd/>
+          </a:ln>
+        </p:spPr>
+        <p:txBody>
+          <a:bodyPr wrap="square" lIns="121944" tIns="60972" rIns="121944" bIns="60972" anchor="ctr">
+            <a:noAutofit/>
+          </a:bodyPr>
+          <a:lstStyle/>
+          <a:p>
+            <a:pPr algn="ctr" fontAlgn="auto">
+              <a:spcBef>
+                <a:spcPts val="0"/>
+              </a:spcBef>
+              <a:spcAft>
+                <a:spcPts val="0"/>
+              </a:spcAft>
+              <a:defRPr/>
+            </a:pPr>
+            <a:r>
+              <a:rPr lang="de-DE" sz="1400" b="1" kern="0" dirty="0">
+                <a:solidFill>
+                  <a:sysClr val="window" lastClr="FFFFFF"/>
+                </a:solidFill>
+                <a:latin typeface="Calibri" panose="020F0502020204030204" pitchFamily="34" charset="0"/>
+                <a:ea typeface="ＭＳ Ｐゴシック" pitchFamily="34" charset="-128"/>
+                <a:cs typeface="Calibri" panose="020F0502020204030204" pitchFamily="34" charset="0"/>
+              </a:rPr>
+              <a:t>Eth. PHY</a:t>
+            </a:r>
+          </a:p>
+        </p:txBody>
+      </p:sp>
+      <p:sp>
+        <p:nvSpPr>
+          <p:cNvPr id="31" name="Rounded Rectangle 30">
+            <a:extLst>
+              <a:ext uri="{FF2B5EF4-FFF2-40B4-BE49-F238E27FC236}">
+                <a16:creationId xmlns:a16="http://schemas.microsoft.com/office/drawing/2014/main" id="{7987B9E8-D227-3548-C8D2-1BBCDA2F677F}"/>
+              </a:ext>
+            </a:extLst>
+          </p:cNvPr>
+          <p:cNvSpPr/>
+          <p:nvPr/>
+        </p:nvSpPr>
+        <p:spPr bwMode="auto">
+          <a:xfrm>
+            <a:off x="5316334" y="2169442"/>
+            <a:ext cx="900000" cy="288000"/>
+          </a:xfrm>
+          <a:prstGeom prst="roundRect">
+            <a:avLst>
+              <a:gd name="adj" fmla="val 0"/>
+            </a:avLst>
+          </a:prstGeom>
+          <a:solidFill>
+            <a:srgbClr val="00C1DE"/>
+          </a:solidFill>
+          <a:ln w="19050" algn="ctr">
+            <a:noFill/>
+            <a:round/>
+            <a:headEnd/>
+            <a:tailEnd/>
+          </a:ln>
+        </p:spPr>
+        <p:txBody>
+          <a:bodyPr wrap="square" lIns="36000" tIns="60972" rIns="36000" bIns="60972" anchor="ctr">
+            <a:noAutofit/>
+          </a:bodyPr>
+          <a:lstStyle/>
+          <a:p>
+            <a:pPr algn="ctr" fontAlgn="auto">
+              <a:spcBef>
+                <a:spcPts val="0"/>
+              </a:spcBef>
+              <a:spcAft>
+                <a:spcPts val="0"/>
+              </a:spcAft>
+              <a:defRPr/>
+            </a:pPr>
+            <a:r>
+              <a:rPr lang="de-DE" sz="1400" b="1" kern="0" dirty="0">
+                <a:solidFill>
+                  <a:sysClr val="window" lastClr="FFFFFF"/>
+                </a:solidFill>
+                <a:latin typeface="Calibri" panose="020F0502020204030204" pitchFamily="34" charset="0"/>
+                <a:ea typeface="ＭＳ Ｐゴシック" pitchFamily="34" charset="-128"/>
+                <a:cs typeface="Calibri" panose="020F0502020204030204" pitchFamily="34" charset="0"/>
+              </a:rPr>
+              <a:t>Eth. MAC</a:t>
+            </a:r>
+          </a:p>
+        </p:txBody>
+      </p:sp>
+      <p:sp>
+        <p:nvSpPr>
+          <p:cNvPr id="32" name="Rounded Rectangle 31">
+            <a:extLst>
+              <a:ext uri="{FF2B5EF4-FFF2-40B4-BE49-F238E27FC236}">
+                <a16:creationId xmlns:a16="http://schemas.microsoft.com/office/drawing/2014/main" id="{A742A76C-B719-B691-427D-C9102A9DB083}"/>
+              </a:ext>
+            </a:extLst>
+          </p:cNvPr>
+          <p:cNvSpPr/>
+          <p:nvPr/>
+        </p:nvSpPr>
+        <p:spPr bwMode="auto">
+          <a:xfrm>
+            <a:off x="6271249" y="2169442"/>
+            <a:ext cx="684000" cy="288000"/>
+          </a:xfrm>
+          <a:prstGeom prst="roundRect">
+            <a:avLst>
+              <a:gd name="adj" fmla="val 0"/>
+            </a:avLst>
+          </a:prstGeom>
+          <a:solidFill>
+            <a:srgbClr val="00C1DE"/>
+          </a:solidFill>
+          <a:ln w="19050" algn="ctr">
+            <a:noFill/>
+            <a:round/>
+            <a:headEnd/>
+            <a:tailEnd/>
+          </a:ln>
+        </p:spPr>
+        <p:txBody>
+          <a:bodyPr wrap="square" lIns="72000" tIns="60972" rIns="72000" bIns="60972" anchor="ctr">
+            <a:noAutofit/>
+          </a:bodyPr>
+          <a:lstStyle/>
+          <a:p>
+            <a:pPr algn="ctr" fontAlgn="auto">
+              <a:spcBef>
+                <a:spcPts val="0"/>
+              </a:spcBef>
+              <a:spcAft>
+                <a:spcPts val="0"/>
+              </a:spcAft>
+              <a:defRPr/>
+            </a:pPr>
+            <a:r>
+              <a:rPr lang="de-DE" sz="1400" b="1" kern="0" dirty="0">
+                <a:solidFill>
+                  <a:sysClr val="window" lastClr="FFFFFF"/>
+                </a:solidFill>
+                <a:latin typeface="Calibri" panose="020F0502020204030204" pitchFamily="34" charset="0"/>
+                <a:ea typeface="ＭＳ Ｐゴシック" pitchFamily="34" charset="-128"/>
+                <a:cs typeface="Calibri" panose="020F0502020204030204" pitchFamily="34" charset="0"/>
+              </a:rPr>
+              <a:t>USART</a:t>
+            </a:r>
+          </a:p>
+        </p:txBody>
+      </p:sp>
+      <p:sp>
+        <p:nvSpPr>
+          <p:cNvPr id="33" name="Rounded Rectangle 32">
+            <a:extLst>
+              <a:ext uri="{FF2B5EF4-FFF2-40B4-BE49-F238E27FC236}">
+                <a16:creationId xmlns:a16="http://schemas.microsoft.com/office/drawing/2014/main" id="{1FE8AB15-EE3C-7F89-91D6-4F32FA69CBCB}"/>
+              </a:ext>
+            </a:extLst>
+          </p:cNvPr>
+          <p:cNvSpPr/>
+          <p:nvPr/>
+        </p:nvSpPr>
+        <p:spPr bwMode="auto">
+          <a:xfrm>
+            <a:off x="9918217" y="2169442"/>
+            <a:ext cx="900000" cy="288000"/>
+          </a:xfrm>
+          <a:prstGeom prst="roundRect">
+            <a:avLst>
+              <a:gd name="adj" fmla="val 0"/>
+            </a:avLst>
+          </a:prstGeom>
+          <a:solidFill>
+            <a:srgbClr val="00C1DE"/>
+          </a:solidFill>
+          <a:ln w="19050" algn="ctr">
+            <a:noFill/>
+            <a:round/>
+            <a:headEnd/>
+            <a:tailEnd/>
+          </a:ln>
+        </p:spPr>
+        <p:txBody>
+          <a:bodyPr wrap="square" lIns="121944" tIns="60972" rIns="121944" bIns="60972" anchor="ctr">
+            <a:noAutofit/>
+          </a:bodyPr>
+          <a:lstStyle/>
+          <a:p>
+            <a:pPr algn="ctr" fontAlgn="auto">
+              <a:spcBef>
+                <a:spcPts val="0"/>
+              </a:spcBef>
+              <a:spcAft>
+                <a:spcPts val="0"/>
+              </a:spcAft>
+              <a:defRPr/>
+            </a:pPr>
+            <a:r>
+              <a:rPr lang="de-DE" sz="1400" b="1" kern="0" dirty="0">
+                <a:solidFill>
+                  <a:sysClr val="window" lastClr="FFFFFF"/>
+                </a:solidFill>
+                <a:latin typeface="Calibri" panose="020F0502020204030204" pitchFamily="34" charset="0"/>
+                <a:ea typeface="ＭＳ Ｐゴシック" pitchFamily="34" charset="-128"/>
+                <a:cs typeface="Calibri" panose="020F0502020204030204" pitchFamily="34" charset="0"/>
+              </a:rPr>
+              <a:t>CAN</a:t>
+            </a:r>
+          </a:p>
+        </p:txBody>
+      </p:sp>
+      <p:sp>
+        <p:nvSpPr>
+          <p:cNvPr id="34" name="Rounded Rectangle 33">
+            <a:extLst>
+              <a:ext uri="{FF2B5EF4-FFF2-40B4-BE49-F238E27FC236}">
+                <a16:creationId xmlns:a16="http://schemas.microsoft.com/office/drawing/2014/main" id="{CD462FF9-B53E-B970-EE5D-583ADD89EA6E}"/>
+              </a:ext>
+            </a:extLst>
+          </p:cNvPr>
+          <p:cNvSpPr/>
+          <p:nvPr/>
+        </p:nvSpPr>
+        <p:spPr bwMode="auto">
+          <a:xfrm>
+            <a:off x="7777814" y="2169442"/>
+            <a:ext cx="648000" cy="288000"/>
+          </a:xfrm>
+          <a:prstGeom prst="roundRect">
+            <a:avLst>
+              <a:gd name="adj" fmla="val 0"/>
+            </a:avLst>
+          </a:prstGeom>
+          <a:solidFill>
+            <a:srgbClr val="00C1DE"/>
+          </a:solidFill>
+          <a:ln w="19050" algn="ctr">
+            <a:noFill/>
+            <a:round/>
+            <a:headEnd/>
+            <a:tailEnd/>
+          </a:ln>
+        </p:spPr>
+        <p:txBody>
+          <a:bodyPr wrap="square" lIns="72000" tIns="60972" rIns="72000" bIns="60972" anchor="ctr">
+            <a:noAutofit/>
+          </a:bodyPr>
+          <a:lstStyle/>
+          <a:p>
+            <a:pPr algn="ctr" fontAlgn="auto">
+              <a:spcBef>
+                <a:spcPts val="0"/>
+              </a:spcBef>
+              <a:spcAft>
+                <a:spcPts val="0"/>
+              </a:spcAft>
+              <a:defRPr/>
+            </a:pPr>
+            <a:r>
+              <a:rPr lang="de-DE" sz="1400" b="1" kern="0" dirty="0">
+                <a:solidFill>
+                  <a:sysClr val="window" lastClr="FFFFFF"/>
+                </a:solidFill>
+                <a:latin typeface="Calibri" panose="020F0502020204030204" pitchFamily="34" charset="0"/>
+                <a:ea typeface="ＭＳ Ｐゴシック" pitchFamily="34" charset="-128"/>
+                <a:cs typeface="Calibri" panose="020F0502020204030204" pitchFamily="34" charset="0"/>
+              </a:rPr>
+              <a:t>Flash</a:t>
+            </a:r>
+          </a:p>
+        </p:txBody>
+      </p:sp>
+      <p:sp>
+        <p:nvSpPr>
+          <p:cNvPr id="35" name="Rounded Rectangle 95">
+            <a:extLst>
+              <a:ext uri="{FF2B5EF4-FFF2-40B4-BE49-F238E27FC236}">
+                <a16:creationId xmlns:a16="http://schemas.microsoft.com/office/drawing/2014/main" id="{FDD8E2EA-8A6D-95FD-C013-99F3BFF6CA59}"/>
+              </a:ext>
+            </a:extLst>
+          </p:cNvPr>
+          <p:cNvSpPr/>
+          <p:nvPr/>
+        </p:nvSpPr>
+        <p:spPr bwMode="auto">
+          <a:xfrm>
+            <a:off x="7005510" y="2169442"/>
+            <a:ext cx="684000" cy="288000"/>
+          </a:xfrm>
+          <a:prstGeom prst="roundRect">
+            <a:avLst>
+              <a:gd name="adj" fmla="val 0"/>
+            </a:avLst>
+          </a:prstGeom>
+          <a:solidFill>
+            <a:srgbClr val="00C1DE"/>
+          </a:solidFill>
+          <a:ln w="19050" algn="ctr">
+            <a:noFill/>
+            <a:round/>
+            <a:headEnd/>
+            <a:tailEnd/>
+          </a:ln>
+        </p:spPr>
+        <p:txBody>
+          <a:bodyPr wrap="square" lIns="72000" tIns="60972" rIns="72000" bIns="60972" anchor="ctr">
+            <a:noAutofit/>
+          </a:bodyPr>
+          <a:lstStyle/>
+          <a:p>
+            <a:pPr algn="ctr" fontAlgn="auto">
+              <a:spcBef>
+                <a:spcPts val="0"/>
+              </a:spcBef>
+              <a:spcAft>
+                <a:spcPts val="0"/>
+              </a:spcAft>
+              <a:defRPr/>
+            </a:pPr>
+            <a:r>
+              <a:rPr lang="de-DE" sz="1400" b="1" kern="0" dirty="0">
+                <a:solidFill>
+                  <a:sysClr val="window" lastClr="FFFFFF"/>
+                </a:solidFill>
+                <a:latin typeface="Calibri" panose="020F0502020204030204" pitchFamily="34" charset="0"/>
+                <a:ea typeface="ＭＳ Ｐゴシック" pitchFamily="34" charset="-128"/>
+                <a:cs typeface="Calibri" panose="020F0502020204030204" pitchFamily="34" charset="0"/>
+              </a:rPr>
+              <a:t>WiFi</a:t>
+            </a:r>
+          </a:p>
+        </p:txBody>
+      </p:sp>
+      <p:sp>
+        <p:nvSpPr>
+          <p:cNvPr id="36" name="Rounded Rectangle 35">
+            <a:extLst>
+              <a:ext uri="{FF2B5EF4-FFF2-40B4-BE49-F238E27FC236}">
+                <a16:creationId xmlns:a16="http://schemas.microsoft.com/office/drawing/2014/main" id="{3A9654B7-EF0D-5A6C-4806-C0FBB41F1CF8}"/>
+              </a:ext>
+            </a:extLst>
+          </p:cNvPr>
+          <p:cNvSpPr/>
+          <p:nvPr/>
+        </p:nvSpPr>
+        <p:spPr bwMode="auto">
+          <a:xfrm>
+            <a:off x="1389263" y="2169442"/>
+            <a:ext cx="900000" cy="288000"/>
+          </a:xfrm>
+          <a:prstGeom prst="roundRect">
+            <a:avLst>
+              <a:gd name="adj" fmla="val 0"/>
+            </a:avLst>
+          </a:prstGeom>
+          <a:solidFill>
+            <a:srgbClr val="00C1DE"/>
+          </a:solidFill>
+          <a:ln w="19050" algn="ctr">
+            <a:noFill/>
+            <a:round/>
+            <a:headEnd/>
+            <a:tailEnd/>
+          </a:ln>
+        </p:spPr>
+        <p:txBody>
+          <a:bodyPr wrap="square" lIns="0" tIns="60972" rIns="0" bIns="60972" anchor="ctr">
+            <a:noAutofit/>
+          </a:bodyPr>
+          <a:lstStyle/>
+          <a:p>
+            <a:pPr algn="ctr" fontAlgn="auto">
+              <a:spcBef>
+                <a:spcPts val="0"/>
+              </a:spcBef>
+              <a:spcAft>
+                <a:spcPts val="0"/>
+              </a:spcAft>
+              <a:defRPr/>
+            </a:pPr>
+            <a:r>
+              <a:rPr lang="de-DE" sz="1400" b="1" kern="0" dirty="0">
+                <a:solidFill>
+                  <a:sysClr val="window" lastClr="FFFFFF"/>
+                </a:solidFill>
+                <a:latin typeface="Calibri" panose="020F0502020204030204" pitchFamily="34" charset="0"/>
+                <a:ea typeface="ＭＳ Ｐゴシック" pitchFamily="34" charset="-128"/>
+                <a:cs typeface="Calibri" panose="020F0502020204030204" pitchFamily="34" charset="0"/>
+              </a:rPr>
+              <a:t>GPIO</a:t>
+            </a:r>
+          </a:p>
+        </p:txBody>
+      </p:sp>
+      <p:sp>
+        <p:nvSpPr>
+          <p:cNvPr id="38" name="TextBox 37">
+            <a:extLst>
+              <a:ext uri="{FF2B5EF4-FFF2-40B4-BE49-F238E27FC236}">
+                <a16:creationId xmlns:a16="http://schemas.microsoft.com/office/drawing/2014/main" id="{C11A5264-0C62-25F5-D6BD-9AE6867F6282}"/>
+              </a:ext>
+            </a:extLst>
+          </p:cNvPr>
+          <p:cNvSpPr txBox="1"/>
+          <p:nvPr/>
+        </p:nvSpPr>
+        <p:spPr bwMode="auto">
+          <a:xfrm>
+            <a:off x="7777814" y="2575377"/>
+            <a:ext cx="648000" cy="430887"/>
+          </a:xfrm>
+          <a:prstGeom prst="rect">
+            <a:avLst/>
+          </a:prstGeom>
+          <a:solidFill>
+            <a:srgbClr val="E5ECEB"/>
+          </a:solidFill>
+          <a:ln>
+            <a:noFill/>
+          </a:ln>
+        </p:spPr>
+        <p:txBody>
+          <a:bodyPr wrap="square" lIns="36000" rIns="36000">
+            <a:spAutoFit/>
+          </a:bodyPr>
+          <a:lstStyle/>
+          <a:p>
+            <a:pPr algn="ctr">
+              <a:defRPr/>
+            </a:pPr>
+            <a:r>
+              <a:rPr lang="en-US" sz="1400" dirty="0">
+                <a:latin typeface="Calibri" panose="020F0502020204030204" pitchFamily="34" charset="0"/>
+                <a:cs typeface="Calibri" panose="020F0502020204030204" pitchFamily="34" charset="0"/>
+              </a:rPr>
+              <a:t>SPI</a:t>
+            </a:r>
+          </a:p>
+          <a:p>
+            <a:pPr algn="ctr">
+              <a:defRPr/>
+            </a:pPr>
+            <a:r>
+              <a:rPr lang="en-US" sz="800" dirty="0">
+                <a:latin typeface="Calibri" panose="020F0502020204030204" pitchFamily="34" charset="0"/>
+                <a:cs typeface="Calibri" panose="020F0502020204030204" pitchFamily="34" charset="0"/>
+              </a:rPr>
+              <a:t>Controller</a:t>
+            </a:r>
+            <a:endParaRPr lang="en-GB" sz="800" dirty="0">
+              <a:latin typeface="Calibri" panose="020F0502020204030204" pitchFamily="34" charset="0"/>
+              <a:cs typeface="Calibri" panose="020F0502020204030204" pitchFamily="34" charset="0"/>
+            </a:endParaRPr>
+          </a:p>
+        </p:txBody>
+      </p:sp>
+      <p:sp>
+        <p:nvSpPr>
+          <p:cNvPr id="39" name="TextBox 38">
+            <a:extLst>
+              <a:ext uri="{FF2B5EF4-FFF2-40B4-BE49-F238E27FC236}">
+                <a16:creationId xmlns:a16="http://schemas.microsoft.com/office/drawing/2014/main" id="{8473AFDD-B429-5723-9FBA-943C8CA6DCF4}"/>
+              </a:ext>
+            </a:extLst>
+          </p:cNvPr>
+          <p:cNvSpPr txBox="1"/>
+          <p:nvPr/>
+        </p:nvSpPr>
+        <p:spPr bwMode="auto">
+          <a:xfrm>
+            <a:off x="3376448" y="2574820"/>
+            <a:ext cx="900000" cy="432000"/>
+          </a:xfrm>
+          <a:prstGeom prst="rect">
+            <a:avLst/>
+          </a:prstGeom>
+          <a:solidFill>
+            <a:srgbClr val="E5ECEB"/>
+          </a:solidFill>
+          <a:ln>
+            <a:noFill/>
+          </a:ln>
+        </p:spPr>
+        <p:txBody>
+          <a:bodyPr rIns="144000">
+            <a:spAutoFit/>
+          </a:bodyPr>
+          <a:lstStyle/>
+          <a:p>
+            <a:pPr algn="ctr">
+              <a:defRPr/>
+            </a:pPr>
+            <a:r>
+              <a:rPr lang="en-US" sz="1400" dirty="0">
+                <a:latin typeface="Calibri" panose="020F0502020204030204" pitchFamily="34" charset="0"/>
+                <a:cs typeface="Calibri" panose="020F0502020204030204" pitchFamily="34" charset="0"/>
+              </a:rPr>
+              <a:t>USB </a:t>
+            </a:r>
+          </a:p>
+          <a:p>
+            <a:pPr algn="ctr">
+              <a:defRPr/>
+            </a:pPr>
+            <a:r>
+              <a:rPr lang="en-US" sz="800" dirty="0">
+                <a:latin typeface="Calibri" panose="020F0502020204030204" pitchFamily="34" charset="0"/>
+                <a:cs typeface="Calibri" panose="020F0502020204030204" pitchFamily="34" charset="0"/>
+              </a:rPr>
+              <a:t>Controller</a:t>
+            </a:r>
+            <a:endParaRPr lang="en-GB" sz="800" dirty="0">
+              <a:latin typeface="Calibri" panose="020F0502020204030204" pitchFamily="34" charset="0"/>
+              <a:cs typeface="Calibri" panose="020F0502020204030204" pitchFamily="34" charset="0"/>
+            </a:endParaRPr>
+          </a:p>
+        </p:txBody>
+      </p:sp>
+      <p:sp>
+        <p:nvSpPr>
+          <p:cNvPr id="40" name="TextBox 39">
+            <a:extLst>
+              <a:ext uri="{FF2B5EF4-FFF2-40B4-BE49-F238E27FC236}">
+                <a16:creationId xmlns:a16="http://schemas.microsoft.com/office/drawing/2014/main" id="{01D8B511-9BA7-CD24-B402-CB2A511A4655}"/>
+              </a:ext>
+            </a:extLst>
+          </p:cNvPr>
+          <p:cNvSpPr txBox="1"/>
+          <p:nvPr/>
+        </p:nvSpPr>
+        <p:spPr bwMode="auto">
+          <a:xfrm>
+            <a:off x="2382530" y="2574820"/>
+            <a:ext cx="900000" cy="432000"/>
+          </a:xfrm>
+          <a:prstGeom prst="rect">
+            <a:avLst/>
+          </a:prstGeom>
+          <a:solidFill>
+            <a:srgbClr val="E5ECEB"/>
+          </a:solidFill>
+          <a:ln>
+            <a:noFill/>
+          </a:ln>
+        </p:spPr>
+        <p:txBody>
+          <a:bodyPr rIns="144000">
+            <a:spAutoFit/>
+          </a:bodyPr>
+          <a:lstStyle/>
+          <a:p>
+            <a:pPr algn="ctr">
+              <a:defRPr/>
+            </a:pPr>
+            <a:r>
+              <a:rPr lang="en-US" sz="1400" dirty="0">
+                <a:latin typeface="Calibri" panose="020F0502020204030204" pitchFamily="34" charset="0"/>
+                <a:cs typeface="Calibri" panose="020F0502020204030204" pitchFamily="34" charset="0"/>
+              </a:rPr>
+              <a:t>USB </a:t>
+            </a:r>
+          </a:p>
+          <a:p>
+            <a:pPr algn="ctr">
+              <a:defRPr/>
+            </a:pPr>
+            <a:r>
+              <a:rPr lang="en-US" sz="800" dirty="0">
+                <a:latin typeface="Calibri" panose="020F0502020204030204" pitchFamily="34" charset="0"/>
+                <a:cs typeface="Calibri" panose="020F0502020204030204" pitchFamily="34" charset="0"/>
+              </a:rPr>
+              <a:t>Controller</a:t>
+            </a:r>
+            <a:endParaRPr lang="en-GB" sz="800" dirty="0">
+              <a:latin typeface="Calibri" panose="020F0502020204030204" pitchFamily="34" charset="0"/>
+              <a:cs typeface="Calibri" panose="020F0502020204030204" pitchFamily="34" charset="0"/>
+            </a:endParaRPr>
+          </a:p>
+        </p:txBody>
+      </p:sp>
+      <p:sp>
+        <p:nvSpPr>
+          <p:cNvPr id="41" name="TextBox 40">
+            <a:extLst>
+              <a:ext uri="{FF2B5EF4-FFF2-40B4-BE49-F238E27FC236}">
+                <a16:creationId xmlns:a16="http://schemas.microsoft.com/office/drawing/2014/main" id="{82B3C7D4-197F-77C2-EFB1-0ABD6C30A27E}"/>
+              </a:ext>
+            </a:extLst>
+          </p:cNvPr>
+          <p:cNvSpPr txBox="1"/>
+          <p:nvPr/>
+        </p:nvSpPr>
+        <p:spPr bwMode="auto">
+          <a:xfrm>
+            <a:off x="4361419" y="2574820"/>
+            <a:ext cx="900000" cy="432000"/>
+          </a:xfrm>
+          <a:prstGeom prst="rect">
+            <a:avLst/>
+          </a:prstGeom>
+          <a:solidFill>
+            <a:srgbClr val="E5ECEB"/>
+          </a:solidFill>
+          <a:ln>
+            <a:noFill/>
+          </a:ln>
+        </p:spPr>
+        <p:txBody>
+          <a:bodyPr rIns="144000">
+            <a:spAutoFit/>
+          </a:bodyPr>
+          <a:lstStyle/>
+          <a:p>
+            <a:pPr algn="ctr">
+              <a:defRPr/>
+            </a:pPr>
+            <a:r>
+              <a:rPr lang="en-US" sz="1400" dirty="0">
+                <a:latin typeface="Calibri" panose="020F0502020204030204" pitchFamily="34" charset="0"/>
+                <a:cs typeface="Calibri" panose="020F0502020204030204" pitchFamily="34" charset="0"/>
+              </a:rPr>
+              <a:t>Ethernet</a:t>
+            </a:r>
+          </a:p>
+          <a:p>
+            <a:pPr algn="ctr">
+              <a:defRPr/>
+            </a:pPr>
+            <a:r>
+              <a:rPr lang="en-US" sz="800" dirty="0">
+                <a:latin typeface="Calibri" panose="020F0502020204030204" pitchFamily="34" charset="0"/>
+                <a:cs typeface="Calibri" panose="020F0502020204030204" pitchFamily="34" charset="0"/>
+              </a:rPr>
+              <a:t>PHY</a:t>
+            </a:r>
+            <a:endParaRPr lang="en-GB" sz="800" dirty="0">
+              <a:latin typeface="Calibri" panose="020F0502020204030204" pitchFamily="34" charset="0"/>
+              <a:cs typeface="Calibri" panose="020F0502020204030204" pitchFamily="34" charset="0"/>
+            </a:endParaRPr>
+          </a:p>
+        </p:txBody>
+      </p:sp>
+      <p:sp>
+        <p:nvSpPr>
+          <p:cNvPr id="42" name="TextBox 41">
+            <a:extLst>
+              <a:ext uri="{FF2B5EF4-FFF2-40B4-BE49-F238E27FC236}">
+                <a16:creationId xmlns:a16="http://schemas.microsoft.com/office/drawing/2014/main" id="{FEAA10C7-D47D-E2A2-34C9-8C10BE6FFE33}"/>
+              </a:ext>
+            </a:extLst>
+          </p:cNvPr>
+          <p:cNvSpPr txBox="1"/>
+          <p:nvPr/>
+        </p:nvSpPr>
+        <p:spPr bwMode="auto">
+          <a:xfrm>
+            <a:off x="8471584" y="2574820"/>
+            <a:ext cx="648000" cy="432000"/>
+          </a:xfrm>
+          <a:prstGeom prst="rect">
+            <a:avLst/>
+          </a:prstGeom>
+          <a:solidFill>
+            <a:srgbClr val="E5ECEB"/>
+          </a:solidFill>
+          <a:ln>
+            <a:noFill/>
+          </a:ln>
+        </p:spPr>
+        <p:txBody>
+          <a:bodyPr lIns="144000" rIns="144000" anchor="ctr">
+            <a:spAutoFit/>
+          </a:bodyPr>
+          <a:lstStyle/>
+          <a:p>
+            <a:pPr algn="ctr">
+              <a:defRPr/>
+            </a:pPr>
+            <a:r>
+              <a:rPr lang="en-US" sz="1200" dirty="0">
+                <a:latin typeface="Calibri" panose="020F0502020204030204" pitchFamily="34" charset="0"/>
+                <a:cs typeface="Calibri" panose="020F0502020204030204" pitchFamily="34" charset="0"/>
+              </a:rPr>
+              <a:t>SDIO</a:t>
+            </a:r>
+            <a:endParaRPr lang="en-GB" sz="1200" dirty="0">
+              <a:latin typeface="Calibri" panose="020F0502020204030204" pitchFamily="34" charset="0"/>
+              <a:cs typeface="Calibri" panose="020F0502020204030204" pitchFamily="34" charset="0"/>
+            </a:endParaRPr>
+          </a:p>
+        </p:txBody>
+      </p:sp>
+      <p:sp>
+        <p:nvSpPr>
+          <p:cNvPr id="43" name="TextBox 42">
+            <a:extLst>
+              <a:ext uri="{FF2B5EF4-FFF2-40B4-BE49-F238E27FC236}">
+                <a16:creationId xmlns:a16="http://schemas.microsoft.com/office/drawing/2014/main" id="{FAFD9D03-93A0-7BC9-435C-033FF6FCF375}"/>
+              </a:ext>
+            </a:extLst>
+          </p:cNvPr>
+          <p:cNvSpPr txBox="1"/>
+          <p:nvPr/>
+        </p:nvSpPr>
+        <p:spPr bwMode="auto">
+          <a:xfrm>
+            <a:off x="9165354" y="2575377"/>
+            <a:ext cx="648000" cy="430887"/>
+          </a:xfrm>
+          <a:prstGeom prst="rect">
+            <a:avLst/>
+          </a:prstGeom>
+          <a:solidFill>
+            <a:srgbClr val="E5ECEB"/>
+          </a:solidFill>
+          <a:ln>
+            <a:noFill/>
+          </a:ln>
+        </p:spPr>
+        <p:txBody>
+          <a:bodyPr lIns="0" rIns="0">
+            <a:spAutoFit/>
+          </a:bodyPr>
+          <a:lstStyle/>
+          <a:p>
+            <a:pPr algn="ctr">
+              <a:defRPr/>
+            </a:pPr>
+            <a:r>
+              <a:rPr lang="en-US" sz="1400" dirty="0">
+                <a:latin typeface="Calibri" panose="020F0502020204030204" pitchFamily="34" charset="0"/>
+                <a:cs typeface="Calibri" panose="020F0502020204030204" pitchFamily="34" charset="0"/>
+              </a:rPr>
+              <a:t>Memory</a:t>
+            </a:r>
+          </a:p>
+          <a:p>
+            <a:pPr algn="ctr">
+              <a:defRPr/>
+            </a:pPr>
+            <a:r>
+              <a:rPr lang="en-US" sz="800" dirty="0">
+                <a:latin typeface="Calibri" panose="020F0502020204030204" pitchFamily="34" charset="0"/>
+                <a:cs typeface="Calibri" panose="020F0502020204030204" pitchFamily="34" charset="0"/>
+              </a:rPr>
+              <a:t>Controller</a:t>
+            </a:r>
+            <a:endParaRPr lang="en-GB" sz="800" dirty="0">
+              <a:latin typeface="Calibri" panose="020F0502020204030204" pitchFamily="34" charset="0"/>
+              <a:cs typeface="Calibri" panose="020F0502020204030204" pitchFamily="34" charset="0"/>
+            </a:endParaRPr>
+          </a:p>
+        </p:txBody>
+      </p:sp>
+      <p:sp>
+        <p:nvSpPr>
+          <p:cNvPr id="44" name="TextBox 43">
+            <a:extLst>
+              <a:ext uri="{FF2B5EF4-FFF2-40B4-BE49-F238E27FC236}">
+                <a16:creationId xmlns:a16="http://schemas.microsoft.com/office/drawing/2014/main" id="{E6FE93C6-EFFB-7D2F-E877-00F256781F8F}"/>
+              </a:ext>
+            </a:extLst>
+          </p:cNvPr>
+          <p:cNvSpPr txBox="1"/>
+          <p:nvPr/>
+        </p:nvSpPr>
+        <p:spPr bwMode="auto">
+          <a:xfrm>
+            <a:off x="5316334" y="2574820"/>
+            <a:ext cx="900000" cy="432000"/>
+          </a:xfrm>
+          <a:prstGeom prst="rect">
+            <a:avLst/>
+          </a:prstGeom>
+          <a:solidFill>
+            <a:srgbClr val="E5ECEB"/>
+          </a:solidFill>
+          <a:ln>
+            <a:noFill/>
+          </a:ln>
+        </p:spPr>
+        <p:txBody>
+          <a:bodyPr wrap="square" rIns="144000">
+            <a:spAutoFit/>
+          </a:bodyPr>
+          <a:lstStyle/>
+          <a:p>
+            <a:pPr algn="ctr">
+              <a:defRPr/>
+            </a:pPr>
+            <a:r>
+              <a:rPr lang="en-US" sz="1400" dirty="0">
+                <a:latin typeface="Calibri" panose="020F0502020204030204" pitchFamily="34" charset="0"/>
+                <a:cs typeface="Calibri" panose="020F0502020204030204" pitchFamily="34" charset="0"/>
+              </a:rPr>
+              <a:t>Ethernet </a:t>
+            </a:r>
+          </a:p>
+          <a:p>
+            <a:pPr algn="ctr">
+              <a:defRPr/>
+            </a:pPr>
+            <a:r>
+              <a:rPr lang="en-US" sz="800" dirty="0">
+                <a:latin typeface="Calibri" panose="020F0502020204030204" pitchFamily="34" charset="0"/>
+                <a:cs typeface="Calibri" panose="020F0502020204030204" pitchFamily="34" charset="0"/>
+              </a:rPr>
+              <a:t>MAC</a:t>
+            </a:r>
+            <a:endParaRPr lang="en-GB" sz="800" dirty="0">
+              <a:latin typeface="Calibri" panose="020F0502020204030204" pitchFamily="34" charset="0"/>
+              <a:cs typeface="Calibri" panose="020F0502020204030204" pitchFamily="34" charset="0"/>
+            </a:endParaRPr>
+          </a:p>
+        </p:txBody>
+      </p:sp>
+      <p:sp>
+        <p:nvSpPr>
+          <p:cNvPr id="45" name="TextBox 44">
+            <a:extLst>
+              <a:ext uri="{FF2B5EF4-FFF2-40B4-BE49-F238E27FC236}">
+                <a16:creationId xmlns:a16="http://schemas.microsoft.com/office/drawing/2014/main" id="{88F629ED-CDB0-8FBA-BDFC-6083F9E7E1A8}"/>
+              </a:ext>
+            </a:extLst>
+          </p:cNvPr>
+          <p:cNvSpPr txBox="1"/>
+          <p:nvPr/>
+        </p:nvSpPr>
+        <p:spPr bwMode="auto">
+          <a:xfrm>
+            <a:off x="6271249" y="2574820"/>
+            <a:ext cx="684000" cy="432000"/>
+          </a:xfrm>
+          <a:prstGeom prst="rect">
+            <a:avLst/>
+          </a:prstGeom>
+          <a:solidFill>
+            <a:srgbClr val="E5ECEB"/>
+          </a:solidFill>
+          <a:ln>
+            <a:noFill/>
+          </a:ln>
+        </p:spPr>
+        <p:txBody>
+          <a:bodyPr wrap="square" lIns="0" rIns="0" anchor="ctr">
+            <a:noAutofit/>
+          </a:bodyPr>
+          <a:lstStyle/>
+          <a:p>
+            <a:pPr algn="ctr">
+              <a:defRPr/>
+            </a:pPr>
+            <a:r>
+              <a:rPr lang="en-US" sz="1400" dirty="0">
+                <a:latin typeface="Calibri" panose="020F0502020204030204" pitchFamily="34" charset="0"/>
+                <a:cs typeface="Calibri" panose="020F0502020204030204" pitchFamily="34" charset="0"/>
+              </a:rPr>
+              <a:t>USART</a:t>
+            </a:r>
+            <a:endParaRPr lang="en-GB" sz="1400" dirty="0">
+              <a:latin typeface="Calibri" panose="020F0502020204030204" pitchFamily="34" charset="0"/>
+              <a:ea typeface="Segoe UI" panose="020B0502040204020203" pitchFamily="34" charset="0"/>
+              <a:cs typeface="Calibri" panose="020F0502020204030204" pitchFamily="34" charset="0"/>
+            </a:endParaRPr>
+          </a:p>
+        </p:txBody>
+      </p:sp>
+      <p:sp>
+        <p:nvSpPr>
+          <p:cNvPr id="46" name="TextBox 45">
+            <a:extLst>
+              <a:ext uri="{FF2B5EF4-FFF2-40B4-BE49-F238E27FC236}">
+                <a16:creationId xmlns:a16="http://schemas.microsoft.com/office/drawing/2014/main" id="{B859272C-75DD-0DB6-F3A9-0C539A93D7A1}"/>
+              </a:ext>
+            </a:extLst>
+          </p:cNvPr>
+          <p:cNvSpPr txBox="1"/>
+          <p:nvPr/>
+        </p:nvSpPr>
+        <p:spPr bwMode="auto">
+          <a:xfrm>
+            <a:off x="9918217" y="2575377"/>
+            <a:ext cx="900000" cy="430887"/>
+          </a:xfrm>
+          <a:prstGeom prst="rect">
+            <a:avLst/>
+          </a:prstGeom>
+          <a:solidFill>
+            <a:srgbClr val="E5ECEB"/>
+          </a:solidFill>
+          <a:ln>
+            <a:noFill/>
+          </a:ln>
+        </p:spPr>
+        <p:txBody>
+          <a:bodyPr rIns="144000">
+            <a:spAutoFit/>
+          </a:bodyPr>
+          <a:lstStyle/>
+          <a:p>
+            <a:pPr algn="ctr">
+              <a:defRPr/>
+            </a:pPr>
+            <a:r>
+              <a:rPr lang="en-US" sz="1400" dirty="0">
+                <a:latin typeface="Calibri" panose="020F0502020204030204" pitchFamily="34" charset="0"/>
+                <a:cs typeface="Calibri" panose="020F0502020204030204" pitchFamily="34" charset="0"/>
+              </a:rPr>
+              <a:t>CAN</a:t>
+            </a:r>
+            <a:endParaRPr lang="en-US" sz="1200" dirty="0">
+              <a:latin typeface="Calibri" panose="020F0502020204030204" pitchFamily="34" charset="0"/>
+              <a:cs typeface="Calibri" panose="020F0502020204030204" pitchFamily="34" charset="0"/>
+            </a:endParaRPr>
+          </a:p>
+          <a:p>
+            <a:pPr algn="ctr">
+              <a:defRPr/>
+            </a:pPr>
+            <a:r>
+              <a:rPr lang="en-US" sz="800" dirty="0">
+                <a:latin typeface="Calibri" panose="020F0502020204030204" pitchFamily="34" charset="0"/>
+                <a:cs typeface="Calibri" panose="020F0502020204030204" pitchFamily="34" charset="0"/>
+              </a:rPr>
+              <a:t>Controller</a:t>
+            </a:r>
+            <a:endParaRPr lang="en-GB" sz="800" dirty="0">
+              <a:latin typeface="Calibri" panose="020F0502020204030204" pitchFamily="34" charset="0"/>
+              <a:cs typeface="Calibri" panose="020F0502020204030204" pitchFamily="34" charset="0"/>
+            </a:endParaRPr>
+          </a:p>
+        </p:txBody>
+      </p:sp>
+      <p:sp>
+        <p:nvSpPr>
+          <p:cNvPr id="47" name="TextBox 46">
+            <a:extLst>
+              <a:ext uri="{FF2B5EF4-FFF2-40B4-BE49-F238E27FC236}">
+                <a16:creationId xmlns:a16="http://schemas.microsoft.com/office/drawing/2014/main" id="{0E98EB2E-C458-2B6E-1F9F-4CCBB585CB11}"/>
+              </a:ext>
+            </a:extLst>
+          </p:cNvPr>
+          <p:cNvSpPr txBox="1"/>
+          <p:nvPr/>
+        </p:nvSpPr>
+        <p:spPr bwMode="auto">
+          <a:xfrm>
+            <a:off x="1383826" y="2574820"/>
+            <a:ext cx="900000" cy="432000"/>
+          </a:xfrm>
+          <a:prstGeom prst="rect">
+            <a:avLst/>
+          </a:prstGeom>
+          <a:solidFill>
+            <a:srgbClr val="E5ECEB"/>
+          </a:solidFill>
+          <a:ln>
+            <a:noFill/>
+          </a:ln>
+        </p:spPr>
+        <p:txBody>
+          <a:bodyPr wrap="square" lIns="144000" rIns="144000" anchor="ctr">
+            <a:noAutofit/>
+          </a:bodyPr>
+          <a:lstStyle/>
+          <a:p>
+            <a:pPr algn="ctr">
+              <a:defRPr/>
+            </a:pPr>
+            <a:r>
+              <a:rPr lang="en-US" sz="1200" dirty="0">
+                <a:latin typeface="Calibri" panose="020F0502020204030204" pitchFamily="34" charset="0"/>
+                <a:cs typeface="Calibri" panose="020F0502020204030204" pitchFamily="34" charset="0"/>
+              </a:rPr>
+              <a:t>GPIO</a:t>
+            </a:r>
+            <a:endParaRPr lang="en-GB" sz="1200" dirty="0">
+              <a:latin typeface="Calibri" panose="020F0502020204030204" pitchFamily="34" charset="0"/>
+              <a:cs typeface="Calibri" panose="020F0502020204030204" pitchFamily="34" charset="0"/>
+            </a:endParaRPr>
+          </a:p>
+        </p:txBody>
+      </p:sp>
+      <p:sp>
+        <p:nvSpPr>
+          <p:cNvPr id="48" name="TextBox 47">
+            <a:extLst>
+              <a:ext uri="{FF2B5EF4-FFF2-40B4-BE49-F238E27FC236}">
+                <a16:creationId xmlns:a16="http://schemas.microsoft.com/office/drawing/2014/main" id="{C1E43F0B-62E4-8820-35DA-6533EB521857}"/>
+              </a:ext>
+            </a:extLst>
+          </p:cNvPr>
+          <p:cNvSpPr txBox="1"/>
+          <p:nvPr/>
+        </p:nvSpPr>
+        <p:spPr bwMode="auto">
+          <a:xfrm>
+            <a:off x="4372243" y="3222459"/>
+            <a:ext cx="889173" cy="276999"/>
+          </a:xfrm>
+          <a:prstGeom prst="rect">
+            <a:avLst/>
+          </a:prstGeom>
+          <a:noFill/>
+          <a:ln>
+            <a:noFill/>
+          </a:ln>
+        </p:spPr>
+        <p:txBody>
+          <a:bodyPr wrap="square" lIns="72000" rIns="72000">
+            <a:spAutoFit/>
+          </a:bodyPr>
+          <a:lstStyle/>
+          <a:p>
+            <a:pPr algn="ctr">
+              <a:defRPr/>
+            </a:pPr>
+            <a:r>
+              <a:rPr lang="en-US" sz="1200" dirty="0">
+                <a:latin typeface="Calibri" panose="020F0502020204030204" pitchFamily="34" charset="0"/>
+                <a:cs typeface="Calibri" panose="020F0502020204030204" pitchFamily="34" charset="0"/>
+              </a:rPr>
+              <a:t>Ethernet</a:t>
+            </a:r>
+            <a:endParaRPr lang="en-GB" sz="1200" dirty="0">
+              <a:latin typeface="Calibri" panose="020F0502020204030204" pitchFamily="34" charset="0"/>
+              <a:cs typeface="Calibri" panose="020F0502020204030204" pitchFamily="34" charset="0"/>
+            </a:endParaRPr>
+          </a:p>
+        </p:txBody>
+      </p:sp>
+      <p:grpSp>
+        <p:nvGrpSpPr>
+          <p:cNvPr id="49" name="Group 48">
+            <a:extLst>
+              <a:ext uri="{FF2B5EF4-FFF2-40B4-BE49-F238E27FC236}">
+                <a16:creationId xmlns:a16="http://schemas.microsoft.com/office/drawing/2014/main" id="{3EDE04A7-1D40-C429-614E-C13E86BF9E77}"/>
+              </a:ext>
+            </a:extLst>
+          </p:cNvPr>
+          <p:cNvGrpSpPr/>
+          <p:nvPr/>
+        </p:nvGrpSpPr>
+        <p:grpSpPr>
+          <a:xfrm rot="16200000">
+            <a:off x="2760299" y="3007478"/>
+            <a:ext cx="144462" cy="258762"/>
+            <a:chOff x="4487395" y="5226823"/>
+            <a:chExt cx="144462" cy="258762"/>
+          </a:xfrm>
+        </p:grpSpPr>
+        <p:sp>
+          <p:nvSpPr>
+            <p:cNvPr id="50" name="Rectangle 49">
+              <a:extLst>
+                <a:ext uri="{FF2B5EF4-FFF2-40B4-BE49-F238E27FC236}">
+                  <a16:creationId xmlns:a16="http://schemas.microsoft.com/office/drawing/2014/main" id="{FC4689D0-DC91-2C14-09E0-7645D0D0D2D5}"/>
+                </a:ext>
+              </a:extLst>
+            </p:cNvPr>
+            <p:cNvSpPr/>
+            <p:nvPr/>
+          </p:nvSpPr>
+          <p:spPr bwMode="auto">
+            <a:xfrm>
+              <a:off x="4487395" y="5226823"/>
+              <a:ext cx="144462" cy="258762"/>
+            </a:xfrm>
+            <a:prstGeom prst="rect">
+              <a:avLst/>
+            </a:prstGeom>
+            <a:noFill/>
+            <a:ln w="19050">
+              <a:solidFill>
+                <a:schemeClr val="tx1"/>
+              </a:solidFill>
+              <a:miter lim="800000"/>
+            </a:ln>
+          </p:spPr>
+          <p:style>
+            <a:lnRef idx="2">
+              <a:schemeClr val="accent1">
+                <a:shade val="50000"/>
+              </a:schemeClr>
+            </a:lnRef>
+            <a:fillRef idx="1">
+              <a:schemeClr val="accent1"/>
+            </a:fillRef>
+            <a:effectRef idx="0">
+              <a:schemeClr val="accent1"/>
+            </a:effectRef>
+            <a:fontRef idx="minor">
+              <a:schemeClr val="lt1"/>
+            </a:fontRef>
+          </p:style>
+          <p:txBody>
+            <a:bodyPr anchor="ctr"/>
+            <a:lstStyle/>
+            <a:p>
+              <a:pPr algn="ctr">
+                <a:defRPr/>
+              </a:pPr>
+              <a:endParaRPr lang="en-GB">
+                <a:latin typeface="Calibri" panose="020F0502020204030204" pitchFamily="34" charset="0"/>
+                <a:cs typeface="Calibri" panose="020F0502020204030204" pitchFamily="34" charset="0"/>
+              </a:endParaRPr>
+            </a:p>
+          </p:txBody>
+        </p:sp>
+        <p:cxnSp>
+          <p:nvCxnSpPr>
+            <p:cNvPr id="51" name="Straight Connector 50">
+              <a:extLst>
+                <a:ext uri="{FF2B5EF4-FFF2-40B4-BE49-F238E27FC236}">
+                  <a16:creationId xmlns:a16="http://schemas.microsoft.com/office/drawing/2014/main" id="{3959EF53-26B3-46CC-A9E3-EDD148861DCE}"/>
+                </a:ext>
+              </a:extLst>
+            </p:cNvPr>
+            <p:cNvCxnSpPr/>
+            <p:nvPr/>
+          </p:nvCxnSpPr>
+          <p:spPr bwMode="auto">
+            <a:xfrm>
+              <a:off x="4487395" y="5317310"/>
+              <a:ext cx="144462" cy="0"/>
+            </a:xfrm>
+            <a:prstGeom prst="line">
+              <a:avLst/>
+            </a:prstGeom>
+            <a:ln w="22225">
+              <a:solidFill>
+                <a:schemeClr val="tx1"/>
+              </a:solidFill>
+              <a:miter lim="800000"/>
+            </a:ln>
+          </p:spPr>
+          <p:style>
+            <a:lnRef idx="1">
+              <a:schemeClr val="accent1"/>
+            </a:lnRef>
+            <a:fillRef idx="0">
+              <a:schemeClr val="accent1"/>
+            </a:fillRef>
+            <a:effectRef idx="0">
+              <a:schemeClr val="accent1"/>
+            </a:effectRef>
+            <a:fontRef idx="minor">
+              <a:schemeClr val="tx1"/>
+            </a:fontRef>
+          </p:style>
+        </p:cxnSp>
+        <p:cxnSp>
+          <p:nvCxnSpPr>
+            <p:cNvPr id="52" name="Straight Connector 51">
+              <a:extLst>
+                <a:ext uri="{FF2B5EF4-FFF2-40B4-BE49-F238E27FC236}">
+                  <a16:creationId xmlns:a16="http://schemas.microsoft.com/office/drawing/2014/main" id="{6B8F6F8F-5513-A367-8B82-34ED9D311F32}"/>
+                </a:ext>
+              </a:extLst>
+            </p:cNvPr>
+            <p:cNvCxnSpPr/>
+            <p:nvPr/>
+          </p:nvCxnSpPr>
+          <p:spPr bwMode="auto">
+            <a:xfrm>
+              <a:off x="4487395" y="5398273"/>
+              <a:ext cx="144462" cy="0"/>
+            </a:xfrm>
+            <a:prstGeom prst="line">
+              <a:avLst/>
+            </a:prstGeom>
+            <a:ln w="22225">
+              <a:solidFill>
+                <a:schemeClr val="tx1"/>
+              </a:solidFill>
+              <a:miter lim="800000"/>
+            </a:ln>
+          </p:spPr>
+          <p:style>
+            <a:lnRef idx="1">
+              <a:schemeClr val="accent1"/>
+            </a:lnRef>
+            <a:fillRef idx="0">
+              <a:schemeClr val="accent1"/>
+            </a:fillRef>
+            <a:effectRef idx="0">
+              <a:schemeClr val="accent1"/>
+            </a:effectRef>
+            <a:fontRef idx="minor">
+              <a:schemeClr val="tx1"/>
+            </a:fontRef>
+          </p:style>
+        </p:cxnSp>
+      </p:grpSp>
+      <p:grpSp>
+        <p:nvGrpSpPr>
+          <p:cNvPr id="53" name="Group 52">
+            <a:extLst>
+              <a:ext uri="{FF2B5EF4-FFF2-40B4-BE49-F238E27FC236}">
+                <a16:creationId xmlns:a16="http://schemas.microsoft.com/office/drawing/2014/main" id="{B7D86574-8869-9D7C-F3B3-7DC9F092E38F}"/>
+              </a:ext>
+            </a:extLst>
+          </p:cNvPr>
+          <p:cNvGrpSpPr/>
+          <p:nvPr/>
+        </p:nvGrpSpPr>
+        <p:grpSpPr>
+          <a:xfrm rot="16200000">
+            <a:off x="1761915" y="3007477"/>
+            <a:ext cx="144462" cy="258762"/>
+            <a:chOff x="4487395" y="5226823"/>
+            <a:chExt cx="144462" cy="258762"/>
+          </a:xfrm>
+        </p:grpSpPr>
+        <p:sp>
+          <p:nvSpPr>
+            <p:cNvPr id="54" name="Rectangle 53">
+              <a:extLst>
+                <a:ext uri="{FF2B5EF4-FFF2-40B4-BE49-F238E27FC236}">
+                  <a16:creationId xmlns:a16="http://schemas.microsoft.com/office/drawing/2014/main" id="{306B8B09-B978-29CF-CF31-3A915FF99CDE}"/>
+                </a:ext>
+              </a:extLst>
+            </p:cNvPr>
+            <p:cNvSpPr/>
+            <p:nvPr/>
+          </p:nvSpPr>
+          <p:spPr bwMode="auto">
+            <a:xfrm>
+              <a:off x="4487395" y="5226823"/>
+              <a:ext cx="144462" cy="258762"/>
+            </a:xfrm>
+            <a:prstGeom prst="rect">
+              <a:avLst/>
+            </a:prstGeom>
+            <a:noFill/>
+            <a:ln w="19050">
+              <a:solidFill>
+                <a:schemeClr val="tx1"/>
+              </a:solidFill>
+              <a:miter lim="800000"/>
+            </a:ln>
+          </p:spPr>
+          <p:style>
+            <a:lnRef idx="2">
+              <a:schemeClr val="accent1">
+                <a:shade val="50000"/>
+              </a:schemeClr>
+            </a:lnRef>
+            <a:fillRef idx="1">
+              <a:schemeClr val="accent1"/>
+            </a:fillRef>
+            <a:effectRef idx="0">
+              <a:schemeClr val="accent1"/>
+            </a:effectRef>
+            <a:fontRef idx="minor">
+              <a:schemeClr val="lt1"/>
+            </a:fontRef>
+          </p:style>
+          <p:txBody>
+            <a:bodyPr anchor="ctr"/>
+            <a:lstStyle/>
+            <a:p>
+              <a:pPr algn="ctr">
+                <a:defRPr/>
+              </a:pPr>
+              <a:endParaRPr lang="en-GB">
+                <a:latin typeface="Calibri" panose="020F0502020204030204" pitchFamily="34" charset="0"/>
+                <a:cs typeface="Calibri" panose="020F0502020204030204" pitchFamily="34" charset="0"/>
+              </a:endParaRPr>
+            </a:p>
+          </p:txBody>
+        </p:sp>
+        <p:cxnSp>
+          <p:nvCxnSpPr>
+            <p:cNvPr id="55" name="Straight Connector 54">
+              <a:extLst>
+                <a:ext uri="{FF2B5EF4-FFF2-40B4-BE49-F238E27FC236}">
+                  <a16:creationId xmlns:a16="http://schemas.microsoft.com/office/drawing/2014/main" id="{3CBAECD1-600B-FECD-BCAF-A2CFEE17A4FB}"/>
+                </a:ext>
+              </a:extLst>
+            </p:cNvPr>
+            <p:cNvCxnSpPr/>
+            <p:nvPr/>
+          </p:nvCxnSpPr>
+          <p:spPr bwMode="auto">
+            <a:xfrm>
+              <a:off x="4487395" y="5317310"/>
+              <a:ext cx="144462" cy="0"/>
+            </a:xfrm>
+            <a:prstGeom prst="line">
+              <a:avLst/>
+            </a:prstGeom>
+            <a:ln w="22225">
+              <a:solidFill>
+                <a:schemeClr val="tx1"/>
+              </a:solidFill>
+              <a:miter lim="800000"/>
+            </a:ln>
+          </p:spPr>
+          <p:style>
+            <a:lnRef idx="1">
+              <a:schemeClr val="accent1"/>
+            </a:lnRef>
+            <a:fillRef idx="0">
+              <a:schemeClr val="accent1"/>
+            </a:fillRef>
+            <a:effectRef idx="0">
+              <a:schemeClr val="accent1"/>
+            </a:effectRef>
+            <a:fontRef idx="minor">
+              <a:schemeClr val="tx1"/>
+            </a:fontRef>
+          </p:style>
+        </p:cxnSp>
+        <p:cxnSp>
+          <p:nvCxnSpPr>
+            <p:cNvPr id="56" name="Straight Connector 55">
+              <a:extLst>
+                <a:ext uri="{FF2B5EF4-FFF2-40B4-BE49-F238E27FC236}">
+                  <a16:creationId xmlns:a16="http://schemas.microsoft.com/office/drawing/2014/main" id="{B1FD70AE-C641-D1A6-3083-A1229D9697C3}"/>
+                </a:ext>
+              </a:extLst>
+            </p:cNvPr>
+            <p:cNvCxnSpPr/>
+            <p:nvPr/>
+          </p:nvCxnSpPr>
+          <p:spPr bwMode="auto">
+            <a:xfrm>
+              <a:off x="4487395" y="5398273"/>
+              <a:ext cx="144462" cy="0"/>
+            </a:xfrm>
+            <a:prstGeom prst="line">
+              <a:avLst/>
+            </a:prstGeom>
+            <a:ln w="22225">
+              <a:solidFill>
+                <a:schemeClr val="tx1"/>
+              </a:solidFill>
+              <a:miter lim="800000"/>
+            </a:ln>
+          </p:spPr>
+          <p:style>
+            <a:lnRef idx="1">
+              <a:schemeClr val="accent1"/>
+            </a:lnRef>
+            <a:fillRef idx="0">
+              <a:schemeClr val="accent1"/>
+            </a:fillRef>
+            <a:effectRef idx="0">
+              <a:schemeClr val="accent1"/>
+            </a:effectRef>
+            <a:fontRef idx="minor">
+              <a:schemeClr val="tx1"/>
+            </a:fontRef>
+          </p:style>
+        </p:cxnSp>
+      </p:grpSp>
+      <p:grpSp>
+        <p:nvGrpSpPr>
+          <p:cNvPr id="57" name="Group 56">
+            <a:extLst>
+              <a:ext uri="{FF2B5EF4-FFF2-40B4-BE49-F238E27FC236}">
+                <a16:creationId xmlns:a16="http://schemas.microsoft.com/office/drawing/2014/main" id="{BECE346D-232A-C989-FA57-5800E5634E22}"/>
+              </a:ext>
+            </a:extLst>
+          </p:cNvPr>
+          <p:cNvGrpSpPr/>
+          <p:nvPr/>
+        </p:nvGrpSpPr>
+        <p:grpSpPr>
+          <a:xfrm rot="16200000">
+            <a:off x="3750438" y="3007478"/>
+            <a:ext cx="144462" cy="258762"/>
+            <a:chOff x="4487395" y="5226823"/>
+            <a:chExt cx="144462" cy="258762"/>
+          </a:xfrm>
+        </p:grpSpPr>
+        <p:sp>
+          <p:nvSpPr>
+            <p:cNvPr id="58" name="Rectangle 57">
+              <a:extLst>
+                <a:ext uri="{FF2B5EF4-FFF2-40B4-BE49-F238E27FC236}">
+                  <a16:creationId xmlns:a16="http://schemas.microsoft.com/office/drawing/2014/main" id="{34860334-EBAF-D101-BE04-9B1E30C5B352}"/>
+                </a:ext>
+              </a:extLst>
+            </p:cNvPr>
+            <p:cNvSpPr/>
+            <p:nvPr/>
+          </p:nvSpPr>
+          <p:spPr bwMode="auto">
+            <a:xfrm>
+              <a:off x="4487395" y="5226823"/>
+              <a:ext cx="144462" cy="258762"/>
+            </a:xfrm>
+            <a:prstGeom prst="rect">
+              <a:avLst/>
+            </a:prstGeom>
+            <a:noFill/>
+            <a:ln w="19050">
+              <a:solidFill>
+                <a:schemeClr val="tx1"/>
+              </a:solidFill>
+              <a:miter lim="800000"/>
+            </a:ln>
+          </p:spPr>
+          <p:style>
+            <a:lnRef idx="2">
+              <a:schemeClr val="accent1">
+                <a:shade val="50000"/>
+              </a:schemeClr>
+            </a:lnRef>
+            <a:fillRef idx="1">
+              <a:schemeClr val="accent1"/>
+            </a:fillRef>
+            <a:effectRef idx="0">
+              <a:schemeClr val="accent1"/>
+            </a:effectRef>
+            <a:fontRef idx="minor">
+              <a:schemeClr val="lt1"/>
+            </a:fontRef>
+          </p:style>
+          <p:txBody>
+            <a:bodyPr anchor="ctr"/>
+            <a:lstStyle/>
+            <a:p>
+              <a:pPr algn="ctr">
+                <a:defRPr/>
+              </a:pPr>
+              <a:endParaRPr lang="en-GB">
+                <a:latin typeface="Calibri" panose="020F0502020204030204" pitchFamily="34" charset="0"/>
+                <a:cs typeface="Calibri" panose="020F0502020204030204" pitchFamily="34" charset="0"/>
+              </a:endParaRPr>
+            </a:p>
+          </p:txBody>
+        </p:sp>
+        <p:cxnSp>
+          <p:nvCxnSpPr>
+            <p:cNvPr id="59" name="Straight Connector 58">
+              <a:extLst>
+                <a:ext uri="{FF2B5EF4-FFF2-40B4-BE49-F238E27FC236}">
+                  <a16:creationId xmlns:a16="http://schemas.microsoft.com/office/drawing/2014/main" id="{2DA4AE7D-5527-F9DE-D8B1-3F85B8EE602C}"/>
+                </a:ext>
+              </a:extLst>
+            </p:cNvPr>
+            <p:cNvCxnSpPr/>
+            <p:nvPr/>
+          </p:nvCxnSpPr>
+          <p:spPr bwMode="auto">
+            <a:xfrm>
+              <a:off x="4487395" y="5317310"/>
+              <a:ext cx="144462" cy="0"/>
+            </a:xfrm>
+            <a:prstGeom prst="line">
+              <a:avLst/>
+            </a:prstGeom>
+            <a:ln w="22225">
+              <a:solidFill>
+                <a:schemeClr val="tx1"/>
+              </a:solidFill>
+              <a:miter lim="800000"/>
+            </a:ln>
+          </p:spPr>
+          <p:style>
+            <a:lnRef idx="1">
+              <a:schemeClr val="accent1"/>
+            </a:lnRef>
+            <a:fillRef idx="0">
+              <a:schemeClr val="accent1"/>
+            </a:fillRef>
+            <a:effectRef idx="0">
+              <a:schemeClr val="accent1"/>
+            </a:effectRef>
+            <a:fontRef idx="minor">
+              <a:schemeClr val="tx1"/>
+            </a:fontRef>
+          </p:style>
+        </p:cxnSp>
+        <p:cxnSp>
+          <p:nvCxnSpPr>
+            <p:cNvPr id="60" name="Straight Connector 59">
+              <a:extLst>
+                <a:ext uri="{FF2B5EF4-FFF2-40B4-BE49-F238E27FC236}">
+                  <a16:creationId xmlns:a16="http://schemas.microsoft.com/office/drawing/2014/main" id="{CCA21309-6EDD-148C-FC32-807B6C94C582}"/>
+                </a:ext>
+              </a:extLst>
+            </p:cNvPr>
+            <p:cNvCxnSpPr/>
+            <p:nvPr/>
+          </p:nvCxnSpPr>
+          <p:spPr bwMode="auto">
+            <a:xfrm>
+              <a:off x="4487395" y="5398273"/>
+              <a:ext cx="144462" cy="0"/>
+            </a:xfrm>
+            <a:prstGeom prst="line">
+              <a:avLst/>
+            </a:prstGeom>
+            <a:ln w="22225">
+              <a:solidFill>
+                <a:schemeClr val="tx1"/>
+              </a:solidFill>
+              <a:miter lim="800000"/>
+            </a:ln>
+          </p:spPr>
+          <p:style>
+            <a:lnRef idx="1">
+              <a:schemeClr val="accent1"/>
+            </a:lnRef>
+            <a:fillRef idx="0">
+              <a:schemeClr val="accent1"/>
+            </a:fillRef>
+            <a:effectRef idx="0">
+              <a:schemeClr val="accent1"/>
+            </a:effectRef>
+            <a:fontRef idx="minor">
+              <a:schemeClr val="tx1"/>
+            </a:fontRef>
+          </p:style>
+        </p:cxnSp>
+      </p:grpSp>
+      <p:grpSp>
+        <p:nvGrpSpPr>
+          <p:cNvPr id="61" name="Group 60">
+            <a:extLst>
+              <a:ext uri="{FF2B5EF4-FFF2-40B4-BE49-F238E27FC236}">
+                <a16:creationId xmlns:a16="http://schemas.microsoft.com/office/drawing/2014/main" id="{EC96AA78-5390-4FFB-5277-E455796BC6EB}"/>
+              </a:ext>
+            </a:extLst>
+          </p:cNvPr>
+          <p:cNvGrpSpPr/>
+          <p:nvPr/>
+        </p:nvGrpSpPr>
+        <p:grpSpPr>
+          <a:xfrm rot="16200000">
+            <a:off x="4739188" y="3007477"/>
+            <a:ext cx="144462" cy="258762"/>
+            <a:chOff x="4487395" y="5226823"/>
+            <a:chExt cx="144462" cy="258762"/>
+          </a:xfrm>
+        </p:grpSpPr>
+        <p:sp>
+          <p:nvSpPr>
+            <p:cNvPr id="62" name="Rectangle 61">
+              <a:extLst>
+                <a:ext uri="{FF2B5EF4-FFF2-40B4-BE49-F238E27FC236}">
+                  <a16:creationId xmlns:a16="http://schemas.microsoft.com/office/drawing/2014/main" id="{7BE698F5-3AE3-9DD5-F1E9-9BACEB08691D}"/>
+                </a:ext>
+              </a:extLst>
+            </p:cNvPr>
+            <p:cNvSpPr/>
+            <p:nvPr/>
+          </p:nvSpPr>
+          <p:spPr bwMode="auto">
+            <a:xfrm>
+              <a:off x="4487395" y="5226823"/>
+              <a:ext cx="144462" cy="258762"/>
+            </a:xfrm>
+            <a:prstGeom prst="rect">
+              <a:avLst/>
+            </a:prstGeom>
+            <a:noFill/>
+            <a:ln w="19050">
+              <a:solidFill>
+                <a:schemeClr val="tx1"/>
+              </a:solidFill>
+              <a:miter lim="800000"/>
+            </a:ln>
+          </p:spPr>
+          <p:style>
+            <a:lnRef idx="2">
+              <a:schemeClr val="accent1">
+                <a:shade val="50000"/>
+              </a:schemeClr>
+            </a:lnRef>
+            <a:fillRef idx="1">
+              <a:schemeClr val="accent1"/>
+            </a:fillRef>
+            <a:effectRef idx="0">
+              <a:schemeClr val="accent1"/>
+            </a:effectRef>
+            <a:fontRef idx="minor">
+              <a:schemeClr val="lt1"/>
+            </a:fontRef>
+          </p:style>
+          <p:txBody>
+            <a:bodyPr anchor="ctr"/>
+            <a:lstStyle/>
+            <a:p>
+              <a:pPr algn="ctr">
+                <a:defRPr/>
+              </a:pPr>
+              <a:endParaRPr lang="en-GB">
+                <a:latin typeface="Calibri" panose="020F0502020204030204" pitchFamily="34" charset="0"/>
+                <a:cs typeface="Calibri" panose="020F0502020204030204" pitchFamily="34" charset="0"/>
+              </a:endParaRPr>
+            </a:p>
+          </p:txBody>
+        </p:sp>
+        <p:cxnSp>
+          <p:nvCxnSpPr>
+            <p:cNvPr id="63" name="Straight Connector 62">
+              <a:extLst>
+                <a:ext uri="{FF2B5EF4-FFF2-40B4-BE49-F238E27FC236}">
+                  <a16:creationId xmlns:a16="http://schemas.microsoft.com/office/drawing/2014/main" id="{E6543188-9E3D-141F-A83F-9235AA9617CC}"/>
+                </a:ext>
+              </a:extLst>
+            </p:cNvPr>
+            <p:cNvCxnSpPr/>
+            <p:nvPr/>
+          </p:nvCxnSpPr>
+          <p:spPr bwMode="auto">
+            <a:xfrm>
+              <a:off x="4487395" y="5317310"/>
+              <a:ext cx="144462" cy="0"/>
+            </a:xfrm>
+            <a:prstGeom prst="line">
+              <a:avLst/>
+            </a:prstGeom>
+            <a:ln w="22225">
+              <a:solidFill>
+                <a:schemeClr val="tx1"/>
+              </a:solidFill>
+              <a:miter lim="800000"/>
+            </a:ln>
+          </p:spPr>
+          <p:style>
+            <a:lnRef idx="1">
+              <a:schemeClr val="accent1"/>
+            </a:lnRef>
+            <a:fillRef idx="0">
+              <a:schemeClr val="accent1"/>
+            </a:fillRef>
+            <a:effectRef idx="0">
+              <a:schemeClr val="accent1"/>
+            </a:effectRef>
+            <a:fontRef idx="minor">
+              <a:schemeClr val="tx1"/>
+            </a:fontRef>
+          </p:style>
+        </p:cxnSp>
+        <p:cxnSp>
+          <p:nvCxnSpPr>
+            <p:cNvPr id="64" name="Straight Connector 63">
+              <a:extLst>
+                <a:ext uri="{FF2B5EF4-FFF2-40B4-BE49-F238E27FC236}">
+                  <a16:creationId xmlns:a16="http://schemas.microsoft.com/office/drawing/2014/main" id="{B6C9E1EB-738B-E901-D323-D6A69B828AD9}"/>
+                </a:ext>
+              </a:extLst>
+            </p:cNvPr>
+            <p:cNvCxnSpPr/>
+            <p:nvPr/>
+          </p:nvCxnSpPr>
+          <p:spPr bwMode="auto">
+            <a:xfrm>
+              <a:off x="4487395" y="5398273"/>
+              <a:ext cx="144462" cy="0"/>
+            </a:xfrm>
+            <a:prstGeom prst="line">
+              <a:avLst/>
+            </a:prstGeom>
+            <a:ln w="22225">
+              <a:solidFill>
+                <a:schemeClr val="tx1"/>
+              </a:solidFill>
+              <a:miter lim="800000"/>
+            </a:ln>
+          </p:spPr>
+          <p:style>
+            <a:lnRef idx="1">
+              <a:schemeClr val="accent1"/>
+            </a:lnRef>
+            <a:fillRef idx="0">
+              <a:schemeClr val="accent1"/>
+            </a:fillRef>
+            <a:effectRef idx="0">
+              <a:schemeClr val="accent1"/>
+            </a:effectRef>
+            <a:fontRef idx="minor">
+              <a:schemeClr val="tx1"/>
+            </a:fontRef>
+          </p:style>
+        </p:cxnSp>
+      </p:grpSp>
+      <p:grpSp>
+        <p:nvGrpSpPr>
+          <p:cNvPr id="65" name="Group 64">
+            <a:extLst>
+              <a:ext uri="{FF2B5EF4-FFF2-40B4-BE49-F238E27FC236}">
+                <a16:creationId xmlns:a16="http://schemas.microsoft.com/office/drawing/2014/main" id="{CC45F4A0-0234-2256-4938-48FB981056BA}"/>
+              </a:ext>
+            </a:extLst>
+          </p:cNvPr>
+          <p:cNvGrpSpPr/>
+          <p:nvPr/>
+        </p:nvGrpSpPr>
+        <p:grpSpPr>
+          <a:xfrm rot="16200000">
+            <a:off x="6541018" y="3007478"/>
+            <a:ext cx="144462" cy="258762"/>
+            <a:chOff x="4487395" y="5226823"/>
+            <a:chExt cx="144462" cy="258762"/>
+          </a:xfrm>
+        </p:grpSpPr>
+        <p:sp>
+          <p:nvSpPr>
+            <p:cNvPr id="66" name="Rectangle 65">
+              <a:extLst>
+                <a:ext uri="{FF2B5EF4-FFF2-40B4-BE49-F238E27FC236}">
+                  <a16:creationId xmlns:a16="http://schemas.microsoft.com/office/drawing/2014/main" id="{0274323A-180A-FA38-5DCB-E9660FF8F644}"/>
+                </a:ext>
+              </a:extLst>
+            </p:cNvPr>
+            <p:cNvSpPr/>
+            <p:nvPr/>
+          </p:nvSpPr>
+          <p:spPr bwMode="auto">
+            <a:xfrm>
+              <a:off x="4487395" y="5226823"/>
+              <a:ext cx="144462" cy="258762"/>
+            </a:xfrm>
+            <a:prstGeom prst="rect">
+              <a:avLst/>
+            </a:prstGeom>
+            <a:noFill/>
+            <a:ln w="19050">
+              <a:solidFill>
+                <a:schemeClr val="tx1"/>
+              </a:solidFill>
+              <a:miter lim="800000"/>
+            </a:ln>
+          </p:spPr>
+          <p:style>
+            <a:lnRef idx="2">
+              <a:schemeClr val="accent1">
+                <a:shade val="50000"/>
+              </a:schemeClr>
+            </a:lnRef>
+            <a:fillRef idx="1">
+              <a:schemeClr val="accent1"/>
+            </a:fillRef>
+            <a:effectRef idx="0">
+              <a:schemeClr val="accent1"/>
+            </a:effectRef>
+            <a:fontRef idx="minor">
+              <a:schemeClr val="lt1"/>
+            </a:fontRef>
+          </p:style>
+          <p:txBody>
+            <a:bodyPr anchor="ctr"/>
+            <a:lstStyle/>
+            <a:p>
+              <a:pPr algn="ctr">
+                <a:defRPr/>
+              </a:pPr>
+              <a:endParaRPr lang="en-GB">
+                <a:latin typeface="Calibri" panose="020F0502020204030204" pitchFamily="34" charset="0"/>
+                <a:cs typeface="Calibri" panose="020F0502020204030204" pitchFamily="34" charset="0"/>
+              </a:endParaRPr>
+            </a:p>
+          </p:txBody>
+        </p:sp>
+        <p:cxnSp>
+          <p:nvCxnSpPr>
+            <p:cNvPr id="67" name="Straight Connector 66">
+              <a:extLst>
+                <a:ext uri="{FF2B5EF4-FFF2-40B4-BE49-F238E27FC236}">
+                  <a16:creationId xmlns:a16="http://schemas.microsoft.com/office/drawing/2014/main" id="{C01D5F6D-FB8C-9785-54E3-AAC29F4DEE4A}"/>
+                </a:ext>
+              </a:extLst>
+            </p:cNvPr>
+            <p:cNvCxnSpPr/>
+            <p:nvPr/>
+          </p:nvCxnSpPr>
+          <p:spPr bwMode="auto">
+            <a:xfrm>
+              <a:off x="4487395" y="5317310"/>
+              <a:ext cx="144462" cy="0"/>
+            </a:xfrm>
+            <a:prstGeom prst="line">
+              <a:avLst/>
+            </a:prstGeom>
+            <a:ln w="22225">
+              <a:solidFill>
+                <a:schemeClr val="tx1"/>
+              </a:solidFill>
+              <a:miter lim="800000"/>
+            </a:ln>
+          </p:spPr>
+          <p:style>
+            <a:lnRef idx="1">
+              <a:schemeClr val="accent1"/>
+            </a:lnRef>
+            <a:fillRef idx="0">
+              <a:schemeClr val="accent1"/>
+            </a:fillRef>
+            <a:effectRef idx="0">
+              <a:schemeClr val="accent1"/>
+            </a:effectRef>
+            <a:fontRef idx="minor">
+              <a:schemeClr val="tx1"/>
+            </a:fontRef>
+          </p:style>
+        </p:cxnSp>
+        <p:cxnSp>
+          <p:nvCxnSpPr>
+            <p:cNvPr id="68" name="Straight Connector 67">
+              <a:extLst>
+                <a:ext uri="{FF2B5EF4-FFF2-40B4-BE49-F238E27FC236}">
+                  <a16:creationId xmlns:a16="http://schemas.microsoft.com/office/drawing/2014/main" id="{A256B16C-0C0C-586C-9AA0-4B7B0172406F}"/>
+                </a:ext>
+              </a:extLst>
+            </p:cNvPr>
+            <p:cNvCxnSpPr/>
+            <p:nvPr/>
+          </p:nvCxnSpPr>
+          <p:spPr bwMode="auto">
+            <a:xfrm>
+              <a:off x="4487395" y="5398273"/>
+              <a:ext cx="144462" cy="0"/>
+            </a:xfrm>
+            <a:prstGeom prst="line">
+              <a:avLst/>
+            </a:prstGeom>
+            <a:ln w="22225">
+              <a:solidFill>
+                <a:schemeClr val="tx1"/>
+              </a:solidFill>
+              <a:miter lim="800000"/>
+            </a:ln>
+          </p:spPr>
+          <p:style>
+            <a:lnRef idx="1">
+              <a:schemeClr val="accent1"/>
+            </a:lnRef>
+            <a:fillRef idx="0">
+              <a:schemeClr val="accent1"/>
+            </a:fillRef>
+            <a:effectRef idx="0">
+              <a:schemeClr val="accent1"/>
+            </a:effectRef>
+            <a:fontRef idx="minor">
+              <a:schemeClr val="tx1"/>
+            </a:fontRef>
+          </p:style>
+        </p:cxnSp>
+      </p:grpSp>
+      <p:grpSp>
+        <p:nvGrpSpPr>
+          <p:cNvPr id="69" name="Group 68">
+            <a:extLst>
+              <a:ext uri="{FF2B5EF4-FFF2-40B4-BE49-F238E27FC236}">
+                <a16:creationId xmlns:a16="http://schemas.microsoft.com/office/drawing/2014/main" id="{66DC7342-24F4-64C4-721A-958586BE9662}"/>
+              </a:ext>
+            </a:extLst>
+          </p:cNvPr>
+          <p:cNvGrpSpPr/>
+          <p:nvPr/>
+        </p:nvGrpSpPr>
+        <p:grpSpPr>
+          <a:xfrm rot="16200000">
+            <a:off x="8029583" y="3007478"/>
+            <a:ext cx="144462" cy="258762"/>
+            <a:chOff x="4487395" y="5226823"/>
+            <a:chExt cx="144462" cy="258762"/>
+          </a:xfrm>
+        </p:grpSpPr>
+        <p:sp>
+          <p:nvSpPr>
+            <p:cNvPr id="70" name="Rectangle 69">
+              <a:extLst>
+                <a:ext uri="{FF2B5EF4-FFF2-40B4-BE49-F238E27FC236}">
+                  <a16:creationId xmlns:a16="http://schemas.microsoft.com/office/drawing/2014/main" id="{A0B3B0EF-8F27-C07B-D574-186ADBF99F28}"/>
+                </a:ext>
+              </a:extLst>
+            </p:cNvPr>
+            <p:cNvSpPr/>
+            <p:nvPr/>
+          </p:nvSpPr>
+          <p:spPr bwMode="auto">
+            <a:xfrm>
+              <a:off x="4487395" y="5226823"/>
+              <a:ext cx="144462" cy="258762"/>
+            </a:xfrm>
+            <a:prstGeom prst="rect">
+              <a:avLst/>
+            </a:prstGeom>
+            <a:noFill/>
+            <a:ln w="19050">
+              <a:solidFill>
+                <a:schemeClr val="tx1"/>
+              </a:solidFill>
+              <a:miter lim="800000"/>
+            </a:ln>
+          </p:spPr>
+          <p:style>
+            <a:lnRef idx="2">
+              <a:schemeClr val="accent1">
+                <a:shade val="50000"/>
+              </a:schemeClr>
+            </a:lnRef>
+            <a:fillRef idx="1">
+              <a:schemeClr val="accent1"/>
+            </a:fillRef>
+            <a:effectRef idx="0">
+              <a:schemeClr val="accent1"/>
+            </a:effectRef>
+            <a:fontRef idx="minor">
+              <a:schemeClr val="lt1"/>
+            </a:fontRef>
+          </p:style>
+          <p:txBody>
+            <a:bodyPr anchor="ctr"/>
+            <a:lstStyle/>
+            <a:p>
+              <a:pPr algn="ctr">
+                <a:defRPr/>
+              </a:pPr>
+              <a:endParaRPr lang="en-GB">
+                <a:latin typeface="Calibri" panose="020F0502020204030204" pitchFamily="34" charset="0"/>
+                <a:cs typeface="Calibri" panose="020F0502020204030204" pitchFamily="34" charset="0"/>
+              </a:endParaRPr>
+            </a:p>
+          </p:txBody>
+        </p:sp>
+        <p:cxnSp>
+          <p:nvCxnSpPr>
+            <p:cNvPr id="71" name="Straight Connector 70">
+              <a:extLst>
+                <a:ext uri="{FF2B5EF4-FFF2-40B4-BE49-F238E27FC236}">
+                  <a16:creationId xmlns:a16="http://schemas.microsoft.com/office/drawing/2014/main" id="{306D0612-0939-C44B-B7B8-9A74F60B09D1}"/>
+                </a:ext>
+              </a:extLst>
+            </p:cNvPr>
+            <p:cNvCxnSpPr/>
+            <p:nvPr/>
+          </p:nvCxnSpPr>
+          <p:spPr bwMode="auto">
+            <a:xfrm>
+              <a:off x="4487395" y="5317310"/>
+              <a:ext cx="144462" cy="0"/>
+            </a:xfrm>
+            <a:prstGeom prst="line">
+              <a:avLst/>
+            </a:prstGeom>
+            <a:ln w="22225">
+              <a:solidFill>
+                <a:schemeClr val="tx1"/>
+              </a:solidFill>
+              <a:miter lim="800000"/>
+            </a:ln>
+          </p:spPr>
+          <p:style>
+            <a:lnRef idx="1">
+              <a:schemeClr val="accent1"/>
+            </a:lnRef>
+            <a:fillRef idx="0">
+              <a:schemeClr val="accent1"/>
+            </a:fillRef>
+            <a:effectRef idx="0">
+              <a:schemeClr val="accent1"/>
+            </a:effectRef>
+            <a:fontRef idx="minor">
+              <a:schemeClr val="tx1"/>
+            </a:fontRef>
+          </p:style>
+        </p:cxnSp>
+        <p:cxnSp>
+          <p:nvCxnSpPr>
+            <p:cNvPr id="72" name="Straight Connector 71">
+              <a:extLst>
+                <a:ext uri="{FF2B5EF4-FFF2-40B4-BE49-F238E27FC236}">
+                  <a16:creationId xmlns:a16="http://schemas.microsoft.com/office/drawing/2014/main" id="{FA335403-ACC1-97E7-988E-D84282F5E5F9}"/>
+                </a:ext>
+              </a:extLst>
+            </p:cNvPr>
+            <p:cNvCxnSpPr/>
+            <p:nvPr/>
+          </p:nvCxnSpPr>
+          <p:spPr bwMode="auto">
+            <a:xfrm>
+              <a:off x="4487395" y="5398273"/>
+              <a:ext cx="144462" cy="0"/>
+            </a:xfrm>
+            <a:prstGeom prst="line">
+              <a:avLst/>
+            </a:prstGeom>
+            <a:ln w="22225">
+              <a:solidFill>
+                <a:schemeClr val="tx1"/>
+              </a:solidFill>
+              <a:miter lim="800000"/>
+            </a:ln>
+          </p:spPr>
+          <p:style>
+            <a:lnRef idx="1">
+              <a:schemeClr val="accent1"/>
+            </a:lnRef>
+            <a:fillRef idx="0">
+              <a:schemeClr val="accent1"/>
+            </a:fillRef>
+            <a:effectRef idx="0">
+              <a:schemeClr val="accent1"/>
+            </a:effectRef>
+            <a:fontRef idx="minor">
+              <a:schemeClr val="tx1"/>
+            </a:fontRef>
+          </p:style>
+        </p:cxnSp>
+      </p:grpSp>
+      <p:grpSp>
+        <p:nvGrpSpPr>
+          <p:cNvPr id="73" name="Group 72">
+            <a:extLst>
+              <a:ext uri="{FF2B5EF4-FFF2-40B4-BE49-F238E27FC236}">
+                <a16:creationId xmlns:a16="http://schemas.microsoft.com/office/drawing/2014/main" id="{1107D760-DF0E-EA61-1DA9-995C1927C7D9}"/>
+              </a:ext>
+            </a:extLst>
+          </p:cNvPr>
+          <p:cNvGrpSpPr/>
+          <p:nvPr/>
+        </p:nvGrpSpPr>
+        <p:grpSpPr>
+          <a:xfrm rot="16200000">
+            <a:off x="8723352" y="3007477"/>
+            <a:ext cx="144462" cy="258762"/>
+            <a:chOff x="4487395" y="5226823"/>
+            <a:chExt cx="144462" cy="258762"/>
+          </a:xfrm>
+        </p:grpSpPr>
+        <p:sp>
+          <p:nvSpPr>
+            <p:cNvPr id="74" name="Rectangle 73">
+              <a:extLst>
+                <a:ext uri="{FF2B5EF4-FFF2-40B4-BE49-F238E27FC236}">
+                  <a16:creationId xmlns:a16="http://schemas.microsoft.com/office/drawing/2014/main" id="{6658EEA5-5542-CA65-44EB-659EA588C582}"/>
+                </a:ext>
+              </a:extLst>
+            </p:cNvPr>
+            <p:cNvSpPr/>
+            <p:nvPr/>
+          </p:nvSpPr>
+          <p:spPr bwMode="auto">
+            <a:xfrm>
+              <a:off x="4487395" y="5226823"/>
+              <a:ext cx="144462" cy="258762"/>
+            </a:xfrm>
+            <a:prstGeom prst="rect">
+              <a:avLst/>
+            </a:prstGeom>
+            <a:noFill/>
+            <a:ln w="19050">
+              <a:solidFill>
+                <a:schemeClr val="tx1"/>
+              </a:solidFill>
+              <a:miter lim="800000"/>
+            </a:ln>
+          </p:spPr>
+          <p:style>
+            <a:lnRef idx="2">
+              <a:schemeClr val="accent1">
+                <a:shade val="50000"/>
+              </a:schemeClr>
+            </a:lnRef>
+            <a:fillRef idx="1">
+              <a:schemeClr val="accent1"/>
+            </a:fillRef>
+            <a:effectRef idx="0">
+              <a:schemeClr val="accent1"/>
+            </a:effectRef>
+            <a:fontRef idx="minor">
+              <a:schemeClr val="lt1"/>
+            </a:fontRef>
+          </p:style>
+          <p:txBody>
+            <a:bodyPr anchor="ctr"/>
+            <a:lstStyle/>
+            <a:p>
+              <a:pPr algn="ctr">
+                <a:defRPr/>
+              </a:pPr>
+              <a:endParaRPr lang="en-GB">
+                <a:latin typeface="Calibri" panose="020F0502020204030204" pitchFamily="34" charset="0"/>
+                <a:cs typeface="Calibri" panose="020F0502020204030204" pitchFamily="34" charset="0"/>
+              </a:endParaRPr>
+            </a:p>
+          </p:txBody>
+        </p:sp>
+        <p:cxnSp>
+          <p:nvCxnSpPr>
+            <p:cNvPr id="75" name="Straight Connector 74">
+              <a:extLst>
+                <a:ext uri="{FF2B5EF4-FFF2-40B4-BE49-F238E27FC236}">
+                  <a16:creationId xmlns:a16="http://schemas.microsoft.com/office/drawing/2014/main" id="{AD660E7C-5F6C-B3F3-5904-FD9C007B7D0B}"/>
+                </a:ext>
+              </a:extLst>
+            </p:cNvPr>
+            <p:cNvCxnSpPr/>
+            <p:nvPr/>
+          </p:nvCxnSpPr>
+          <p:spPr bwMode="auto">
+            <a:xfrm>
+              <a:off x="4487395" y="5317310"/>
+              <a:ext cx="144462" cy="0"/>
+            </a:xfrm>
+            <a:prstGeom prst="line">
+              <a:avLst/>
+            </a:prstGeom>
+            <a:ln w="22225">
+              <a:solidFill>
+                <a:schemeClr val="tx1"/>
+              </a:solidFill>
+              <a:miter lim="800000"/>
+            </a:ln>
+          </p:spPr>
+          <p:style>
+            <a:lnRef idx="1">
+              <a:schemeClr val="accent1"/>
+            </a:lnRef>
+            <a:fillRef idx="0">
+              <a:schemeClr val="accent1"/>
+            </a:fillRef>
+            <a:effectRef idx="0">
+              <a:schemeClr val="accent1"/>
+            </a:effectRef>
+            <a:fontRef idx="minor">
+              <a:schemeClr val="tx1"/>
+            </a:fontRef>
+          </p:style>
+        </p:cxnSp>
+        <p:cxnSp>
+          <p:nvCxnSpPr>
+            <p:cNvPr id="76" name="Straight Connector 75">
+              <a:extLst>
+                <a:ext uri="{FF2B5EF4-FFF2-40B4-BE49-F238E27FC236}">
+                  <a16:creationId xmlns:a16="http://schemas.microsoft.com/office/drawing/2014/main" id="{0CCE0327-E47C-4A4D-D2E5-8625728993D5}"/>
+                </a:ext>
+              </a:extLst>
+            </p:cNvPr>
+            <p:cNvCxnSpPr/>
+            <p:nvPr/>
+          </p:nvCxnSpPr>
+          <p:spPr bwMode="auto">
+            <a:xfrm>
+              <a:off x="4487395" y="5398273"/>
+              <a:ext cx="144462" cy="0"/>
+            </a:xfrm>
+            <a:prstGeom prst="line">
+              <a:avLst/>
+            </a:prstGeom>
+            <a:ln w="22225">
+              <a:solidFill>
+                <a:schemeClr val="tx1"/>
+              </a:solidFill>
+              <a:miter lim="800000"/>
+            </a:ln>
+          </p:spPr>
+          <p:style>
+            <a:lnRef idx="1">
+              <a:schemeClr val="accent1"/>
+            </a:lnRef>
+            <a:fillRef idx="0">
+              <a:schemeClr val="accent1"/>
+            </a:fillRef>
+            <a:effectRef idx="0">
+              <a:schemeClr val="accent1"/>
+            </a:effectRef>
+            <a:fontRef idx="minor">
+              <a:schemeClr val="tx1"/>
+            </a:fontRef>
+          </p:style>
+        </p:cxnSp>
+      </p:grpSp>
+      <p:grpSp>
+        <p:nvGrpSpPr>
+          <p:cNvPr id="77" name="Group 76">
+            <a:extLst>
+              <a:ext uri="{FF2B5EF4-FFF2-40B4-BE49-F238E27FC236}">
+                <a16:creationId xmlns:a16="http://schemas.microsoft.com/office/drawing/2014/main" id="{BD0B5BC5-7D07-2CC3-9F3A-57F21F9B30E9}"/>
+              </a:ext>
+            </a:extLst>
+          </p:cNvPr>
+          <p:cNvGrpSpPr/>
+          <p:nvPr/>
+        </p:nvGrpSpPr>
+        <p:grpSpPr>
+          <a:xfrm rot="16200000">
+            <a:off x="9417123" y="3007477"/>
+            <a:ext cx="144462" cy="258762"/>
+            <a:chOff x="4487395" y="5226823"/>
+            <a:chExt cx="144462" cy="258762"/>
+          </a:xfrm>
+        </p:grpSpPr>
+        <p:sp>
+          <p:nvSpPr>
+            <p:cNvPr id="78" name="Rectangle 77">
+              <a:extLst>
+                <a:ext uri="{FF2B5EF4-FFF2-40B4-BE49-F238E27FC236}">
+                  <a16:creationId xmlns:a16="http://schemas.microsoft.com/office/drawing/2014/main" id="{3E50E73F-E082-A265-C82A-B84CBE2DBF34}"/>
+                </a:ext>
+              </a:extLst>
+            </p:cNvPr>
+            <p:cNvSpPr/>
+            <p:nvPr/>
+          </p:nvSpPr>
+          <p:spPr bwMode="auto">
+            <a:xfrm>
+              <a:off x="4487395" y="5226823"/>
+              <a:ext cx="144462" cy="258762"/>
+            </a:xfrm>
+            <a:prstGeom prst="rect">
+              <a:avLst/>
+            </a:prstGeom>
+            <a:noFill/>
+            <a:ln w="19050">
+              <a:solidFill>
+                <a:schemeClr val="tx1"/>
+              </a:solidFill>
+              <a:miter lim="800000"/>
+            </a:ln>
+          </p:spPr>
+          <p:style>
+            <a:lnRef idx="2">
+              <a:schemeClr val="accent1">
+                <a:shade val="50000"/>
+              </a:schemeClr>
+            </a:lnRef>
+            <a:fillRef idx="1">
+              <a:schemeClr val="accent1"/>
+            </a:fillRef>
+            <a:effectRef idx="0">
+              <a:schemeClr val="accent1"/>
+            </a:effectRef>
+            <a:fontRef idx="minor">
+              <a:schemeClr val="lt1"/>
+            </a:fontRef>
+          </p:style>
+          <p:txBody>
+            <a:bodyPr anchor="ctr"/>
+            <a:lstStyle/>
+            <a:p>
+              <a:pPr algn="ctr">
+                <a:defRPr/>
+              </a:pPr>
+              <a:endParaRPr lang="en-GB">
+                <a:latin typeface="Calibri" panose="020F0502020204030204" pitchFamily="34" charset="0"/>
+                <a:cs typeface="Calibri" panose="020F0502020204030204" pitchFamily="34" charset="0"/>
+              </a:endParaRPr>
+            </a:p>
+          </p:txBody>
+        </p:sp>
+        <p:cxnSp>
+          <p:nvCxnSpPr>
+            <p:cNvPr id="79" name="Straight Connector 78">
+              <a:extLst>
+                <a:ext uri="{FF2B5EF4-FFF2-40B4-BE49-F238E27FC236}">
+                  <a16:creationId xmlns:a16="http://schemas.microsoft.com/office/drawing/2014/main" id="{E69159E5-F3FA-6C4D-5631-301C0AF0F7FC}"/>
+                </a:ext>
+              </a:extLst>
+            </p:cNvPr>
+            <p:cNvCxnSpPr/>
+            <p:nvPr/>
+          </p:nvCxnSpPr>
+          <p:spPr bwMode="auto">
+            <a:xfrm>
+              <a:off x="4487395" y="5317310"/>
+              <a:ext cx="144462" cy="0"/>
+            </a:xfrm>
+            <a:prstGeom prst="line">
+              <a:avLst/>
+            </a:prstGeom>
+            <a:ln w="22225">
+              <a:solidFill>
+                <a:schemeClr val="tx1"/>
+              </a:solidFill>
+              <a:miter lim="800000"/>
+            </a:ln>
+          </p:spPr>
+          <p:style>
+            <a:lnRef idx="1">
+              <a:schemeClr val="accent1"/>
+            </a:lnRef>
+            <a:fillRef idx="0">
+              <a:schemeClr val="accent1"/>
+            </a:fillRef>
+            <a:effectRef idx="0">
+              <a:schemeClr val="accent1"/>
+            </a:effectRef>
+            <a:fontRef idx="minor">
+              <a:schemeClr val="tx1"/>
+            </a:fontRef>
+          </p:style>
+        </p:cxnSp>
+        <p:cxnSp>
+          <p:nvCxnSpPr>
+            <p:cNvPr id="80" name="Straight Connector 79">
+              <a:extLst>
+                <a:ext uri="{FF2B5EF4-FFF2-40B4-BE49-F238E27FC236}">
+                  <a16:creationId xmlns:a16="http://schemas.microsoft.com/office/drawing/2014/main" id="{5E045D37-3C23-623A-BC6B-AB01B48FE458}"/>
+                </a:ext>
+              </a:extLst>
+            </p:cNvPr>
+            <p:cNvCxnSpPr/>
+            <p:nvPr/>
+          </p:nvCxnSpPr>
+          <p:spPr bwMode="auto">
+            <a:xfrm>
+              <a:off x="4487395" y="5398273"/>
+              <a:ext cx="144462" cy="0"/>
+            </a:xfrm>
+            <a:prstGeom prst="line">
+              <a:avLst/>
+            </a:prstGeom>
+            <a:ln w="22225">
+              <a:solidFill>
+                <a:schemeClr val="tx1"/>
+              </a:solidFill>
+              <a:miter lim="800000"/>
+            </a:ln>
+          </p:spPr>
+          <p:style>
+            <a:lnRef idx="1">
+              <a:schemeClr val="accent1"/>
+            </a:lnRef>
+            <a:fillRef idx="0">
+              <a:schemeClr val="accent1"/>
+            </a:fillRef>
+            <a:effectRef idx="0">
+              <a:schemeClr val="accent1"/>
+            </a:effectRef>
+            <a:fontRef idx="minor">
+              <a:schemeClr val="tx1"/>
+            </a:fontRef>
+          </p:style>
+        </p:cxnSp>
+      </p:grpSp>
+      <p:grpSp>
+        <p:nvGrpSpPr>
+          <p:cNvPr id="85" name="Group 84">
+            <a:extLst>
+              <a:ext uri="{FF2B5EF4-FFF2-40B4-BE49-F238E27FC236}">
+                <a16:creationId xmlns:a16="http://schemas.microsoft.com/office/drawing/2014/main" id="{F931151A-FC0F-B327-A030-9E9412B488CF}"/>
+              </a:ext>
+            </a:extLst>
+          </p:cNvPr>
+          <p:cNvGrpSpPr/>
+          <p:nvPr/>
+        </p:nvGrpSpPr>
+        <p:grpSpPr>
+          <a:xfrm rot="16200000">
+            <a:off x="10295986" y="3007477"/>
+            <a:ext cx="144462" cy="258762"/>
+            <a:chOff x="4487395" y="5226823"/>
+            <a:chExt cx="144462" cy="258762"/>
+          </a:xfrm>
+        </p:grpSpPr>
+        <p:sp>
+          <p:nvSpPr>
+            <p:cNvPr id="86" name="Rectangle 85">
+              <a:extLst>
+                <a:ext uri="{FF2B5EF4-FFF2-40B4-BE49-F238E27FC236}">
+                  <a16:creationId xmlns:a16="http://schemas.microsoft.com/office/drawing/2014/main" id="{642AB837-7808-5C2D-82CC-4AFB67DAC2CA}"/>
+                </a:ext>
+              </a:extLst>
+            </p:cNvPr>
+            <p:cNvSpPr/>
+            <p:nvPr/>
+          </p:nvSpPr>
+          <p:spPr bwMode="auto">
+            <a:xfrm>
+              <a:off x="4487395" y="5226823"/>
+              <a:ext cx="144462" cy="258762"/>
+            </a:xfrm>
+            <a:prstGeom prst="rect">
+              <a:avLst/>
+            </a:prstGeom>
+            <a:noFill/>
+            <a:ln w="19050">
+              <a:solidFill>
+                <a:schemeClr val="tx1"/>
+              </a:solidFill>
+              <a:miter lim="800000"/>
+            </a:ln>
+          </p:spPr>
+          <p:style>
+            <a:lnRef idx="2">
+              <a:schemeClr val="accent1">
+                <a:shade val="50000"/>
+              </a:schemeClr>
+            </a:lnRef>
+            <a:fillRef idx="1">
+              <a:schemeClr val="accent1"/>
+            </a:fillRef>
+            <a:effectRef idx="0">
+              <a:schemeClr val="accent1"/>
+            </a:effectRef>
+            <a:fontRef idx="minor">
+              <a:schemeClr val="lt1"/>
+            </a:fontRef>
+          </p:style>
+          <p:txBody>
+            <a:bodyPr anchor="ctr"/>
+            <a:lstStyle/>
+            <a:p>
+              <a:pPr algn="ctr">
+                <a:defRPr/>
+              </a:pPr>
+              <a:endParaRPr lang="en-GB">
+                <a:latin typeface="Calibri" panose="020F0502020204030204" pitchFamily="34" charset="0"/>
+                <a:cs typeface="Calibri" panose="020F0502020204030204" pitchFamily="34" charset="0"/>
+              </a:endParaRPr>
+            </a:p>
+          </p:txBody>
+        </p:sp>
+        <p:cxnSp>
+          <p:nvCxnSpPr>
+            <p:cNvPr id="87" name="Straight Connector 86">
+              <a:extLst>
+                <a:ext uri="{FF2B5EF4-FFF2-40B4-BE49-F238E27FC236}">
+                  <a16:creationId xmlns:a16="http://schemas.microsoft.com/office/drawing/2014/main" id="{397935F1-0515-D054-0B88-E503B849935C}"/>
+                </a:ext>
+              </a:extLst>
+            </p:cNvPr>
+            <p:cNvCxnSpPr/>
+            <p:nvPr/>
+          </p:nvCxnSpPr>
+          <p:spPr bwMode="auto">
+            <a:xfrm>
+              <a:off x="4487395" y="5317310"/>
+              <a:ext cx="144462" cy="0"/>
+            </a:xfrm>
+            <a:prstGeom prst="line">
+              <a:avLst/>
+            </a:prstGeom>
+            <a:ln w="22225">
+              <a:solidFill>
+                <a:schemeClr val="tx1"/>
+              </a:solidFill>
+              <a:miter lim="800000"/>
+            </a:ln>
+          </p:spPr>
+          <p:style>
+            <a:lnRef idx="1">
+              <a:schemeClr val="accent1"/>
+            </a:lnRef>
+            <a:fillRef idx="0">
+              <a:schemeClr val="accent1"/>
+            </a:fillRef>
+            <a:effectRef idx="0">
+              <a:schemeClr val="accent1"/>
+            </a:effectRef>
+            <a:fontRef idx="minor">
+              <a:schemeClr val="tx1"/>
+            </a:fontRef>
+          </p:style>
+        </p:cxnSp>
+        <p:cxnSp>
+          <p:nvCxnSpPr>
+            <p:cNvPr id="88" name="Straight Connector 87">
+              <a:extLst>
+                <a:ext uri="{FF2B5EF4-FFF2-40B4-BE49-F238E27FC236}">
+                  <a16:creationId xmlns:a16="http://schemas.microsoft.com/office/drawing/2014/main" id="{D5062E2A-8BD6-0990-3317-E7424889D82B}"/>
+                </a:ext>
+              </a:extLst>
+            </p:cNvPr>
+            <p:cNvCxnSpPr/>
+            <p:nvPr/>
+          </p:nvCxnSpPr>
+          <p:spPr bwMode="auto">
+            <a:xfrm>
+              <a:off x="4487395" y="5398273"/>
+              <a:ext cx="144462" cy="0"/>
+            </a:xfrm>
+            <a:prstGeom prst="line">
+              <a:avLst/>
+            </a:prstGeom>
+            <a:ln w="22225">
+              <a:solidFill>
+                <a:schemeClr val="tx1"/>
+              </a:solidFill>
+              <a:miter lim="800000"/>
+            </a:ln>
+          </p:spPr>
+          <p:style>
+            <a:lnRef idx="1">
+              <a:schemeClr val="accent1"/>
+            </a:lnRef>
+            <a:fillRef idx="0">
+              <a:schemeClr val="accent1"/>
+            </a:fillRef>
+            <a:effectRef idx="0">
+              <a:schemeClr val="accent1"/>
+            </a:effectRef>
+            <a:fontRef idx="minor">
+              <a:schemeClr val="tx1"/>
+            </a:fontRef>
+          </p:style>
+        </p:cxnSp>
+      </p:grpSp>
+      <p:sp>
+        <p:nvSpPr>
+          <p:cNvPr id="89" name="TextBox 88">
+            <a:extLst>
+              <a:ext uri="{FF2B5EF4-FFF2-40B4-BE49-F238E27FC236}">
+                <a16:creationId xmlns:a16="http://schemas.microsoft.com/office/drawing/2014/main" id="{244E83D3-E376-C531-4B26-020B653A8768}"/>
+              </a:ext>
+            </a:extLst>
+          </p:cNvPr>
+          <p:cNvSpPr txBox="1"/>
+          <p:nvPr/>
+        </p:nvSpPr>
+        <p:spPr bwMode="auto">
+          <a:xfrm>
+            <a:off x="6271250" y="3222459"/>
+            <a:ext cx="684000" cy="276999"/>
+          </a:xfrm>
+          <a:prstGeom prst="rect">
+            <a:avLst/>
+          </a:prstGeom>
+          <a:noFill/>
+          <a:ln>
+            <a:noFill/>
+          </a:ln>
+        </p:spPr>
+        <p:txBody>
+          <a:bodyPr wrap="square" lIns="72000" rIns="72000">
+            <a:spAutoFit/>
+          </a:bodyPr>
+          <a:lstStyle/>
+          <a:p>
+            <a:pPr algn="ctr">
+              <a:defRPr/>
+            </a:pPr>
+            <a:r>
+              <a:rPr lang="en-US" sz="1200" dirty="0">
+                <a:latin typeface="Calibri" panose="020F0502020204030204" pitchFamily="34" charset="0"/>
+                <a:cs typeface="Calibri" panose="020F0502020204030204" pitchFamily="34" charset="0"/>
+              </a:rPr>
+              <a:t>RX0/TX0</a:t>
+            </a:r>
+            <a:endParaRPr lang="en-GB" sz="1200" dirty="0">
+              <a:latin typeface="Calibri" panose="020F0502020204030204" pitchFamily="34" charset="0"/>
+              <a:cs typeface="Calibri" panose="020F0502020204030204" pitchFamily="34" charset="0"/>
+            </a:endParaRPr>
+          </a:p>
+        </p:txBody>
+      </p:sp>
+      <p:sp>
+        <p:nvSpPr>
+          <p:cNvPr id="90" name="TextBox 89">
+            <a:extLst>
+              <a:ext uri="{FF2B5EF4-FFF2-40B4-BE49-F238E27FC236}">
+                <a16:creationId xmlns:a16="http://schemas.microsoft.com/office/drawing/2014/main" id="{97E65C42-8D3F-C656-318A-4FA7441B68A1}"/>
+              </a:ext>
+            </a:extLst>
+          </p:cNvPr>
+          <p:cNvSpPr txBox="1"/>
+          <p:nvPr/>
+        </p:nvSpPr>
+        <p:spPr bwMode="auto">
+          <a:xfrm>
+            <a:off x="10026217" y="3222459"/>
+            <a:ext cx="684000" cy="276999"/>
+          </a:xfrm>
+          <a:prstGeom prst="rect">
+            <a:avLst/>
+          </a:prstGeom>
+          <a:noFill/>
+          <a:ln>
+            <a:noFill/>
+          </a:ln>
+        </p:spPr>
+        <p:txBody>
+          <a:bodyPr wrap="square" lIns="72000" rIns="72000">
+            <a:spAutoFit/>
+          </a:bodyPr>
+          <a:lstStyle/>
+          <a:p>
+            <a:pPr algn="ctr">
+              <a:defRPr/>
+            </a:pPr>
+            <a:r>
+              <a:rPr lang="en-US" sz="1200" dirty="0">
+                <a:latin typeface="Calibri" panose="020F0502020204030204" pitchFamily="34" charset="0"/>
+                <a:cs typeface="Calibri" panose="020F0502020204030204" pitchFamily="34" charset="0"/>
+              </a:rPr>
+              <a:t>RX/TX</a:t>
+            </a:r>
+            <a:endParaRPr lang="en-GB" sz="1200" dirty="0">
+              <a:latin typeface="Calibri" panose="020F0502020204030204" pitchFamily="34" charset="0"/>
+              <a:cs typeface="Calibri" panose="020F0502020204030204" pitchFamily="34" charset="0"/>
+            </a:endParaRPr>
+          </a:p>
+        </p:txBody>
+      </p:sp>
+      <p:sp>
+        <p:nvSpPr>
+          <p:cNvPr id="91" name="TextBox 90">
+            <a:extLst>
+              <a:ext uri="{FF2B5EF4-FFF2-40B4-BE49-F238E27FC236}">
+                <a16:creationId xmlns:a16="http://schemas.microsoft.com/office/drawing/2014/main" id="{F58F042A-AC46-88A9-1A3D-D5DD9A4A34FC}"/>
+              </a:ext>
+            </a:extLst>
+          </p:cNvPr>
+          <p:cNvSpPr txBox="1"/>
+          <p:nvPr/>
+        </p:nvSpPr>
+        <p:spPr bwMode="auto">
+          <a:xfrm>
+            <a:off x="1394653" y="3222459"/>
+            <a:ext cx="889173" cy="276999"/>
+          </a:xfrm>
+          <a:prstGeom prst="rect">
+            <a:avLst/>
+          </a:prstGeom>
+          <a:noFill/>
+          <a:ln>
+            <a:noFill/>
+          </a:ln>
+        </p:spPr>
+        <p:txBody>
+          <a:bodyPr wrap="square" lIns="72000" rIns="72000">
+            <a:spAutoFit/>
+          </a:bodyPr>
+          <a:lstStyle/>
+          <a:p>
+            <a:pPr algn="ctr">
+              <a:defRPr/>
+            </a:pPr>
+            <a:r>
+              <a:rPr lang="en-US" sz="1200" dirty="0">
+                <a:latin typeface="Calibri" panose="020F0502020204030204" pitchFamily="34" charset="0"/>
+                <a:cs typeface="Calibri" panose="020F0502020204030204" pitchFamily="34" charset="0"/>
+              </a:rPr>
+              <a:t>GPIO</a:t>
+            </a:r>
+            <a:endParaRPr lang="en-GB" sz="1200" dirty="0">
+              <a:latin typeface="Calibri" panose="020F0502020204030204" pitchFamily="34" charset="0"/>
+              <a:cs typeface="Calibri" panose="020F0502020204030204" pitchFamily="34" charset="0"/>
+            </a:endParaRPr>
+          </a:p>
+        </p:txBody>
+      </p:sp>
+      <p:sp>
+        <p:nvSpPr>
+          <p:cNvPr id="92" name="TextBox 91">
+            <a:extLst>
+              <a:ext uri="{FF2B5EF4-FFF2-40B4-BE49-F238E27FC236}">
+                <a16:creationId xmlns:a16="http://schemas.microsoft.com/office/drawing/2014/main" id="{32A67FB0-2770-1724-B8E4-4F6A5C364559}"/>
+              </a:ext>
+            </a:extLst>
+          </p:cNvPr>
+          <p:cNvSpPr txBox="1"/>
+          <p:nvPr/>
+        </p:nvSpPr>
+        <p:spPr bwMode="auto">
+          <a:xfrm>
+            <a:off x="2382530" y="3222459"/>
+            <a:ext cx="899999" cy="276999"/>
+          </a:xfrm>
+          <a:prstGeom prst="rect">
+            <a:avLst/>
+          </a:prstGeom>
+          <a:noFill/>
+          <a:ln>
+            <a:noFill/>
+          </a:ln>
+        </p:spPr>
+        <p:txBody>
+          <a:bodyPr wrap="square" lIns="72000" rIns="72000">
+            <a:spAutoFit/>
+          </a:bodyPr>
+          <a:lstStyle/>
+          <a:p>
+            <a:pPr algn="ctr">
+              <a:defRPr/>
+            </a:pPr>
+            <a:r>
+              <a:rPr lang="en-US" sz="1200" dirty="0">
+                <a:latin typeface="Calibri" panose="020F0502020204030204" pitchFamily="34" charset="0"/>
+                <a:cs typeface="Calibri" panose="020F0502020204030204" pitchFamily="34" charset="0"/>
+              </a:rPr>
+              <a:t>USBD0</a:t>
+            </a:r>
+            <a:endParaRPr lang="en-GB" sz="1200" dirty="0">
+              <a:latin typeface="Calibri" panose="020F0502020204030204" pitchFamily="34" charset="0"/>
+              <a:cs typeface="Calibri" panose="020F0502020204030204" pitchFamily="34" charset="0"/>
+            </a:endParaRPr>
+          </a:p>
+        </p:txBody>
+      </p:sp>
+      <p:sp>
+        <p:nvSpPr>
+          <p:cNvPr id="93" name="TextBox 92">
+            <a:extLst>
+              <a:ext uri="{FF2B5EF4-FFF2-40B4-BE49-F238E27FC236}">
+                <a16:creationId xmlns:a16="http://schemas.microsoft.com/office/drawing/2014/main" id="{50D06D70-FB47-820E-E287-E8E1B9B35317}"/>
+              </a:ext>
+            </a:extLst>
+          </p:cNvPr>
+          <p:cNvSpPr txBox="1"/>
+          <p:nvPr/>
+        </p:nvSpPr>
+        <p:spPr bwMode="auto">
+          <a:xfrm>
+            <a:off x="3376448" y="3222459"/>
+            <a:ext cx="899999" cy="276999"/>
+          </a:xfrm>
+          <a:prstGeom prst="rect">
+            <a:avLst/>
+          </a:prstGeom>
+          <a:noFill/>
+          <a:ln>
+            <a:noFill/>
+          </a:ln>
+        </p:spPr>
+        <p:txBody>
+          <a:bodyPr wrap="square" lIns="72000" rIns="72000">
+            <a:spAutoFit/>
+          </a:bodyPr>
+          <a:lstStyle/>
+          <a:p>
+            <a:pPr algn="ctr">
+              <a:defRPr/>
+            </a:pPr>
+            <a:r>
+              <a:rPr lang="en-US" sz="1200" dirty="0">
+                <a:latin typeface="Calibri" panose="020F0502020204030204" pitchFamily="34" charset="0"/>
+                <a:cs typeface="Calibri" panose="020F0502020204030204" pitchFamily="34" charset="0"/>
+              </a:rPr>
+              <a:t>USBH0</a:t>
+            </a:r>
+            <a:endParaRPr lang="en-GB" sz="1200" dirty="0">
+              <a:latin typeface="Calibri" panose="020F0502020204030204" pitchFamily="34" charset="0"/>
+              <a:cs typeface="Calibri" panose="020F0502020204030204" pitchFamily="34" charset="0"/>
+            </a:endParaRPr>
+          </a:p>
+        </p:txBody>
+      </p:sp>
+      <p:sp>
+        <p:nvSpPr>
+          <p:cNvPr id="94" name="TextBox 93">
+            <a:extLst>
+              <a:ext uri="{FF2B5EF4-FFF2-40B4-BE49-F238E27FC236}">
+                <a16:creationId xmlns:a16="http://schemas.microsoft.com/office/drawing/2014/main" id="{ABDE127F-E39D-C54D-5E98-8FEFCDE1D450}"/>
+              </a:ext>
+            </a:extLst>
+          </p:cNvPr>
+          <p:cNvSpPr txBox="1"/>
+          <p:nvPr/>
+        </p:nvSpPr>
+        <p:spPr bwMode="auto">
+          <a:xfrm>
+            <a:off x="7781196" y="3222459"/>
+            <a:ext cx="644618" cy="276999"/>
+          </a:xfrm>
+          <a:prstGeom prst="rect">
+            <a:avLst/>
+          </a:prstGeom>
+          <a:noFill/>
+          <a:ln>
+            <a:noFill/>
+          </a:ln>
+        </p:spPr>
+        <p:txBody>
+          <a:bodyPr wrap="square" lIns="72000" rIns="72000">
+            <a:spAutoFit/>
+          </a:bodyPr>
+          <a:lstStyle/>
+          <a:p>
+            <a:pPr algn="ctr">
+              <a:defRPr/>
+            </a:pPr>
+            <a:r>
+              <a:rPr lang="en-US" sz="1200" dirty="0">
+                <a:latin typeface="Calibri" panose="020F0502020204030204" pitchFamily="34" charset="0"/>
+                <a:cs typeface="Calibri" panose="020F0502020204030204" pitchFamily="34" charset="0"/>
+              </a:rPr>
+              <a:t>SPI1</a:t>
+            </a:r>
+            <a:endParaRPr lang="en-GB" sz="1200" dirty="0">
+              <a:latin typeface="Calibri" panose="020F0502020204030204" pitchFamily="34" charset="0"/>
+              <a:cs typeface="Calibri" panose="020F0502020204030204" pitchFamily="34" charset="0"/>
+            </a:endParaRPr>
+          </a:p>
+        </p:txBody>
+      </p:sp>
+      <p:sp>
+        <p:nvSpPr>
+          <p:cNvPr id="95" name="TextBox 94">
+            <a:extLst>
+              <a:ext uri="{FF2B5EF4-FFF2-40B4-BE49-F238E27FC236}">
+                <a16:creationId xmlns:a16="http://schemas.microsoft.com/office/drawing/2014/main" id="{B1F092B5-6332-89BB-48CC-00EB2296B4AD}"/>
+              </a:ext>
+            </a:extLst>
+          </p:cNvPr>
+          <p:cNvSpPr txBox="1"/>
+          <p:nvPr/>
+        </p:nvSpPr>
+        <p:spPr bwMode="auto">
+          <a:xfrm>
+            <a:off x="8471584" y="3222459"/>
+            <a:ext cx="644618" cy="276999"/>
+          </a:xfrm>
+          <a:prstGeom prst="rect">
+            <a:avLst/>
+          </a:prstGeom>
+          <a:noFill/>
+          <a:ln>
+            <a:noFill/>
+          </a:ln>
+        </p:spPr>
+        <p:txBody>
+          <a:bodyPr wrap="square" lIns="72000" rIns="72000">
+            <a:spAutoFit/>
+          </a:bodyPr>
+          <a:lstStyle/>
+          <a:p>
+            <a:pPr algn="ctr">
+              <a:defRPr/>
+            </a:pPr>
+            <a:r>
+              <a:rPr lang="en-US" sz="1200" dirty="0">
+                <a:latin typeface="Calibri" panose="020F0502020204030204" pitchFamily="34" charset="0"/>
+                <a:cs typeface="Calibri" panose="020F0502020204030204" pitchFamily="34" charset="0"/>
+              </a:rPr>
+              <a:t>SDIO0</a:t>
+            </a:r>
+            <a:endParaRPr lang="en-GB" sz="1200" dirty="0">
+              <a:latin typeface="Calibri" panose="020F0502020204030204" pitchFamily="34" charset="0"/>
+              <a:cs typeface="Calibri" panose="020F0502020204030204" pitchFamily="34" charset="0"/>
+            </a:endParaRPr>
+          </a:p>
+        </p:txBody>
+      </p:sp>
+      <p:sp>
+        <p:nvSpPr>
+          <p:cNvPr id="96" name="TextBox 95">
+            <a:extLst>
+              <a:ext uri="{FF2B5EF4-FFF2-40B4-BE49-F238E27FC236}">
+                <a16:creationId xmlns:a16="http://schemas.microsoft.com/office/drawing/2014/main" id="{855B61F1-F7F8-8799-D851-36CFB85FBCFA}"/>
+              </a:ext>
+            </a:extLst>
+          </p:cNvPr>
+          <p:cNvSpPr txBox="1"/>
+          <p:nvPr/>
+        </p:nvSpPr>
+        <p:spPr bwMode="auto">
+          <a:xfrm>
+            <a:off x="9168736" y="3222459"/>
+            <a:ext cx="644618" cy="276999"/>
+          </a:xfrm>
+          <a:prstGeom prst="rect">
+            <a:avLst/>
+          </a:prstGeom>
+          <a:noFill/>
+          <a:ln>
+            <a:noFill/>
+          </a:ln>
+        </p:spPr>
+        <p:txBody>
+          <a:bodyPr wrap="square" lIns="72000" rIns="72000">
+            <a:spAutoFit/>
+          </a:bodyPr>
+          <a:lstStyle/>
+          <a:p>
+            <a:pPr algn="ctr">
+              <a:defRPr/>
+            </a:pPr>
+            <a:r>
+              <a:rPr lang="en-US" sz="1200" dirty="0">
+                <a:latin typeface="Calibri" panose="020F0502020204030204" pitchFamily="34" charset="0"/>
+                <a:cs typeface="Calibri" panose="020F0502020204030204" pitchFamily="34" charset="0"/>
+              </a:rPr>
+              <a:t>I/O</a:t>
+            </a:r>
+            <a:endParaRPr lang="en-GB" sz="1200" dirty="0">
+              <a:latin typeface="Calibri" panose="020F0502020204030204" pitchFamily="34" charset="0"/>
+              <a:cs typeface="Calibri" panose="020F0502020204030204" pitchFamily="34" charset="0"/>
+            </a:endParaRPr>
+          </a:p>
+        </p:txBody>
+      </p:sp>
+      <p:sp>
+        <p:nvSpPr>
+          <p:cNvPr id="98" name="Rounded Rectangle 97">
+            <a:extLst>
+              <a:ext uri="{FF2B5EF4-FFF2-40B4-BE49-F238E27FC236}">
+                <a16:creationId xmlns:a16="http://schemas.microsoft.com/office/drawing/2014/main" id="{108C11A3-5C23-BB8D-7607-1DBE0E336747}"/>
+              </a:ext>
+            </a:extLst>
+          </p:cNvPr>
+          <p:cNvSpPr/>
+          <p:nvPr/>
+        </p:nvSpPr>
+        <p:spPr bwMode="auto">
+          <a:xfrm>
+            <a:off x="1383826" y="1033159"/>
+            <a:ext cx="9434392" cy="288000"/>
+          </a:xfrm>
+          <a:prstGeom prst="roundRect">
+            <a:avLst>
+              <a:gd name="adj" fmla="val 0"/>
+            </a:avLst>
+          </a:prstGeom>
+          <a:solidFill>
+            <a:srgbClr val="002B49"/>
+          </a:solidFill>
+          <a:ln w="19050" algn="ctr">
+            <a:noFill/>
+            <a:round/>
+            <a:headEnd/>
+            <a:tailEnd/>
+          </a:ln>
+        </p:spPr>
+        <p:txBody>
+          <a:bodyPr wrap="none" lIns="121944" tIns="60972" rIns="121944" bIns="60972" anchor="ctr"/>
+          <a:lstStyle/>
+          <a:p>
+            <a:pPr algn="ctr" fontAlgn="auto">
+              <a:spcBef>
+                <a:spcPts val="0"/>
+              </a:spcBef>
+              <a:spcAft>
+                <a:spcPts val="0"/>
+              </a:spcAft>
+              <a:defRPr/>
+            </a:pPr>
+            <a:r>
+              <a:rPr lang="de-DE" sz="1400" b="1" kern="0" dirty="0">
+                <a:solidFill>
+                  <a:sysClr val="window" lastClr="FFFFFF"/>
+                </a:solidFill>
+                <a:latin typeface="Calibri" panose="020F0502020204030204" pitchFamily="34" charset="0"/>
+                <a:ea typeface="ＭＳ Ｐゴシック" pitchFamily="34" charset="-128"/>
+                <a:cs typeface="Calibri" panose="020F0502020204030204" pitchFamily="34" charset="0"/>
+              </a:rPr>
+              <a:t>User </a:t>
+            </a:r>
+            <a:r>
+              <a:rPr lang="en-US" sz="1400" b="1" kern="0" dirty="0">
+                <a:solidFill>
+                  <a:sysClr val="window" lastClr="FFFFFF"/>
+                </a:solidFill>
+                <a:latin typeface="Calibri" panose="020F0502020204030204" pitchFamily="34" charset="0"/>
+                <a:ea typeface="ＭＳ Ｐゴシック" pitchFamily="34" charset="-128"/>
+                <a:cs typeface="Calibri" panose="020F0502020204030204" pitchFamily="34" charset="0"/>
+              </a:rPr>
+              <a:t>Application</a:t>
+            </a:r>
+          </a:p>
+        </p:txBody>
+      </p:sp>
+      <p:sp>
+        <p:nvSpPr>
+          <p:cNvPr id="99" name="Rounded Rectangle 98">
+            <a:extLst>
+              <a:ext uri="{FF2B5EF4-FFF2-40B4-BE49-F238E27FC236}">
+                <a16:creationId xmlns:a16="http://schemas.microsoft.com/office/drawing/2014/main" id="{99CFAEC9-797A-8924-9114-1F1A728462E9}"/>
+              </a:ext>
+            </a:extLst>
+          </p:cNvPr>
+          <p:cNvSpPr/>
+          <p:nvPr/>
+        </p:nvSpPr>
+        <p:spPr bwMode="auto">
+          <a:xfrm>
+            <a:off x="214143" y="1429256"/>
+            <a:ext cx="1080000" cy="288000"/>
+          </a:xfrm>
+          <a:prstGeom prst="roundRect">
+            <a:avLst/>
+          </a:prstGeom>
+          <a:noFill/>
+          <a:ln w="12700">
+            <a:noFill/>
+          </a:ln>
+        </p:spPr>
+        <p:style>
+          <a:lnRef idx="2">
+            <a:schemeClr val="accent1">
+              <a:shade val="50000"/>
+            </a:schemeClr>
+          </a:lnRef>
+          <a:fillRef idx="1">
+            <a:schemeClr val="accent1"/>
+          </a:fillRef>
+          <a:effectRef idx="0">
+            <a:schemeClr val="accent1"/>
+          </a:effectRef>
+          <a:fontRef idx="minor">
+            <a:schemeClr val="lt1"/>
+          </a:fontRef>
+        </p:style>
+        <p:txBody>
+          <a:bodyPr anchor="ctr"/>
+          <a:lstStyle/>
+          <a:p>
+            <a:pPr algn="r">
+              <a:defRPr/>
+            </a:pPr>
+            <a:r>
+              <a:rPr lang="en-US" sz="1100" dirty="0">
+                <a:solidFill>
+                  <a:schemeClr val="tx1"/>
+                </a:solidFill>
+                <a:latin typeface="Calibri" panose="020F0502020204030204" pitchFamily="34" charset="0"/>
+                <a:cs typeface="Calibri" panose="020F0502020204030204" pitchFamily="34" charset="0"/>
+              </a:rPr>
+              <a:t>Middleware</a:t>
+            </a:r>
+            <a:endParaRPr lang="en-GB" sz="1100" dirty="0">
+              <a:solidFill>
+                <a:schemeClr val="tx1"/>
+              </a:solidFill>
+              <a:latin typeface="Calibri" panose="020F0502020204030204" pitchFamily="34" charset="0"/>
+              <a:cs typeface="Calibri" panose="020F0502020204030204" pitchFamily="34" charset="0"/>
+            </a:endParaRPr>
+          </a:p>
+        </p:txBody>
+      </p:sp>
+      <p:sp>
+        <p:nvSpPr>
+          <p:cNvPr id="100" name="Rounded Rectangle 99">
+            <a:extLst>
+              <a:ext uri="{FF2B5EF4-FFF2-40B4-BE49-F238E27FC236}">
+                <a16:creationId xmlns:a16="http://schemas.microsoft.com/office/drawing/2014/main" id="{E983DD11-F99B-8175-512D-565A2094B6B3}"/>
+              </a:ext>
+            </a:extLst>
+          </p:cNvPr>
+          <p:cNvSpPr/>
+          <p:nvPr/>
+        </p:nvSpPr>
+        <p:spPr bwMode="auto">
+          <a:xfrm>
+            <a:off x="214143" y="1033159"/>
+            <a:ext cx="1080000" cy="288000"/>
+          </a:xfrm>
+          <a:prstGeom prst="roundRect">
+            <a:avLst/>
+          </a:prstGeom>
+          <a:noFill/>
+          <a:ln w="12700">
+            <a:noFill/>
+          </a:ln>
+        </p:spPr>
+        <p:style>
+          <a:lnRef idx="2">
+            <a:schemeClr val="accent1">
+              <a:shade val="50000"/>
+            </a:schemeClr>
+          </a:lnRef>
+          <a:fillRef idx="1">
+            <a:schemeClr val="accent1"/>
+          </a:fillRef>
+          <a:effectRef idx="0">
+            <a:schemeClr val="accent1"/>
+          </a:effectRef>
+          <a:fontRef idx="minor">
+            <a:schemeClr val="lt1"/>
+          </a:fontRef>
+        </p:style>
+        <p:txBody>
+          <a:bodyPr anchor="ctr"/>
+          <a:lstStyle/>
+          <a:p>
+            <a:pPr algn="r">
+              <a:defRPr/>
+            </a:pPr>
+            <a:r>
+              <a:rPr lang="en-US" sz="1100" dirty="0">
+                <a:solidFill>
+                  <a:schemeClr val="tx1"/>
+                </a:solidFill>
+                <a:latin typeface="Calibri" panose="020F0502020204030204" pitchFamily="34" charset="0"/>
+                <a:cs typeface="Calibri" panose="020F0502020204030204" pitchFamily="34" charset="0"/>
+              </a:rPr>
+              <a:t>Application</a:t>
+            </a:r>
+            <a:endParaRPr lang="en-GB" sz="1100" dirty="0">
+              <a:solidFill>
+                <a:schemeClr val="tx1"/>
+              </a:solidFill>
+              <a:latin typeface="Calibri" panose="020F0502020204030204" pitchFamily="34" charset="0"/>
+              <a:cs typeface="Calibri" panose="020F0502020204030204" pitchFamily="34" charset="0"/>
+            </a:endParaRPr>
+          </a:p>
+        </p:txBody>
+      </p:sp>
+      <p:sp>
+        <p:nvSpPr>
+          <p:cNvPr id="101" name="Rounded Rectangle 100">
+            <a:extLst>
+              <a:ext uri="{FF2B5EF4-FFF2-40B4-BE49-F238E27FC236}">
+                <a16:creationId xmlns:a16="http://schemas.microsoft.com/office/drawing/2014/main" id="{777C7DAB-5BA5-FC60-47F2-0429DF176314}"/>
+              </a:ext>
+            </a:extLst>
+          </p:cNvPr>
+          <p:cNvSpPr/>
+          <p:nvPr/>
+        </p:nvSpPr>
+        <p:spPr bwMode="auto">
+          <a:xfrm>
+            <a:off x="214143" y="2169442"/>
+            <a:ext cx="1080000" cy="288000"/>
+          </a:xfrm>
+          <a:prstGeom prst="roundRect">
+            <a:avLst/>
+          </a:prstGeom>
+          <a:noFill/>
+          <a:ln w="12700">
+            <a:noFill/>
+          </a:ln>
+        </p:spPr>
+        <p:style>
+          <a:lnRef idx="2">
+            <a:schemeClr val="accent1">
+              <a:shade val="50000"/>
+            </a:schemeClr>
+          </a:lnRef>
+          <a:fillRef idx="1">
+            <a:schemeClr val="accent1"/>
+          </a:fillRef>
+          <a:effectRef idx="0">
+            <a:schemeClr val="accent1"/>
+          </a:effectRef>
+          <a:fontRef idx="minor">
+            <a:schemeClr val="lt1"/>
+          </a:fontRef>
+        </p:style>
+        <p:txBody>
+          <a:bodyPr anchor="ctr"/>
+          <a:lstStyle/>
+          <a:p>
+            <a:pPr algn="r">
+              <a:defRPr/>
+            </a:pPr>
+            <a:r>
+              <a:rPr lang="en-US" sz="1100" dirty="0">
+                <a:solidFill>
+                  <a:schemeClr val="tx1"/>
+                </a:solidFill>
+                <a:latin typeface="Calibri" panose="020F0502020204030204" pitchFamily="34" charset="0"/>
+                <a:cs typeface="Calibri" panose="020F0502020204030204" pitchFamily="34" charset="0"/>
+              </a:rPr>
+              <a:t>CMSIS-Driver</a:t>
+            </a:r>
+            <a:endParaRPr lang="en-GB" sz="1100" dirty="0">
+              <a:solidFill>
+                <a:schemeClr val="tx1"/>
+              </a:solidFill>
+              <a:latin typeface="Calibri" panose="020F0502020204030204" pitchFamily="34" charset="0"/>
+              <a:cs typeface="Calibri" panose="020F0502020204030204" pitchFamily="34" charset="0"/>
+            </a:endParaRPr>
+          </a:p>
+        </p:txBody>
+      </p:sp>
+      <p:sp>
+        <p:nvSpPr>
+          <p:cNvPr id="102" name="Rounded Rectangle 101">
+            <a:extLst>
+              <a:ext uri="{FF2B5EF4-FFF2-40B4-BE49-F238E27FC236}">
+                <a16:creationId xmlns:a16="http://schemas.microsoft.com/office/drawing/2014/main" id="{22EA6356-B8BD-2815-8D14-67D12D0741DB}"/>
+              </a:ext>
+            </a:extLst>
+          </p:cNvPr>
+          <p:cNvSpPr/>
+          <p:nvPr/>
+        </p:nvSpPr>
+        <p:spPr bwMode="auto">
+          <a:xfrm>
+            <a:off x="214143" y="2574264"/>
+            <a:ext cx="1080000" cy="432000"/>
+          </a:xfrm>
+          <a:prstGeom prst="roundRect">
+            <a:avLst/>
+          </a:prstGeom>
+          <a:noFill/>
+          <a:ln w="12700">
+            <a:noFill/>
+          </a:ln>
+        </p:spPr>
+        <p:style>
+          <a:lnRef idx="2">
+            <a:schemeClr val="accent1">
+              <a:shade val="50000"/>
+            </a:schemeClr>
+          </a:lnRef>
+          <a:fillRef idx="1">
+            <a:schemeClr val="accent1"/>
+          </a:fillRef>
+          <a:effectRef idx="0">
+            <a:schemeClr val="accent1"/>
+          </a:effectRef>
+          <a:fontRef idx="minor">
+            <a:schemeClr val="lt1"/>
+          </a:fontRef>
+        </p:style>
+        <p:txBody>
+          <a:bodyPr anchor="ctr"/>
+          <a:lstStyle/>
+          <a:p>
+            <a:pPr algn="r">
+              <a:defRPr/>
+            </a:pPr>
+            <a:r>
+              <a:rPr lang="en-US" sz="1100" dirty="0">
+                <a:solidFill>
+                  <a:schemeClr val="tx1"/>
+                </a:solidFill>
+                <a:latin typeface="Calibri" panose="020F0502020204030204" pitchFamily="34" charset="0"/>
+                <a:cs typeface="Calibri" panose="020F0502020204030204" pitchFamily="34" charset="0"/>
+              </a:rPr>
+              <a:t>Device</a:t>
+            </a:r>
+            <a:br>
+              <a:rPr lang="en-US" sz="1100" dirty="0">
+                <a:solidFill>
+                  <a:schemeClr val="tx1"/>
+                </a:solidFill>
+                <a:latin typeface="Calibri" panose="020F0502020204030204" pitchFamily="34" charset="0"/>
+                <a:cs typeface="Calibri" panose="020F0502020204030204" pitchFamily="34" charset="0"/>
+              </a:rPr>
+            </a:br>
+            <a:r>
+              <a:rPr lang="en-US" sz="1100" dirty="0">
+                <a:solidFill>
+                  <a:schemeClr val="tx1"/>
+                </a:solidFill>
+                <a:latin typeface="Calibri" panose="020F0502020204030204" pitchFamily="34" charset="0"/>
+                <a:cs typeface="Calibri" panose="020F0502020204030204" pitchFamily="34" charset="0"/>
+              </a:rPr>
+              <a:t>Peripheral</a:t>
+            </a:r>
+            <a:endParaRPr lang="en-GB" sz="1100" dirty="0">
+              <a:solidFill>
+                <a:schemeClr val="tx1"/>
+              </a:solidFill>
+              <a:latin typeface="Calibri" panose="020F0502020204030204" pitchFamily="34" charset="0"/>
+              <a:cs typeface="Calibri" panose="020F0502020204030204" pitchFamily="34" charset="0"/>
+            </a:endParaRPr>
+          </a:p>
+        </p:txBody>
+      </p:sp>
+      <p:sp>
+        <p:nvSpPr>
+          <p:cNvPr id="103" name="Rounded Rectangle 102">
+            <a:extLst>
+              <a:ext uri="{FF2B5EF4-FFF2-40B4-BE49-F238E27FC236}">
+                <a16:creationId xmlns:a16="http://schemas.microsoft.com/office/drawing/2014/main" id="{69848D86-2690-85F8-685E-BA7610996B76}"/>
+              </a:ext>
+            </a:extLst>
+          </p:cNvPr>
+          <p:cNvSpPr/>
+          <p:nvPr/>
+        </p:nvSpPr>
+        <p:spPr bwMode="auto">
+          <a:xfrm>
+            <a:off x="214143" y="3067458"/>
+            <a:ext cx="1080000" cy="432000"/>
+          </a:xfrm>
+          <a:prstGeom prst="roundRect">
+            <a:avLst/>
+          </a:prstGeom>
+          <a:noFill/>
+          <a:ln w="12700">
+            <a:noFill/>
+          </a:ln>
+        </p:spPr>
+        <p:style>
+          <a:lnRef idx="2">
+            <a:schemeClr val="accent1">
+              <a:shade val="50000"/>
+            </a:schemeClr>
+          </a:lnRef>
+          <a:fillRef idx="1">
+            <a:schemeClr val="accent1"/>
+          </a:fillRef>
+          <a:effectRef idx="0">
+            <a:schemeClr val="accent1"/>
+          </a:effectRef>
+          <a:fontRef idx="minor">
+            <a:schemeClr val="lt1"/>
+          </a:fontRef>
+        </p:style>
+        <p:txBody>
+          <a:bodyPr anchor="ctr"/>
+          <a:lstStyle/>
+          <a:p>
+            <a:pPr algn="r">
+              <a:defRPr/>
+            </a:pPr>
+            <a:r>
+              <a:rPr lang="en-US" sz="1100" dirty="0">
+                <a:solidFill>
+                  <a:schemeClr val="tx1"/>
+                </a:solidFill>
+                <a:latin typeface="Calibri" panose="020F0502020204030204" pitchFamily="34" charset="0"/>
+                <a:cs typeface="Calibri" panose="020F0502020204030204" pitchFamily="34" charset="0"/>
+              </a:rPr>
+              <a:t>Device</a:t>
+            </a:r>
+            <a:br>
+              <a:rPr lang="en-US" sz="1100" dirty="0">
+                <a:solidFill>
+                  <a:schemeClr val="tx1"/>
+                </a:solidFill>
+                <a:latin typeface="Calibri" panose="020F0502020204030204" pitchFamily="34" charset="0"/>
+                <a:cs typeface="Calibri" panose="020F0502020204030204" pitchFamily="34" charset="0"/>
+              </a:rPr>
+            </a:br>
+            <a:r>
+              <a:rPr lang="en-US" sz="1100" dirty="0">
+                <a:solidFill>
+                  <a:schemeClr val="tx1"/>
+                </a:solidFill>
+                <a:latin typeface="Calibri" panose="020F0502020204030204" pitchFamily="34" charset="0"/>
+                <a:cs typeface="Calibri" panose="020F0502020204030204" pitchFamily="34" charset="0"/>
+              </a:rPr>
+              <a:t>Pins</a:t>
+            </a:r>
+            <a:endParaRPr lang="en-GB" sz="1100" dirty="0">
+              <a:solidFill>
+                <a:schemeClr val="tx1"/>
+              </a:solidFill>
+              <a:latin typeface="Calibri" panose="020F0502020204030204" pitchFamily="34" charset="0"/>
+              <a:cs typeface="Calibri" panose="020F0502020204030204" pitchFamily="34" charset="0"/>
+            </a:endParaRPr>
+          </a:p>
+        </p:txBody>
+      </p:sp>
+    </p:spTree>
+    <p:extLst>
+      <p:ext uri="{BB962C8B-B14F-4D97-AF65-F5344CB8AC3E}">
+        <p14:creationId xmlns:p14="http://schemas.microsoft.com/office/powerpoint/2010/main" val="1631318657"/>
+      </p:ext>
+    </p:extLst>
+  </p:cSld>
+  <p:clrMapOvr>
+    <a:masterClrMapping/>
+  </p:clrMapOvr>
 </p:sld>
 </file>
 
@@ -14873,52 +19581,6 @@
 </file>
 
 <file path=customXml/item1.xml><?xml version="1.0" encoding="utf-8"?>
-<?mso-contentType ?>
-<spe:Receivers xmlns:spe="http://schemas.microsoft.com/sharepoint/events">
-  <Receiver>
-    <Name>Document ID Generator</Name>
-    <Synchronization>Synchronous</Synchronization>
-    <Type>10001</Type>
-    <SequenceNumber>1000</SequenceNumber>
-    <Assembly>Microsoft.Office.DocumentManagement, Version=14.0.0.0, Culture=neutral, PublicKeyToken=71e9bce111e9429c</Assembly>
-    <Class>Microsoft.Office.DocumentManagement.Internal.DocIdHandler</Class>
-    <Data/>
-    <Filter/>
-  </Receiver>
-  <Receiver>
-    <Name>Document ID Generator</Name>
-    <Synchronization>Synchronous</Synchronization>
-    <Type>10002</Type>
-    <SequenceNumber>1001</SequenceNumber>
-    <Assembly>Microsoft.Office.DocumentManagement, Version=14.0.0.0, Culture=neutral, PublicKeyToken=71e9bce111e9429c</Assembly>
-    <Class>Microsoft.Office.DocumentManagement.Internal.DocIdHandler</Class>
-    <Data/>
-    <Filter/>
-  </Receiver>
-  <Receiver>
-    <Name>Document ID Generator</Name>
-    <Synchronization>Synchronous</Synchronization>
-    <Type>10004</Type>
-    <SequenceNumber>1002</SequenceNumber>
-    <Assembly>Microsoft.Office.DocumentManagement, Version=14.0.0.0, Culture=neutral, PublicKeyToken=71e9bce111e9429c</Assembly>
-    <Class>Microsoft.Office.DocumentManagement.Internal.DocIdHandler</Class>
-    <Data/>
-    <Filter/>
-  </Receiver>
-  <Receiver>
-    <Name>Document ID Generator</Name>
-    <Synchronization>Synchronous</Synchronization>
-    <Type>10006</Type>
-    <SequenceNumber>1003</SequenceNumber>
-    <Assembly>Microsoft.Office.DocumentManagement, Version=14.0.0.0, Culture=neutral, PublicKeyToken=71e9bce111e9429c</Assembly>
-    <Class>Microsoft.Office.DocumentManagement.Internal.DocIdHandler</Class>
-    <Data/>
-    <Filter/>
-  </Receiver>
-</spe:Receivers>
-</file>
-
-<file path=customXml/item2.xml><?xml version="1.0" encoding="utf-8"?>
 <ct:contentTypeSchema xmlns:ct="http://schemas.microsoft.com/office/2006/metadata/contentType" xmlns:ma="http://schemas.microsoft.com/office/2006/metadata/properties/metaAttributes" ct:_="" ma:_="" ma:contentTypeName="Picture" ma:contentTypeID="0x010102005A5C1BE65173D647975D08D04557E024" ma:contentTypeVersion="3" ma:contentTypeDescription="Upload an image or a photograph." ma:contentTypeScope="" ma:versionID="4e02033e9a8407b55ee482baa8e8773d">
   <xsd:schema xmlns:xsd="http://www.w3.org/2001/XMLSchema" xmlns:xs="http://www.w3.org/2001/XMLSchema" xmlns:p="http://schemas.microsoft.com/office/2006/metadata/properties" xmlns:ns1="http://schemas.microsoft.com/sharepoint/v3" xmlns:ns2="f2ad5090-61a8-4b8c-ab70-68f4ff4d1933" targetNamespace="http://schemas.microsoft.com/office/2006/metadata/properties" ma:root="true" ma:fieldsID="56baf7bb33d679821ced92383ddba583" ns1:_="" ns2:_="">
     <xsd:import namespace="http://schemas.microsoft.com/sharepoint/v3"/>
@@ -15119,16 +19781,53 @@
 </ct:contentTypeSchema>
 </file>
 
-<file path=customXml/item3.xml><?xml version="1.0" encoding="utf-8"?>
+<file path=customXml/item2.xml><?xml version="1.0" encoding="utf-8"?>
 <?mso-contentType ?>
-<FormTemplates xmlns="http://schemas.microsoft.com/sharepoint/v3/contenttype/forms">
-  <Display>DocumentLibraryForm</Display>
-  <Edit>DocumentLibraryForm</Edit>
-  <New>DocumentLibraryForm</New>
-</FormTemplates>
+<spe:Receivers xmlns:spe="http://schemas.microsoft.com/sharepoint/events">
+  <Receiver>
+    <Name>Document ID Generator</Name>
+    <Synchronization>Synchronous</Synchronization>
+    <Type>10001</Type>
+    <SequenceNumber>1000</SequenceNumber>
+    <Assembly>Microsoft.Office.DocumentManagement, Version=14.0.0.0, Culture=neutral, PublicKeyToken=71e9bce111e9429c</Assembly>
+    <Class>Microsoft.Office.DocumentManagement.Internal.DocIdHandler</Class>
+    <Data/>
+    <Filter/>
+  </Receiver>
+  <Receiver>
+    <Name>Document ID Generator</Name>
+    <Synchronization>Synchronous</Synchronization>
+    <Type>10002</Type>
+    <SequenceNumber>1001</SequenceNumber>
+    <Assembly>Microsoft.Office.DocumentManagement, Version=14.0.0.0, Culture=neutral, PublicKeyToken=71e9bce111e9429c</Assembly>
+    <Class>Microsoft.Office.DocumentManagement.Internal.DocIdHandler</Class>
+    <Data/>
+    <Filter/>
+  </Receiver>
+  <Receiver>
+    <Name>Document ID Generator</Name>
+    <Synchronization>Synchronous</Synchronization>
+    <Type>10004</Type>
+    <SequenceNumber>1002</SequenceNumber>
+    <Assembly>Microsoft.Office.DocumentManagement, Version=14.0.0.0, Culture=neutral, PublicKeyToken=71e9bce111e9429c</Assembly>
+    <Class>Microsoft.Office.DocumentManagement.Internal.DocIdHandler</Class>
+    <Data/>
+    <Filter/>
+  </Receiver>
+  <Receiver>
+    <Name>Document ID Generator</Name>
+    <Synchronization>Synchronous</Synchronization>
+    <Type>10006</Type>
+    <SequenceNumber>1003</SequenceNumber>
+    <Assembly>Microsoft.Office.DocumentManagement, Version=14.0.0.0, Culture=neutral, PublicKeyToken=71e9bce111e9429c</Assembly>
+    <Class>Microsoft.Office.DocumentManagement.Internal.DocIdHandler</Class>
+    <Data/>
+    <Filter/>
+  </Receiver>
+</spe:Receivers>
 </file>
 
-<file path=customXml/item4.xml><?xml version="1.0" encoding="utf-8"?>
+<file path=customXml/item3.xml><?xml version="1.0" encoding="utf-8"?>
 <p:properties xmlns:p="http://schemas.microsoft.com/office/2006/metadata/properties" xmlns:xsi="http://www.w3.org/2001/XMLSchema-instance">
   <documentManagement>
     <AlternateThumbnailUrl xmlns="http://schemas.microsoft.com/sharepoint/v3">
@@ -15146,15 +19845,16 @@
 </p:properties>
 </file>
 
-<file path=customXml/itemProps1.xml><?xml version="1.0" encoding="utf-8"?>
-<ds:datastoreItem xmlns:ds="http://schemas.openxmlformats.org/officeDocument/2006/customXml" ds:itemID="{C8CB23D7-89E5-42FF-A5EB-008A06AB37C7}">
-  <ds:schemaRefs>
-    <ds:schemaRef ds:uri="http://schemas.microsoft.com/sharepoint/events"/>
-  </ds:schemaRefs>
-</ds:datastoreItem>
+<file path=customXml/item4.xml><?xml version="1.0" encoding="utf-8"?>
+<?mso-contentType ?>
+<FormTemplates xmlns="http://schemas.microsoft.com/sharepoint/v3/contenttype/forms">
+  <Display>DocumentLibraryForm</Display>
+  <Edit>DocumentLibraryForm</Edit>
+  <New>DocumentLibraryForm</New>
+</FormTemplates>
 </file>
 
-<file path=customXml/itemProps2.xml><?xml version="1.0" encoding="utf-8"?>
+<file path=customXml/itemProps1.xml><?xml version="1.0" encoding="utf-8"?>
 <ds:datastoreItem xmlns:ds="http://schemas.openxmlformats.org/officeDocument/2006/customXml" ds:itemID="{E2FEA05E-38D0-44EA-8B8D-2375FC6AAF09}">
   <ds:schemaRefs>
     <ds:schemaRef ds:uri="http://schemas.microsoft.com/office/2006/metadata/contentType"/>
@@ -15173,15 +19873,15 @@
 </ds:datastoreItem>
 </file>
 
-<file path=customXml/itemProps3.xml><?xml version="1.0" encoding="utf-8"?>
-<ds:datastoreItem xmlns:ds="http://schemas.openxmlformats.org/officeDocument/2006/customXml" ds:itemID="{9C777C69-0744-4BF3-8514-FB149EBD2248}">
+<file path=customXml/itemProps2.xml><?xml version="1.0" encoding="utf-8"?>
+<ds:datastoreItem xmlns:ds="http://schemas.openxmlformats.org/officeDocument/2006/customXml" ds:itemID="{C8CB23D7-89E5-42FF-A5EB-008A06AB37C7}">
   <ds:schemaRefs>
-    <ds:schemaRef ds:uri="http://schemas.microsoft.com/sharepoint/v3/contenttype/forms"/>
+    <ds:schemaRef ds:uri="http://schemas.microsoft.com/sharepoint/events"/>
   </ds:schemaRefs>
 </ds:datastoreItem>
 </file>
 
-<file path=customXml/itemProps4.xml><?xml version="1.0" encoding="utf-8"?>
+<file path=customXml/itemProps3.xml><?xml version="1.0" encoding="utf-8"?>
 <ds:datastoreItem xmlns:ds="http://schemas.openxmlformats.org/officeDocument/2006/customXml" ds:itemID="{AE6E82D6-7FB8-4D99-A7B6-3C5BB1D894B9}">
   <ds:schemaRefs>
     <ds:schemaRef ds:uri="http://schemas.microsoft.com/office/2006/documentManagement/types"/>
@@ -15196,4 +19896,12 @@
     <ds:schemaRef ds:uri="http://schemas.microsoft.com/office/infopath/2007/PartnerControls"/>
   </ds:schemaRefs>
 </ds:datastoreItem>
+</file>
+
+<file path=customXml/itemProps4.xml><?xml version="1.0" encoding="utf-8"?>
+<ds:datastoreItem xmlns:ds="http://schemas.openxmlformats.org/officeDocument/2006/customXml" ds:itemID="{9C777C69-0744-4BF3-8514-FB149EBD2248}">
+  <ds:schemaRefs>
+    <ds:schemaRef ds:uri="http://schemas.microsoft.com/sharepoint/v3/contenttype/forms"/>
+  </ds:schemaRefs>
+</ds:datastoreItem>
 </file>